--- a/trunk/Hospital Finder.pptx
+++ b/trunk/Hospital Finder.pptx
@@ -5,23 +5,29 @@
     <p:sldMasterId id="2147484275" r:id="rId1"/>
   </p:sldMasterIdLst>
   <p:notesMasterIdLst>
-    <p:notesMasterId r:id="rId13"/>
+    <p:notesMasterId r:id="rId19"/>
   </p:notesMasterIdLst>
   <p:handoutMasterIdLst>
-    <p:handoutMasterId r:id="rId14"/>
+    <p:handoutMasterId r:id="rId20"/>
   </p:handoutMasterIdLst>
   <p:sldIdLst>
     <p:sldId id="256" r:id="rId2"/>
-    <p:sldId id="257" r:id="rId3"/>
-    <p:sldId id="258" r:id="rId4"/>
-    <p:sldId id="259" r:id="rId5"/>
-    <p:sldId id="260" r:id="rId6"/>
+    <p:sldId id="273" r:id="rId3"/>
+    <p:sldId id="257" r:id="rId4"/>
+    <p:sldId id="258" r:id="rId5"/>
+    <p:sldId id="271" r:id="rId6"/>
     <p:sldId id="261" r:id="rId7"/>
     <p:sldId id="262" r:id="rId8"/>
     <p:sldId id="266" r:id="rId9"/>
     <p:sldId id="263" r:id="rId10"/>
-    <p:sldId id="264" r:id="rId11"/>
-    <p:sldId id="265" r:id="rId12"/>
+    <p:sldId id="268" r:id="rId11"/>
+    <p:sldId id="269" r:id="rId12"/>
+    <p:sldId id="270" r:id="rId13"/>
+    <p:sldId id="272" r:id="rId14"/>
+    <p:sldId id="264" r:id="rId15"/>
+    <p:sldId id="259" r:id="rId16"/>
+    <p:sldId id="260" r:id="rId17"/>
+    <p:sldId id="265" r:id="rId18"/>
   </p:sldIdLst>
   <p:sldSz cx="9144000" cy="6858000" type="screen4x3"/>
   <p:notesSz cx="6858000" cy="9144000"/>
@@ -120,6 +126,11 @@
       </a:defRPr>
     </a:lvl9pPr>
   </p:defaultTextStyle>
+  <p:extLst>
+    <p:ext uri="{EFAFB233-063F-42B5-8137-9DF3F51BA10A}">
+      <p15:sldGuideLst xmlns:p15="http://schemas.microsoft.com/office/powerpoint/2012/main"/>
+    </p:ext>
+  </p:extLst>
 </p:presentation>
 </file>
 
@@ -205,7 +216,7 @@
           <a:p>
             <a:fld id="{D5014DB3-46DE-440C-A33D-036A864707E6}" type="datetime1">
               <a:rPr lang="en-US" smtClean="0"/>
-              <a:t>8/19/2014</a:t>
+              <a:t>9/2/2014</a:t>
             </a:fld>
             <a:endParaRPr lang="en-US"/>
           </a:p>
@@ -375,7 +386,7 @@
           <a:p>
             <a:fld id="{16CEF51C-6E80-463B-BF78-61DD689437CC}" type="datetime1">
               <a:rPr lang="en-US" smtClean="0"/>
-              <a:t>8/19/2014</a:t>
+              <a:t>9/2/2014</a:t>
             </a:fld>
             <a:endParaRPr lang="en-US"/>
           </a:p>
@@ -736,7 +747,7 @@
           <a:p>
             <a:fld id="{AE524106-A5DD-4290-8884-9D345B15A011}" type="datetime1">
               <a:rPr lang="en-US" smtClean="0"/>
-              <a:t>8/19/2014</a:t>
+              <a:t>9/2/2014</a:t>
             </a:fld>
             <a:endParaRPr lang="en-US"/>
           </a:p>
@@ -820,7 +831,7 @@
           <a:p>
             <a:fld id="{A75126B9-9945-472F-9329-52A79CF0ABCF}" type="slidenum">
               <a:rPr lang="en-US" smtClean="0"/>
-              <a:t>2</a:t>
+              <a:t>3</a:t>
             </a:fld>
             <a:endParaRPr lang="en-US"/>
           </a:p>
@@ -843,7 +854,7 @@
           <a:p>
             <a:fld id="{308726DA-7AC9-4E2A-9800-4EA165235E18}" type="datetime1">
               <a:rPr lang="en-US" smtClean="0"/>
-              <a:t>8/19/2014</a:t>
+              <a:t>9/2/2014</a:t>
             </a:fld>
             <a:endParaRPr lang="en-US"/>
           </a:p>
@@ -1057,7 +1068,7 @@
           <a:p>
             <a:fld id="{1BD78014-F13C-4EBE-B3A4-58074FB712AE}" type="datetime1">
               <a:rPr lang="vi-VN" smtClean="0"/>
-              <a:t>19/08/2014</a:t>
+              <a:t>02/09/2014</a:t>
             </a:fld>
             <a:endParaRPr lang="en-US"/>
           </a:p>
@@ -1233,13 +1244,13 @@
   <p:clrMapOvr>
     <a:masterClrMapping/>
   </p:clrMapOvr>
-  <mc:AlternateContent xmlns:mc="http://schemas.openxmlformats.org/markup-compatibility/2006">
-    <mc:Choice xmlns:p14="http://schemas.microsoft.com/office/powerpoint/2010/main" Requires="p14">
+  <mc:AlternateContent xmlns:mc="http://schemas.openxmlformats.org/markup-compatibility/2006" xmlns:p14="http://schemas.microsoft.com/office/powerpoint/2010/main">
+    <mc:Choice Requires="p14">
       <p:transition spd="med" p14:dur="700">
         <p:fade/>
       </p:transition>
     </mc:Choice>
-    <mc:Fallback>
+    <mc:Fallback xmlns="">
       <p:transition spd="med">
         <p:fade/>
       </p:transition>
@@ -1364,7 +1375,7 @@
           <a:p>
             <a:fld id="{F2EED8C7-0D59-4BB2-A576-B53AA676AD69}" type="datetime1">
               <a:rPr lang="vi-VN" smtClean="0"/>
-              <a:t>19/08/2014</a:t>
+              <a:t>02/09/2014</a:t>
             </a:fld>
             <a:endParaRPr lang="en-US"/>
           </a:p>
@@ -1426,13 +1437,13 @@
   <p:clrMapOvr>
     <a:masterClrMapping/>
   </p:clrMapOvr>
-  <mc:AlternateContent xmlns:mc="http://schemas.openxmlformats.org/markup-compatibility/2006">
-    <mc:Choice xmlns:p14="http://schemas.microsoft.com/office/powerpoint/2010/main" Requires="p14">
+  <mc:AlternateContent xmlns:mc="http://schemas.openxmlformats.org/markup-compatibility/2006" xmlns:p14="http://schemas.microsoft.com/office/powerpoint/2010/main">
+    <mc:Choice Requires="p14">
       <p:transition spd="med" p14:dur="700">
         <p:fade/>
       </p:transition>
     </mc:Choice>
-    <mc:Fallback>
+    <mc:Fallback xmlns="">
       <p:transition spd="med">
         <p:fade/>
       </p:transition>
@@ -1567,7 +1578,7 @@
           <a:p>
             <a:fld id="{99AAB93C-5823-43CC-B3EA-2419FC19E7BD}" type="datetime1">
               <a:rPr lang="vi-VN" smtClean="0"/>
-              <a:t>19/08/2014</a:t>
+              <a:t>02/09/2014</a:t>
             </a:fld>
             <a:endParaRPr lang="en-US"/>
           </a:p>
@@ -1629,13 +1640,13 @@
   <p:clrMapOvr>
     <a:masterClrMapping/>
   </p:clrMapOvr>
-  <mc:AlternateContent xmlns:mc="http://schemas.openxmlformats.org/markup-compatibility/2006">
-    <mc:Choice xmlns:p14="http://schemas.microsoft.com/office/powerpoint/2010/main" Requires="p14">
+  <mc:AlternateContent xmlns:mc="http://schemas.openxmlformats.org/markup-compatibility/2006" xmlns:p14="http://schemas.microsoft.com/office/powerpoint/2010/main">
+    <mc:Choice Requires="p14">
       <p:transition spd="med" p14:dur="700">
         <p:fade/>
       </p:transition>
     </mc:Choice>
-    <mc:Fallback>
+    <mc:Fallback xmlns="">
       <p:transition spd="med">
         <p:fade/>
       </p:transition>
@@ -1767,7 +1778,7 @@
           <a:p>
             <a:fld id="{338DD89B-4726-4C7C-931A-DE3FAD6E9CBA}" type="datetime1">
               <a:rPr lang="vi-VN" smtClean="0"/>
-              <a:t>19/08/2014</a:t>
+              <a:t>02/09/2014</a:t>
             </a:fld>
             <a:endParaRPr lang="en-US"/>
           </a:p>
@@ -1829,13 +1840,13 @@
   <p:clrMapOvr>
     <a:masterClrMapping/>
   </p:clrMapOvr>
-  <mc:AlternateContent xmlns:mc="http://schemas.openxmlformats.org/markup-compatibility/2006">
-    <mc:Choice xmlns:p14="http://schemas.microsoft.com/office/powerpoint/2010/main" Requires="p14">
+  <mc:AlternateContent xmlns:mc="http://schemas.openxmlformats.org/markup-compatibility/2006" xmlns:p14="http://schemas.microsoft.com/office/powerpoint/2010/main">
+    <mc:Choice Requires="p14">
       <p:transition spd="med" p14:dur="700">
         <p:fade/>
       </p:transition>
     </mc:Choice>
-    <mc:Fallback>
+    <mc:Fallback xmlns="">
       <p:transition spd="med">
         <p:fade/>
       </p:transition>
@@ -2041,7 +2052,7 @@
           <a:p>
             <a:fld id="{043A32F7-33B2-431E-B844-561774BA2CD9}" type="datetime1">
               <a:rPr lang="vi-VN" smtClean="0"/>
-              <a:t>19/08/2014</a:t>
+              <a:t>02/09/2014</a:t>
             </a:fld>
             <a:endParaRPr lang="en-US"/>
           </a:p>
@@ -2138,13 +2149,13 @@
   <p:clrMapOvr>
     <a:masterClrMapping/>
   </p:clrMapOvr>
-  <mc:AlternateContent xmlns:mc="http://schemas.openxmlformats.org/markup-compatibility/2006">
-    <mc:Choice xmlns:p14="http://schemas.microsoft.com/office/powerpoint/2010/main" Requires="p14">
+  <mc:AlternateContent xmlns:mc="http://schemas.openxmlformats.org/markup-compatibility/2006" xmlns:p14="http://schemas.microsoft.com/office/powerpoint/2010/main">
+    <mc:Choice Requires="p14">
       <p:transition spd="med" p14:dur="700">
         <p:fade/>
       </p:transition>
     </mc:Choice>
-    <mc:Fallback>
+    <mc:Fallback xmlns="">
       <p:transition spd="med">
         <p:fade/>
       </p:transition>
@@ -2387,7 +2398,7 @@
           <a:p>
             <a:fld id="{42D580C6-24F6-4547-B148-6B8DE6E3C851}" type="datetime1">
               <a:rPr lang="vi-VN" smtClean="0"/>
-              <a:t>19/08/2014</a:t>
+              <a:t>02/09/2014</a:t>
             </a:fld>
             <a:endParaRPr lang="en-US"/>
           </a:p>
@@ -2449,13 +2460,13 @@
   <p:clrMapOvr>
     <a:masterClrMapping/>
   </p:clrMapOvr>
-  <mc:AlternateContent xmlns:mc="http://schemas.openxmlformats.org/markup-compatibility/2006">
-    <mc:Choice xmlns:p14="http://schemas.microsoft.com/office/powerpoint/2010/main" Requires="p14">
+  <mc:AlternateContent xmlns:mc="http://schemas.openxmlformats.org/markup-compatibility/2006" xmlns:p14="http://schemas.microsoft.com/office/powerpoint/2010/main">
+    <mc:Choice Requires="p14">
       <p:transition spd="med" p14:dur="700">
         <p:fade/>
       </p:transition>
     </mc:Choice>
-    <mc:Fallback>
+    <mc:Fallback xmlns="">
       <p:transition spd="med">
         <p:fade/>
       </p:transition>
@@ -2834,7 +2845,7 @@
           <a:p>
             <a:fld id="{EED119AD-CB76-4E05-BBCE-B3E9FE18C2BB}" type="datetime1">
               <a:rPr lang="vi-VN" smtClean="0"/>
-              <a:t>19/08/2014</a:t>
+              <a:t>02/09/2014</a:t>
             </a:fld>
             <a:endParaRPr lang="en-US"/>
           </a:p>
@@ -2896,13 +2907,13 @@
   <p:clrMapOvr>
     <a:masterClrMapping/>
   </p:clrMapOvr>
-  <mc:AlternateContent xmlns:mc="http://schemas.openxmlformats.org/markup-compatibility/2006">
-    <mc:Choice xmlns:p14="http://schemas.microsoft.com/office/powerpoint/2010/main" Requires="p14">
+  <mc:AlternateContent xmlns:mc="http://schemas.openxmlformats.org/markup-compatibility/2006" xmlns:p14="http://schemas.microsoft.com/office/powerpoint/2010/main">
+    <mc:Choice Requires="p14">
       <p:transition spd="med" p14:dur="700">
         <p:fade/>
       </p:transition>
     </mc:Choice>
-    <mc:Fallback>
+    <mc:Fallback xmlns="">
       <p:transition spd="med">
         <p:fade/>
       </p:transition>
@@ -2975,7 +2986,7 @@
           <a:p>
             <a:fld id="{49154D76-D45A-4452-8A33-801FF6F7E566}" type="datetime1">
               <a:rPr lang="vi-VN" smtClean="0"/>
-              <a:t>19/08/2014</a:t>
+              <a:t>02/09/2014</a:t>
             </a:fld>
             <a:endParaRPr lang="en-US"/>
           </a:p>
@@ -3037,13 +3048,13 @@
   <p:clrMapOvr>
     <a:masterClrMapping/>
   </p:clrMapOvr>
-  <mc:AlternateContent xmlns:mc="http://schemas.openxmlformats.org/markup-compatibility/2006">
-    <mc:Choice xmlns:p14="http://schemas.microsoft.com/office/powerpoint/2010/main" Requires="p14">
+  <mc:AlternateContent xmlns:mc="http://schemas.openxmlformats.org/markup-compatibility/2006" xmlns:p14="http://schemas.microsoft.com/office/powerpoint/2010/main">
+    <mc:Choice Requires="p14">
       <p:transition spd="med" p14:dur="700">
         <p:fade/>
       </p:transition>
     </mc:Choice>
-    <mc:Fallback>
+    <mc:Fallback xmlns="">
       <p:transition spd="med">
         <p:fade/>
       </p:transition>
@@ -3093,7 +3104,7 @@
           <a:p>
             <a:fld id="{13136379-DEE3-4E7C-BE40-9ED47DDA5F28}" type="datetime1">
               <a:rPr lang="vi-VN" smtClean="0"/>
-              <a:t>19/08/2014</a:t>
+              <a:t>02/09/2014</a:t>
             </a:fld>
             <a:endParaRPr lang="en-US"/>
           </a:p>
@@ -3155,13 +3166,13 @@
   <p:clrMapOvr>
     <a:masterClrMapping/>
   </p:clrMapOvr>
-  <mc:AlternateContent xmlns:mc="http://schemas.openxmlformats.org/markup-compatibility/2006">
-    <mc:Choice xmlns:p14="http://schemas.microsoft.com/office/powerpoint/2010/main" Requires="p14">
+  <mc:AlternateContent xmlns:mc="http://schemas.openxmlformats.org/markup-compatibility/2006" xmlns:p14="http://schemas.microsoft.com/office/powerpoint/2010/main">
+    <mc:Choice Requires="p14">
       <p:transition spd="med" p14:dur="700">
         <p:fade/>
       </p:transition>
     </mc:Choice>
-    <mc:Fallback>
+    <mc:Fallback xmlns="">
       <p:transition spd="med">
         <p:fade/>
       </p:transition>
@@ -3406,7 +3417,7 @@
           <a:p>
             <a:fld id="{EA7133D8-7D0B-427B-A933-83508E7579AB}" type="datetime1">
               <a:rPr lang="vi-VN" smtClean="0"/>
-              <a:t>19/08/2014</a:t>
+              <a:t>02/09/2014</a:t>
             </a:fld>
             <a:endParaRPr lang="en-US"/>
           </a:p>
@@ -3468,13 +3479,13 @@
   <p:clrMapOvr>
     <a:masterClrMapping/>
   </p:clrMapOvr>
-  <mc:AlternateContent xmlns:mc="http://schemas.openxmlformats.org/markup-compatibility/2006">
-    <mc:Choice xmlns:p14="http://schemas.microsoft.com/office/powerpoint/2010/main" Requires="p14">
+  <mc:AlternateContent xmlns:mc="http://schemas.openxmlformats.org/markup-compatibility/2006" xmlns:p14="http://schemas.microsoft.com/office/powerpoint/2010/main">
+    <mc:Choice Requires="p14">
       <p:transition spd="med" p14:dur="700">
         <p:fade/>
       </p:transition>
     </mc:Choice>
-    <mc:Fallback>
+    <mc:Fallback xmlns="">
       <p:transition spd="med">
         <p:fade/>
       </p:transition>
@@ -3701,7 +3712,7 @@
           <a:p>
             <a:fld id="{F0138FBD-BCAA-474A-823F-FDEBA0C06EC3}" type="datetime1">
               <a:rPr lang="vi-VN" smtClean="0"/>
-              <a:t>19/08/2014</a:t>
+              <a:t>02/09/2014</a:t>
             </a:fld>
             <a:endParaRPr lang="en-US"/>
           </a:p>
@@ -3763,13 +3774,13 @@
   <p:clrMapOvr>
     <a:masterClrMapping/>
   </p:clrMapOvr>
-  <mc:AlternateContent xmlns:mc="http://schemas.openxmlformats.org/markup-compatibility/2006">
-    <mc:Choice xmlns:p14="http://schemas.microsoft.com/office/powerpoint/2010/main" Requires="p14">
+  <mc:AlternateContent xmlns:mc="http://schemas.openxmlformats.org/markup-compatibility/2006" xmlns:p14="http://schemas.microsoft.com/office/powerpoint/2010/main">
+    <mc:Choice Requires="p14">
       <p:transition spd="med" p14:dur="700">
         <p:fade/>
       </p:transition>
     </mc:Choice>
-    <mc:Fallback>
+    <mc:Fallback xmlns="">
       <p:transition spd="med">
         <p:fade/>
       </p:transition>
@@ -3984,7 +3995,7 @@
           <a:p>
             <a:fld id="{2DA94F25-B0FA-4166-BF5E-1AB6584D67DA}" type="datetime1">
               <a:rPr lang="vi-VN" smtClean="0"/>
-              <a:t>19/08/2014</a:t>
+              <a:t>02/09/2014</a:t>
             </a:fld>
             <a:endParaRPr lang="en-US"/>
           </a:p>
@@ -4182,13 +4193,13 @@
     <p:sldLayoutId id="2147484285" r:id="rId10"/>
     <p:sldLayoutId id="2147484286" r:id="rId11"/>
   </p:sldLayoutIdLst>
-  <mc:AlternateContent xmlns:mc="http://schemas.openxmlformats.org/markup-compatibility/2006">
-    <mc:Choice xmlns:p14="http://schemas.microsoft.com/office/powerpoint/2010/main" Requires="p14">
+  <mc:AlternateContent xmlns:mc="http://schemas.openxmlformats.org/markup-compatibility/2006" xmlns:p14="http://schemas.microsoft.com/office/powerpoint/2010/main">
+    <mc:Choice Requires="p14">
       <p:transition spd="med" p14:dur="700">
         <p:fade/>
       </p:transition>
     </mc:Choice>
-    <mc:Fallback>
+    <mc:Fallback xmlns="">
       <p:transition spd="med">
         <p:fade/>
       </p:transition>
@@ -4718,7 +4729,7 @@
           <a:p>
             <a:fld id="{DA1B3CA3-053C-482B-B84B-03188971FFBA}" type="datetime1">
               <a:rPr lang="vi-VN" smtClean="0"/>
-              <a:t>19/08/2014</a:t>
+              <a:t>02/09/2014</a:t>
             </a:fld>
             <a:endParaRPr lang="en-US"/>
           </a:p>
@@ -4787,13 +4798,13 @@
   <p:clrMapOvr>
     <a:masterClrMapping/>
   </p:clrMapOvr>
-  <mc:AlternateContent xmlns:mc="http://schemas.openxmlformats.org/markup-compatibility/2006">
-    <mc:Choice xmlns:p14="http://schemas.microsoft.com/office/powerpoint/2010/main" Requires="p14">
+  <mc:AlternateContent xmlns:mc="http://schemas.openxmlformats.org/markup-compatibility/2006" xmlns:p14="http://schemas.microsoft.com/office/powerpoint/2010/main">
+    <mc:Choice Requires="p14">
       <p:transition spd="med" p14:dur="700">
         <p:fade/>
       </p:transition>
     </mc:Choice>
-    <mc:Fallback>
+    <mc:Fallback xmlns="">
       <p:transition spd="med">
         <p:fade/>
       </p:transition>
@@ -4842,14 +4853,2104 @@
           <a:lstStyle/>
           <a:p>
             <a:r>
+              <a:rPr lang="en-US" dirty="0" smtClean="0"/>
+              <a:t>ALGORITHMS</a:t>
+            </a:r>
+            <a:endParaRPr lang="en-US" dirty="0"/>
+          </a:p>
+        </p:txBody>
+      </p:sp>
+      <p:sp>
+        <p:nvSpPr>
+          <p:cNvPr id="3" name="Content Placeholder 2"/>
+          <p:cNvSpPr>
+            <a:spLocks noGrp="1"/>
+          </p:cNvSpPr>
+          <p:nvPr>
+            <p:ph idx="1"/>
+          </p:nvPr>
+        </p:nvSpPr>
+        <p:spPr>
+          <a:xfrm>
+            <a:off x="857251" y="1640541"/>
+            <a:ext cx="7404653" cy="4666129"/>
+          </a:xfrm>
+        </p:spPr>
+        <p:txBody>
+          <a:bodyPr>
+            <a:normAutofit/>
+          </a:bodyPr>
+          <a:lstStyle/>
+          <a:p>
+            <a:r>
+              <a:rPr lang="en-US" sz="2500" dirty="0" smtClean="0">
+                <a:solidFill>
+                  <a:srgbClr val="FF0000"/>
+                </a:solidFill>
+              </a:rPr>
+              <a:t>Geographic Information Retrieval</a:t>
+            </a:r>
+          </a:p>
+          <a:p>
+            <a:pPr lvl="1" algn="just">
+              <a:spcBef>
+                <a:spcPts val="1200"/>
+              </a:spcBef>
+              <a:buFont typeface="Corbel" panose="020B0503020204020204" pitchFamily="34" charset="0"/>
+              <a:buChar char="_"/>
+            </a:pPr>
+            <a:r>
+              <a:rPr lang="en-US" sz="2500" dirty="0" smtClean="0">
+                <a:solidFill>
+                  <a:srgbClr val="FF0000"/>
+                </a:solidFill>
+              </a:rPr>
+              <a:t>Case 1</a:t>
+            </a:r>
+            <a:r>
+              <a:rPr lang="en-US" sz="2500" dirty="0" smtClean="0"/>
+              <a:t>: Input query “</a:t>
+            </a:r>
+            <a:r>
+              <a:rPr lang="en-US" sz="2500" b="1" dirty="0" err="1" smtClean="0"/>
+              <a:t>bệnh</a:t>
+            </a:r>
+            <a:r>
+              <a:rPr lang="en-US" sz="2500" b="1" dirty="0" smtClean="0"/>
+              <a:t> </a:t>
+            </a:r>
+            <a:r>
+              <a:rPr lang="en-US" sz="2500" b="1" dirty="0" err="1" smtClean="0"/>
+              <a:t>viện</a:t>
+            </a:r>
+            <a:r>
+              <a:rPr lang="en-US" sz="2500" b="1" dirty="0" smtClean="0"/>
+              <a:t> </a:t>
+            </a:r>
+            <a:r>
+              <a:rPr lang="en-US" sz="2500" b="1" dirty="0" err="1" smtClean="0"/>
+              <a:t>mắt</a:t>
+            </a:r>
+            <a:r>
+              <a:rPr lang="en-US" sz="2500" b="1" dirty="0" smtClean="0"/>
+              <a:t> ở </a:t>
+            </a:r>
+            <a:r>
+              <a:rPr lang="en-US" sz="2500" b="1" dirty="0" err="1" smtClean="0"/>
+              <a:t>quận</a:t>
+            </a:r>
+            <a:r>
+              <a:rPr lang="en-US" sz="2500" b="1" dirty="0" smtClean="0"/>
+              <a:t> 1</a:t>
+            </a:r>
+            <a:r>
+              <a:rPr lang="en-US" sz="2500" dirty="0" smtClean="0"/>
+              <a:t>”</a:t>
+            </a:r>
+          </a:p>
+          <a:p>
+            <a:pPr lvl="1" algn="just">
+              <a:spcBef>
+                <a:spcPts val="1200"/>
+              </a:spcBef>
+              <a:buFont typeface="Corbel" panose="020B0503020204020204" pitchFamily="34" charset="0"/>
+              <a:buChar char="_"/>
+            </a:pPr>
+            <a:r>
+              <a:rPr lang="en-US" sz="2500" dirty="0" smtClean="0"/>
+              <a:t>Process:</a:t>
+            </a:r>
+          </a:p>
+          <a:p>
+            <a:pPr lvl="2" algn="just">
+              <a:spcBef>
+                <a:spcPts val="1200"/>
+              </a:spcBef>
+              <a:buFont typeface="Arial" panose="020B0604020202020204" pitchFamily="34" charset="0"/>
+              <a:buChar char="•"/>
+            </a:pPr>
+            <a:r>
+              <a:rPr lang="en-US" sz="2500" dirty="0" smtClean="0"/>
+              <a:t>Step 1: Identify </a:t>
+            </a:r>
+            <a:r>
+              <a:rPr lang="en-US" sz="2500" b="1" dirty="0" smtClean="0"/>
+              <a:t>{Relation}</a:t>
+            </a:r>
+            <a:r>
+              <a:rPr lang="en-US" sz="2500" dirty="0" smtClean="0"/>
+              <a:t> based on pre-defined relation words. </a:t>
+            </a:r>
+            <a:r>
+              <a:rPr lang="en-US" sz="2500" b="1" dirty="0"/>
+              <a:t>{Relation</a:t>
+            </a:r>
+            <a:r>
+              <a:rPr lang="en-US" sz="2500" b="1" dirty="0" smtClean="0"/>
+              <a:t>} </a:t>
+            </a:r>
+            <a:r>
+              <a:rPr lang="en-US" sz="2500" dirty="0" smtClean="0"/>
+              <a:t>found: “</a:t>
+            </a:r>
+            <a:r>
+              <a:rPr lang="en-US" sz="2500" dirty="0" smtClean="0">
+                <a:solidFill>
+                  <a:srgbClr val="FF0000"/>
+                </a:solidFill>
+              </a:rPr>
+              <a:t>ở</a:t>
+            </a:r>
+            <a:r>
+              <a:rPr lang="en-US" sz="2500" dirty="0" smtClean="0"/>
+              <a:t>”</a:t>
+            </a:r>
+          </a:p>
+          <a:p>
+            <a:pPr lvl="2" algn="just">
+              <a:spcBef>
+                <a:spcPts val="1200"/>
+              </a:spcBef>
+              <a:buFont typeface="Arial" panose="020B0604020202020204" pitchFamily="34" charset="0"/>
+              <a:buChar char="•"/>
+            </a:pPr>
+            <a:r>
+              <a:rPr lang="en-US" sz="2500" dirty="0" smtClean="0"/>
+              <a:t>Step 2: Identify </a:t>
+            </a:r>
+            <a:r>
+              <a:rPr lang="en-US" sz="2500" b="1" dirty="0"/>
+              <a:t>{Where</a:t>
+            </a:r>
+            <a:r>
+              <a:rPr lang="en-US" sz="2500" b="1" dirty="0" smtClean="0"/>
+              <a:t>} </a:t>
+            </a:r>
+            <a:r>
+              <a:rPr lang="en-US" sz="2500" dirty="0" smtClean="0"/>
+              <a:t>after </a:t>
+            </a:r>
+            <a:r>
+              <a:rPr lang="en-US" sz="2500" b="1" dirty="0"/>
+              <a:t>{Relation}</a:t>
+            </a:r>
+            <a:r>
+              <a:rPr lang="en-US" sz="2500" dirty="0" smtClean="0"/>
+              <a:t>. </a:t>
+            </a:r>
+            <a:r>
+              <a:rPr lang="en-US" sz="2500" b="1" dirty="0"/>
+              <a:t>{Where} </a:t>
+            </a:r>
+            <a:r>
+              <a:rPr lang="en-US" sz="2500" dirty="0" smtClean="0"/>
+              <a:t>found: “</a:t>
+            </a:r>
+            <a:r>
+              <a:rPr lang="en-US" sz="2500" dirty="0" err="1" smtClean="0">
+                <a:solidFill>
+                  <a:srgbClr val="FF0000"/>
+                </a:solidFill>
+              </a:rPr>
+              <a:t>quận</a:t>
+            </a:r>
+            <a:r>
+              <a:rPr lang="en-US" sz="2500" dirty="0" smtClean="0">
+                <a:solidFill>
+                  <a:srgbClr val="FF0000"/>
+                </a:solidFill>
+              </a:rPr>
+              <a:t> 1</a:t>
+            </a:r>
+            <a:r>
+              <a:rPr lang="en-US" sz="2500" dirty="0" smtClean="0"/>
+              <a:t>”</a:t>
+            </a:r>
+          </a:p>
+          <a:p>
+            <a:pPr lvl="2" algn="just">
+              <a:spcBef>
+                <a:spcPts val="1200"/>
+              </a:spcBef>
+              <a:buFont typeface="Arial" panose="020B0604020202020204" pitchFamily="34" charset="0"/>
+              <a:buChar char="•"/>
+            </a:pPr>
+            <a:r>
+              <a:rPr lang="en-US" sz="2500" dirty="0" smtClean="0"/>
+              <a:t>Step 3: Identify </a:t>
+            </a:r>
+            <a:r>
+              <a:rPr lang="en-US" sz="2500" b="1" dirty="0"/>
+              <a:t>{What</a:t>
+            </a:r>
+            <a:r>
+              <a:rPr lang="en-US" sz="2500" b="1" dirty="0" smtClean="0"/>
+              <a:t>} </a:t>
+            </a:r>
+            <a:r>
+              <a:rPr lang="en-US" sz="2500" dirty="0" smtClean="0"/>
+              <a:t>before </a:t>
+            </a:r>
+            <a:r>
+              <a:rPr lang="en-US" sz="2500" b="1" dirty="0"/>
+              <a:t>{Relation}</a:t>
+            </a:r>
+            <a:r>
+              <a:rPr lang="en-US" sz="2500" dirty="0" smtClean="0"/>
+              <a:t>. </a:t>
+            </a:r>
+            <a:r>
+              <a:rPr lang="en-US" sz="2500" b="1" dirty="0"/>
+              <a:t>{What} </a:t>
+            </a:r>
+            <a:r>
+              <a:rPr lang="en-US" sz="2500" dirty="0" smtClean="0"/>
+              <a:t>found “</a:t>
+            </a:r>
+            <a:r>
+              <a:rPr lang="en-US" sz="2500" dirty="0" err="1" smtClean="0">
+                <a:solidFill>
+                  <a:srgbClr val="FF0000"/>
+                </a:solidFill>
+              </a:rPr>
+              <a:t>bệnh</a:t>
+            </a:r>
+            <a:r>
+              <a:rPr lang="en-US" sz="2500" dirty="0" smtClean="0">
+                <a:solidFill>
+                  <a:srgbClr val="FF0000"/>
+                </a:solidFill>
+              </a:rPr>
+              <a:t> </a:t>
+            </a:r>
+            <a:r>
+              <a:rPr lang="en-US" sz="2500" dirty="0" err="1" smtClean="0">
+                <a:solidFill>
+                  <a:srgbClr val="FF0000"/>
+                </a:solidFill>
+              </a:rPr>
+              <a:t>viện</a:t>
+            </a:r>
+            <a:r>
+              <a:rPr lang="en-US" sz="2500" dirty="0" smtClean="0">
+                <a:solidFill>
+                  <a:srgbClr val="FF0000"/>
+                </a:solidFill>
+              </a:rPr>
+              <a:t> </a:t>
+            </a:r>
+            <a:r>
+              <a:rPr lang="en-US" sz="2500" dirty="0" err="1" smtClean="0">
+                <a:solidFill>
+                  <a:srgbClr val="FF0000"/>
+                </a:solidFill>
+              </a:rPr>
+              <a:t>mắt</a:t>
+            </a:r>
+            <a:r>
+              <a:rPr lang="en-US" sz="2500" dirty="0" smtClean="0"/>
+              <a:t>”</a:t>
+            </a:r>
+          </a:p>
+        </p:txBody>
+      </p:sp>
+      <p:sp>
+        <p:nvSpPr>
+          <p:cNvPr id="4" name="Date Placeholder 3"/>
+          <p:cNvSpPr>
+            <a:spLocks noGrp="1"/>
+          </p:cNvSpPr>
+          <p:nvPr>
+            <p:ph type="dt" sz="half" idx="10"/>
+          </p:nvPr>
+        </p:nvSpPr>
+        <p:spPr/>
+        <p:txBody>
+          <a:bodyPr/>
+          <a:lstStyle/>
+          <a:p>
+            <a:fld id="{338DD89B-4726-4C7C-931A-DE3FAD6E9CBA}" type="datetime1">
+              <a:rPr lang="vi-VN" smtClean="0"/>
+              <a:t>02/09/2014</a:t>
+            </a:fld>
+            <a:endParaRPr lang="en-US"/>
+          </a:p>
+        </p:txBody>
+      </p:sp>
+      <p:sp>
+        <p:nvSpPr>
+          <p:cNvPr id="5" name="Slide Number Placeholder 4"/>
+          <p:cNvSpPr>
+            <a:spLocks noGrp="1"/>
+          </p:cNvSpPr>
+          <p:nvPr>
+            <p:ph type="sldNum" sz="quarter" idx="12"/>
+          </p:nvPr>
+        </p:nvSpPr>
+        <p:spPr/>
+        <p:txBody>
+          <a:bodyPr/>
+          <a:lstStyle/>
+          <a:p>
+            <a:fld id="{D1FACFED-01C6-437A-A89F-44FEA39E5018}" type="slidenum">
+              <a:rPr lang="en-US" smtClean="0"/>
+              <a:t>10</a:t>
+            </a:fld>
+            <a:endParaRPr lang="en-US"/>
+          </a:p>
+        </p:txBody>
+      </p:sp>
+    </p:spTree>
+    <p:extLst>
+      <p:ext uri="{BB962C8B-B14F-4D97-AF65-F5344CB8AC3E}">
+        <p14:creationId xmlns:p14="http://schemas.microsoft.com/office/powerpoint/2010/main" val="3069229227"/>
+      </p:ext>
+    </p:extLst>
+  </p:cSld>
+  <p:clrMapOvr>
+    <a:masterClrMapping/>
+  </p:clrMapOvr>
+  <mc:AlternateContent xmlns:mc="http://schemas.openxmlformats.org/markup-compatibility/2006" xmlns:p14="http://schemas.microsoft.com/office/powerpoint/2010/main">
+    <mc:Choice Requires="p14">
+      <p:transition spd="med" p14:dur="700">
+        <p:fade/>
+      </p:transition>
+    </mc:Choice>
+    <mc:Fallback xmlns="">
+      <p:transition spd="med">
+        <p:fade/>
+      </p:transition>
+    </mc:Fallback>
+  </mc:AlternateContent>
+  <p:timing>
+    <p:tnLst>
+      <p:par>
+        <p:cTn id="1" dur="indefinite" restart="never" nodeType="tmRoot">
+          <p:childTnLst>
+            <p:seq concurrent="1" nextAc="seek">
+              <p:cTn id="2" dur="indefinite" nodeType="mainSeq">
+                <p:childTnLst>
+                  <p:par>
+                    <p:cTn id="3" fill="hold">
+                      <p:stCondLst>
+                        <p:cond delay="indefinite"/>
+                      </p:stCondLst>
+                      <p:childTnLst>
+                        <p:par>
+                          <p:cTn id="4" fill="hold">
+                            <p:stCondLst>
+                              <p:cond delay="0"/>
+                            </p:stCondLst>
+                            <p:childTnLst>
+                              <p:par>
+                                <p:cTn id="5" presetID="10" presetClass="entr" presetSubtype="0" fill="hold" nodeType="clickEffect">
+                                  <p:stCondLst>
+                                    <p:cond delay="0"/>
+                                  </p:stCondLst>
+                                  <p:childTnLst>
+                                    <p:set>
+                                      <p:cBhvr>
+                                        <p:cTn id="6" dur="1" fill="hold">
+                                          <p:stCondLst>
+                                            <p:cond delay="0"/>
+                                          </p:stCondLst>
+                                        </p:cTn>
+                                        <p:tgtEl>
+                                          <p:spTgt spid="3">
+                                            <p:txEl>
+                                              <p:pRg st="2" end="2"/>
+                                            </p:txEl>
+                                          </p:spTgt>
+                                        </p:tgtEl>
+                                        <p:attrNameLst>
+                                          <p:attrName>style.visibility</p:attrName>
+                                        </p:attrNameLst>
+                                      </p:cBhvr>
+                                      <p:to>
+                                        <p:strVal val="visible"/>
+                                      </p:to>
+                                    </p:set>
+                                    <p:animEffect transition="in" filter="fade">
+                                      <p:cBhvr>
+                                        <p:cTn id="7" dur="500"/>
+                                        <p:tgtEl>
+                                          <p:spTgt spid="3">
+                                            <p:txEl>
+                                              <p:pRg st="2" end="2"/>
+                                            </p:txEl>
+                                          </p:spTgt>
+                                        </p:tgtEl>
+                                      </p:cBhvr>
+                                    </p:animEffect>
+                                  </p:childTnLst>
+                                </p:cTn>
+                              </p:par>
+                              <p:par>
+                                <p:cTn id="8" presetID="10" presetClass="entr" presetSubtype="0" fill="hold" nodeType="withEffect">
+                                  <p:stCondLst>
+                                    <p:cond delay="0"/>
+                                  </p:stCondLst>
+                                  <p:childTnLst>
+                                    <p:set>
+                                      <p:cBhvr>
+                                        <p:cTn id="9" dur="1" fill="hold">
+                                          <p:stCondLst>
+                                            <p:cond delay="0"/>
+                                          </p:stCondLst>
+                                        </p:cTn>
+                                        <p:tgtEl>
+                                          <p:spTgt spid="3">
+                                            <p:txEl>
+                                              <p:pRg st="3" end="3"/>
+                                            </p:txEl>
+                                          </p:spTgt>
+                                        </p:tgtEl>
+                                        <p:attrNameLst>
+                                          <p:attrName>style.visibility</p:attrName>
+                                        </p:attrNameLst>
+                                      </p:cBhvr>
+                                      <p:to>
+                                        <p:strVal val="visible"/>
+                                      </p:to>
+                                    </p:set>
+                                    <p:animEffect transition="in" filter="fade">
+                                      <p:cBhvr>
+                                        <p:cTn id="10" dur="500"/>
+                                        <p:tgtEl>
+                                          <p:spTgt spid="3">
+                                            <p:txEl>
+                                              <p:pRg st="3" end="3"/>
+                                            </p:txEl>
+                                          </p:spTgt>
+                                        </p:tgtEl>
+                                      </p:cBhvr>
+                                    </p:animEffect>
+                                  </p:childTnLst>
+                                </p:cTn>
+                              </p:par>
+                            </p:childTnLst>
+                          </p:cTn>
+                        </p:par>
+                      </p:childTnLst>
+                    </p:cTn>
+                  </p:par>
+                  <p:par>
+                    <p:cTn id="11" fill="hold">
+                      <p:stCondLst>
+                        <p:cond delay="indefinite"/>
+                      </p:stCondLst>
+                      <p:childTnLst>
+                        <p:par>
+                          <p:cTn id="12" fill="hold">
+                            <p:stCondLst>
+                              <p:cond delay="0"/>
+                            </p:stCondLst>
+                            <p:childTnLst>
+                              <p:par>
+                                <p:cTn id="13" presetID="10" presetClass="entr" presetSubtype="0" fill="hold" nodeType="clickEffect">
+                                  <p:stCondLst>
+                                    <p:cond delay="0"/>
+                                  </p:stCondLst>
+                                  <p:childTnLst>
+                                    <p:set>
+                                      <p:cBhvr>
+                                        <p:cTn id="14" dur="1" fill="hold">
+                                          <p:stCondLst>
+                                            <p:cond delay="0"/>
+                                          </p:stCondLst>
+                                        </p:cTn>
+                                        <p:tgtEl>
+                                          <p:spTgt spid="3">
+                                            <p:txEl>
+                                              <p:pRg st="4" end="4"/>
+                                            </p:txEl>
+                                          </p:spTgt>
+                                        </p:tgtEl>
+                                        <p:attrNameLst>
+                                          <p:attrName>style.visibility</p:attrName>
+                                        </p:attrNameLst>
+                                      </p:cBhvr>
+                                      <p:to>
+                                        <p:strVal val="visible"/>
+                                      </p:to>
+                                    </p:set>
+                                    <p:animEffect transition="in" filter="fade">
+                                      <p:cBhvr>
+                                        <p:cTn id="15" dur="500"/>
+                                        <p:tgtEl>
+                                          <p:spTgt spid="3">
+                                            <p:txEl>
+                                              <p:pRg st="4" end="4"/>
+                                            </p:txEl>
+                                          </p:spTgt>
+                                        </p:tgtEl>
+                                      </p:cBhvr>
+                                    </p:animEffect>
+                                  </p:childTnLst>
+                                </p:cTn>
+                              </p:par>
+                            </p:childTnLst>
+                          </p:cTn>
+                        </p:par>
+                      </p:childTnLst>
+                    </p:cTn>
+                  </p:par>
+                  <p:par>
+                    <p:cTn id="16" fill="hold">
+                      <p:stCondLst>
+                        <p:cond delay="indefinite"/>
+                      </p:stCondLst>
+                      <p:childTnLst>
+                        <p:par>
+                          <p:cTn id="17" fill="hold">
+                            <p:stCondLst>
+                              <p:cond delay="0"/>
+                            </p:stCondLst>
+                            <p:childTnLst>
+                              <p:par>
+                                <p:cTn id="18" presetID="10" presetClass="entr" presetSubtype="0" fill="hold" nodeType="clickEffect">
+                                  <p:stCondLst>
+                                    <p:cond delay="0"/>
+                                  </p:stCondLst>
+                                  <p:childTnLst>
+                                    <p:set>
+                                      <p:cBhvr>
+                                        <p:cTn id="19" dur="1" fill="hold">
+                                          <p:stCondLst>
+                                            <p:cond delay="0"/>
+                                          </p:stCondLst>
+                                        </p:cTn>
+                                        <p:tgtEl>
+                                          <p:spTgt spid="3">
+                                            <p:txEl>
+                                              <p:pRg st="5" end="5"/>
+                                            </p:txEl>
+                                          </p:spTgt>
+                                        </p:tgtEl>
+                                        <p:attrNameLst>
+                                          <p:attrName>style.visibility</p:attrName>
+                                        </p:attrNameLst>
+                                      </p:cBhvr>
+                                      <p:to>
+                                        <p:strVal val="visible"/>
+                                      </p:to>
+                                    </p:set>
+                                    <p:animEffect transition="in" filter="fade">
+                                      <p:cBhvr>
+                                        <p:cTn id="20" dur="500"/>
+                                        <p:tgtEl>
+                                          <p:spTgt spid="3">
+                                            <p:txEl>
+                                              <p:pRg st="5" end="5"/>
+                                            </p:txEl>
+                                          </p:spTgt>
+                                        </p:tgtEl>
+                                      </p:cBhvr>
+                                    </p:animEffect>
+                                  </p:childTnLst>
+                                </p:cTn>
+                              </p:par>
+                            </p:childTnLst>
+                          </p:cTn>
+                        </p:par>
+                      </p:childTnLst>
+                    </p:cTn>
+                  </p:par>
+                </p:childTnLst>
+              </p:cTn>
+              <p:prevCondLst>
+                <p:cond evt="onPrev" delay="0">
+                  <p:tgtEl>
+                    <p:sldTgt/>
+                  </p:tgtEl>
+                </p:cond>
+              </p:prevCondLst>
+              <p:nextCondLst>
+                <p:cond evt="onNext" delay="0">
+                  <p:tgtEl>
+                    <p:sldTgt/>
+                  </p:tgtEl>
+                </p:cond>
+              </p:nextCondLst>
+            </p:seq>
+          </p:childTnLst>
+        </p:cTn>
+      </p:par>
+    </p:tnLst>
+  </p:timing>
+</p:sld>
+</file>
+
+<file path=ppt/slides/slide11.xml><?xml version="1.0" encoding="utf-8"?>
+<p:sld xmlns:a="http://schemas.openxmlformats.org/drawingml/2006/main" xmlns:r="http://schemas.openxmlformats.org/officeDocument/2006/relationships" xmlns:p="http://schemas.openxmlformats.org/presentationml/2006/main">
+  <p:cSld>
+    <p:spTree>
+      <p:nvGrpSpPr>
+        <p:cNvPr id="1" name=""/>
+        <p:cNvGrpSpPr/>
+        <p:nvPr/>
+      </p:nvGrpSpPr>
+      <p:grpSpPr>
+        <a:xfrm>
+          <a:off x="0" y="0"/>
+          <a:ext cx="0" cy="0"/>
+          <a:chOff x="0" y="0"/>
+          <a:chExt cx="0" cy="0"/>
+        </a:xfrm>
+      </p:grpSpPr>
+      <p:sp>
+        <p:nvSpPr>
+          <p:cNvPr id="2" name="Title 1"/>
+          <p:cNvSpPr>
+            <a:spLocks noGrp="1"/>
+          </p:cNvSpPr>
+          <p:nvPr>
+            <p:ph type="title"/>
+          </p:nvPr>
+        </p:nvSpPr>
+        <p:spPr/>
+        <p:txBody>
+          <a:bodyPr/>
+          <a:lstStyle/>
+          <a:p>
+            <a:r>
+              <a:rPr lang="en-US" dirty="0" smtClean="0"/>
+              <a:t>ALGORITHMS</a:t>
+            </a:r>
+            <a:endParaRPr lang="en-US" dirty="0"/>
+          </a:p>
+        </p:txBody>
+      </p:sp>
+      <p:sp>
+        <p:nvSpPr>
+          <p:cNvPr id="3" name="Content Placeholder 2"/>
+          <p:cNvSpPr>
+            <a:spLocks noGrp="1"/>
+          </p:cNvSpPr>
+          <p:nvPr>
+            <p:ph idx="1"/>
+          </p:nvPr>
+        </p:nvSpPr>
+        <p:spPr>
+          <a:xfrm>
+            <a:off x="857251" y="1640541"/>
+            <a:ext cx="7404653" cy="4666129"/>
+          </a:xfrm>
+        </p:spPr>
+        <p:txBody>
+          <a:bodyPr>
+            <a:normAutofit/>
+          </a:bodyPr>
+          <a:lstStyle/>
+          <a:p>
+            <a:pPr algn="just"/>
+            <a:r>
+              <a:rPr lang="en-US" sz="2500" dirty="0" smtClean="0">
+                <a:solidFill>
+                  <a:srgbClr val="FF0000"/>
+                </a:solidFill>
+              </a:rPr>
+              <a:t>Geographic Information Retrieval</a:t>
+            </a:r>
+          </a:p>
+          <a:p>
+            <a:pPr lvl="1" algn="just">
+              <a:spcBef>
+                <a:spcPts val="1200"/>
+              </a:spcBef>
+              <a:buFont typeface="Corbel" panose="020B0503020204020204" pitchFamily="34" charset="0"/>
+              <a:buChar char="_"/>
+            </a:pPr>
+            <a:r>
+              <a:rPr lang="en-US" sz="2500" dirty="0" smtClean="0">
+                <a:solidFill>
+                  <a:srgbClr val="FF0000"/>
+                </a:solidFill>
+              </a:rPr>
+              <a:t>Case 2</a:t>
+            </a:r>
+            <a:r>
+              <a:rPr lang="en-US" sz="2500" dirty="0" smtClean="0"/>
+              <a:t>: Input query “</a:t>
+            </a:r>
+            <a:r>
+              <a:rPr lang="en-US" sz="2500" b="1" dirty="0" err="1" smtClean="0"/>
+              <a:t>bệnh</a:t>
+            </a:r>
+            <a:r>
+              <a:rPr lang="en-US" sz="2500" b="1" dirty="0" smtClean="0"/>
+              <a:t> </a:t>
+            </a:r>
+            <a:r>
+              <a:rPr lang="en-US" sz="2500" b="1" dirty="0" err="1" smtClean="0"/>
+              <a:t>viện</a:t>
+            </a:r>
+            <a:r>
+              <a:rPr lang="en-US" sz="2500" b="1" dirty="0" smtClean="0"/>
+              <a:t> </a:t>
+            </a:r>
+            <a:r>
+              <a:rPr lang="en-US" sz="2500" b="1" dirty="0" err="1" smtClean="0"/>
+              <a:t>mắt</a:t>
+            </a:r>
+            <a:r>
+              <a:rPr lang="en-US" sz="2500" b="1" dirty="0" smtClean="0"/>
+              <a:t> </a:t>
+            </a:r>
+            <a:r>
+              <a:rPr lang="en-US" sz="2500" b="1" dirty="0" err="1" smtClean="0"/>
+              <a:t>quận</a:t>
+            </a:r>
+            <a:r>
+              <a:rPr lang="en-US" sz="2500" b="1" dirty="0" smtClean="0"/>
+              <a:t> 1</a:t>
+            </a:r>
+            <a:r>
+              <a:rPr lang="en-US" sz="2500" dirty="0" smtClean="0"/>
+              <a:t>”</a:t>
+            </a:r>
+          </a:p>
+          <a:p>
+            <a:pPr lvl="1" algn="just">
+              <a:spcBef>
+                <a:spcPts val="1200"/>
+              </a:spcBef>
+              <a:buFont typeface="Corbel" panose="020B0503020204020204" pitchFamily="34" charset="0"/>
+              <a:buChar char="_"/>
+            </a:pPr>
+            <a:r>
+              <a:rPr lang="en-US" sz="2500" dirty="0" smtClean="0"/>
+              <a:t>Process:</a:t>
+            </a:r>
+          </a:p>
+          <a:p>
+            <a:pPr lvl="2" algn="just">
+              <a:spcBef>
+                <a:spcPts val="1200"/>
+              </a:spcBef>
+              <a:buFont typeface="Arial" panose="020B0604020202020204" pitchFamily="34" charset="0"/>
+              <a:buChar char="•"/>
+            </a:pPr>
+            <a:r>
+              <a:rPr lang="en-US" sz="2500" dirty="0" smtClean="0"/>
+              <a:t>Step 1: Identify </a:t>
+            </a:r>
+            <a:r>
+              <a:rPr lang="en-US" sz="2500" b="1" dirty="0" smtClean="0"/>
+              <a:t>{</a:t>
+            </a:r>
+            <a:r>
+              <a:rPr lang="en-US" sz="2500" b="1" dirty="0"/>
+              <a:t>Relation</a:t>
+            </a:r>
+            <a:r>
+              <a:rPr lang="en-US" sz="2500" b="1" dirty="0" smtClean="0"/>
+              <a:t>}</a:t>
+            </a:r>
+            <a:r>
+              <a:rPr lang="en-US" sz="2500" dirty="0" smtClean="0"/>
+              <a:t>. </a:t>
+            </a:r>
+            <a:r>
+              <a:rPr lang="en-US" sz="2500" b="1" dirty="0"/>
+              <a:t>{Relation}</a:t>
+            </a:r>
+            <a:r>
+              <a:rPr lang="en-US" sz="2500" dirty="0" smtClean="0"/>
+              <a:t> not found.</a:t>
+            </a:r>
+          </a:p>
+          <a:p>
+            <a:pPr lvl="2" algn="just">
+              <a:spcBef>
+                <a:spcPts val="1200"/>
+              </a:spcBef>
+              <a:buFont typeface="Arial" panose="020B0604020202020204" pitchFamily="34" charset="0"/>
+              <a:buChar char="•"/>
+            </a:pPr>
+            <a:r>
+              <a:rPr lang="en-US" sz="2500" dirty="0" smtClean="0"/>
+              <a:t>Step 2: Identify </a:t>
+            </a:r>
+            <a:r>
+              <a:rPr lang="en-US" sz="2500" b="1" dirty="0"/>
+              <a:t>{Where</a:t>
+            </a:r>
+            <a:r>
+              <a:rPr lang="en-US" sz="2500" b="1" dirty="0" smtClean="0"/>
+              <a:t>} </a:t>
+            </a:r>
+            <a:r>
+              <a:rPr lang="en-US" sz="2500" dirty="0" smtClean="0"/>
+              <a:t>based on pre-defined locations. </a:t>
+            </a:r>
+            <a:r>
+              <a:rPr lang="en-US" sz="2500" b="1" dirty="0"/>
+              <a:t>{Where}</a:t>
+            </a:r>
+            <a:r>
+              <a:rPr lang="en-US" sz="2500" dirty="0" smtClean="0"/>
+              <a:t> found: “</a:t>
+            </a:r>
+            <a:r>
+              <a:rPr lang="en-US" sz="2500" dirty="0" err="1" smtClean="0">
+                <a:solidFill>
+                  <a:srgbClr val="FF0000"/>
+                </a:solidFill>
+              </a:rPr>
+              <a:t>quận</a:t>
+            </a:r>
+            <a:r>
+              <a:rPr lang="en-US" sz="2500" dirty="0" smtClean="0">
+                <a:solidFill>
+                  <a:srgbClr val="FF0000"/>
+                </a:solidFill>
+              </a:rPr>
+              <a:t> 1</a:t>
+            </a:r>
+            <a:r>
+              <a:rPr lang="en-US" sz="2500" dirty="0" smtClean="0"/>
+              <a:t>”</a:t>
+            </a:r>
+          </a:p>
+          <a:p>
+            <a:pPr lvl="2" algn="just">
+              <a:spcBef>
+                <a:spcPts val="1200"/>
+              </a:spcBef>
+              <a:buFont typeface="Arial" panose="020B0604020202020204" pitchFamily="34" charset="0"/>
+              <a:buChar char="•"/>
+            </a:pPr>
+            <a:r>
+              <a:rPr lang="en-US" sz="2500" dirty="0" smtClean="0"/>
+              <a:t>Step 3: Identify </a:t>
+            </a:r>
+            <a:r>
+              <a:rPr lang="en-US" sz="2500" b="1" dirty="0"/>
+              <a:t>{What</a:t>
+            </a:r>
+            <a:r>
+              <a:rPr lang="en-US" sz="2500" b="1" dirty="0" smtClean="0"/>
+              <a:t>} </a:t>
+            </a:r>
+            <a:r>
+              <a:rPr lang="en-US" sz="2500" dirty="0" smtClean="0"/>
+              <a:t>before </a:t>
+            </a:r>
+            <a:r>
+              <a:rPr lang="en-US" sz="2500" b="1" dirty="0" smtClean="0"/>
+              <a:t>{</a:t>
+            </a:r>
+            <a:r>
+              <a:rPr lang="en-US" sz="2500" b="1" dirty="0"/>
+              <a:t>Where</a:t>
+            </a:r>
+            <a:r>
+              <a:rPr lang="en-US" sz="2500" b="1" dirty="0" smtClean="0"/>
+              <a:t>}</a:t>
+            </a:r>
+            <a:r>
+              <a:rPr lang="en-US" sz="2500" dirty="0" smtClean="0"/>
+              <a:t>. </a:t>
+            </a:r>
+            <a:r>
+              <a:rPr lang="en-US" sz="2500" b="1" dirty="0"/>
+              <a:t>{What} </a:t>
+            </a:r>
+            <a:r>
+              <a:rPr lang="en-US" sz="2500" dirty="0" smtClean="0"/>
+              <a:t>found “</a:t>
+            </a:r>
+            <a:r>
+              <a:rPr lang="en-US" sz="2500" dirty="0" err="1" smtClean="0">
+                <a:solidFill>
+                  <a:srgbClr val="FF0000"/>
+                </a:solidFill>
+              </a:rPr>
+              <a:t>bệnh</a:t>
+            </a:r>
+            <a:r>
+              <a:rPr lang="en-US" sz="2500" dirty="0" smtClean="0">
+                <a:solidFill>
+                  <a:srgbClr val="FF0000"/>
+                </a:solidFill>
+              </a:rPr>
+              <a:t> </a:t>
+            </a:r>
+            <a:r>
+              <a:rPr lang="en-US" sz="2500" dirty="0" err="1" smtClean="0">
+                <a:solidFill>
+                  <a:srgbClr val="FF0000"/>
+                </a:solidFill>
+              </a:rPr>
+              <a:t>viện</a:t>
+            </a:r>
+            <a:r>
+              <a:rPr lang="en-US" sz="2500" dirty="0" smtClean="0">
+                <a:solidFill>
+                  <a:srgbClr val="FF0000"/>
+                </a:solidFill>
+              </a:rPr>
+              <a:t> </a:t>
+            </a:r>
+            <a:r>
+              <a:rPr lang="en-US" sz="2500" dirty="0" err="1" smtClean="0">
+                <a:solidFill>
+                  <a:srgbClr val="FF0000"/>
+                </a:solidFill>
+              </a:rPr>
+              <a:t>mắt</a:t>
+            </a:r>
+            <a:r>
+              <a:rPr lang="en-US" sz="2500" dirty="0" smtClean="0"/>
+              <a:t>”</a:t>
+            </a:r>
+          </a:p>
+        </p:txBody>
+      </p:sp>
+      <p:sp>
+        <p:nvSpPr>
+          <p:cNvPr id="4" name="Date Placeholder 3"/>
+          <p:cNvSpPr>
+            <a:spLocks noGrp="1"/>
+          </p:cNvSpPr>
+          <p:nvPr>
+            <p:ph type="dt" sz="half" idx="10"/>
+          </p:nvPr>
+        </p:nvSpPr>
+        <p:spPr/>
+        <p:txBody>
+          <a:bodyPr/>
+          <a:lstStyle/>
+          <a:p>
+            <a:fld id="{338DD89B-4726-4C7C-931A-DE3FAD6E9CBA}" type="datetime1">
+              <a:rPr lang="vi-VN" smtClean="0"/>
+              <a:t>02/09/2014</a:t>
+            </a:fld>
+            <a:endParaRPr lang="en-US"/>
+          </a:p>
+        </p:txBody>
+      </p:sp>
+      <p:sp>
+        <p:nvSpPr>
+          <p:cNvPr id="5" name="Slide Number Placeholder 4"/>
+          <p:cNvSpPr>
+            <a:spLocks noGrp="1"/>
+          </p:cNvSpPr>
+          <p:nvPr>
+            <p:ph type="sldNum" sz="quarter" idx="12"/>
+          </p:nvPr>
+        </p:nvSpPr>
+        <p:spPr/>
+        <p:txBody>
+          <a:bodyPr/>
+          <a:lstStyle/>
+          <a:p>
+            <a:fld id="{D1FACFED-01C6-437A-A89F-44FEA39E5018}" type="slidenum">
+              <a:rPr lang="en-US" smtClean="0"/>
+              <a:t>11</a:t>
+            </a:fld>
+            <a:endParaRPr lang="en-US"/>
+          </a:p>
+        </p:txBody>
+      </p:sp>
+    </p:spTree>
+    <p:extLst>
+      <p:ext uri="{BB962C8B-B14F-4D97-AF65-F5344CB8AC3E}">
+        <p14:creationId xmlns:p14="http://schemas.microsoft.com/office/powerpoint/2010/main" val="1288369156"/>
+      </p:ext>
+    </p:extLst>
+  </p:cSld>
+  <p:clrMapOvr>
+    <a:masterClrMapping/>
+  </p:clrMapOvr>
+  <mc:AlternateContent xmlns:mc="http://schemas.openxmlformats.org/markup-compatibility/2006" xmlns:p14="http://schemas.microsoft.com/office/powerpoint/2010/main">
+    <mc:Choice Requires="p14">
+      <p:transition spd="med" p14:dur="700">
+        <p:fade/>
+      </p:transition>
+    </mc:Choice>
+    <mc:Fallback xmlns="">
+      <p:transition spd="med">
+        <p:fade/>
+      </p:transition>
+    </mc:Fallback>
+  </mc:AlternateContent>
+  <p:timing>
+    <p:tnLst>
+      <p:par>
+        <p:cTn id="1" dur="indefinite" restart="never" nodeType="tmRoot">
+          <p:childTnLst>
+            <p:seq concurrent="1" nextAc="seek">
+              <p:cTn id="2" dur="indefinite" nodeType="mainSeq">
+                <p:childTnLst>
+                  <p:par>
+                    <p:cTn id="3" fill="hold">
+                      <p:stCondLst>
+                        <p:cond delay="indefinite"/>
+                      </p:stCondLst>
+                      <p:childTnLst>
+                        <p:par>
+                          <p:cTn id="4" fill="hold">
+                            <p:stCondLst>
+                              <p:cond delay="0"/>
+                            </p:stCondLst>
+                            <p:childTnLst>
+                              <p:par>
+                                <p:cTn id="5" presetID="10" presetClass="entr" presetSubtype="0" fill="hold" nodeType="clickEffect">
+                                  <p:stCondLst>
+                                    <p:cond delay="0"/>
+                                  </p:stCondLst>
+                                  <p:childTnLst>
+                                    <p:set>
+                                      <p:cBhvr>
+                                        <p:cTn id="6" dur="1" fill="hold">
+                                          <p:stCondLst>
+                                            <p:cond delay="0"/>
+                                          </p:stCondLst>
+                                        </p:cTn>
+                                        <p:tgtEl>
+                                          <p:spTgt spid="3">
+                                            <p:txEl>
+                                              <p:pRg st="2" end="2"/>
+                                            </p:txEl>
+                                          </p:spTgt>
+                                        </p:tgtEl>
+                                        <p:attrNameLst>
+                                          <p:attrName>style.visibility</p:attrName>
+                                        </p:attrNameLst>
+                                      </p:cBhvr>
+                                      <p:to>
+                                        <p:strVal val="visible"/>
+                                      </p:to>
+                                    </p:set>
+                                    <p:animEffect transition="in" filter="fade">
+                                      <p:cBhvr>
+                                        <p:cTn id="7" dur="500"/>
+                                        <p:tgtEl>
+                                          <p:spTgt spid="3">
+                                            <p:txEl>
+                                              <p:pRg st="2" end="2"/>
+                                            </p:txEl>
+                                          </p:spTgt>
+                                        </p:tgtEl>
+                                      </p:cBhvr>
+                                    </p:animEffect>
+                                  </p:childTnLst>
+                                </p:cTn>
+                              </p:par>
+                              <p:par>
+                                <p:cTn id="8" presetID="10" presetClass="entr" presetSubtype="0" fill="hold" nodeType="withEffect">
+                                  <p:stCondLst>
+                                    <p:cond delay="0"/>
+                                  </p:stCondLst>
+                                  <p:childTnLst>
+                                    <p:set>
+                                      <p:cBhvr>
+                                        <p:cTn id="9" dur="1" fill="hold">
+                                          <p:stCondLst>
+                                            <p:cond delay="0"/>
+                                          </p:stCondLst>
+                                        </p:cTn>
+                                        <p:tgtEl>
+                                          <p:spTgt spid="3">
+                                            <p:txEl>
+                                              <p:pRg st="3" end="3"/>
+                                            </p:txEl>
+                                          </p:spTgt>
+                                        </p:tgtEl>
+                                        <p:attrNameLst>
+                                          <p:attrName>style.visibility</p:attrName>
+                                        </p:attrNameLst>
+                                      </p:cBhvr>
+                                      <p:to>
+                                        <p:strVal val="visible"/>
+                                      </p:to>
+                                    </p:set>
+                                    <p:animEffect transition="in" filter="fade">
+                                      <p:cBhvr>
+                                        <p:cTn id="10" dur="500"/>
+                                        <p:tgtEl>
+                                          <p:spTgt spid="3">
+                                            <p:txEl>
+                                              <p:pRg st="3" end="3"/>
+                                            </p:txEl>
+                                          </p:spTgt>
+                                        </p:tgtEl>
+                                      </p:cBhvr>
+                                    </p:animEffect>
+                                  </p:childTnLst>
+                                </p:cTn>
+                              </p:par>
+                            </p:childTnLst>
+                          </p:cTn>
+                        </p:par>
+                      </p:childTnLst>
+                    </p:cTn>
+                  </p:par>
+                  <p:par>
+                    <p:cTn id="11" fill="hold">
+                      <p:stCondLst>
+                        <p:cond delay="indefinite"/>
+                      </p:stCondLst>
+                      <p:childTnLst>
+                        <p:par>
+                          <p:cTn id="12" fill="hold">
+                            <p:stCondLst>
+                              <p:cond delay="0"/>
+                            </p:stCondLst>
+                            <p:childTnLst>
+                              <p:par>
+                                <p:cTn id="13" presetID="10" presetClass="entr" presetSubtype="0" fill="hold" nodeType="clickEffect">
+                                  <p:stCondLst>
+                                    <p:cond delay="0"/>
+                                  </p:stCondLst>
+                                  <p:childTnLst>
+                                    <p:set>
+                                      <p:cBhvr>
+                                        <p:cTn id="14" dur="1" fill="hold">
+                                          <p:stCondLst>
+                                            <p:cond delay="0"/>
+                                          </p:stCondLst>
+                                        </p:cTn>
+                                        <p:tgtEl>
+                                          <p:spTgt spid="3">
+                                            <p:txEl>
+                                              <p:pRg st="4" end="4"/>
+                                            </p:txEl>
+                                          </p:spTgt>
+                                        </p:tgtEl>
+                                        <p:attrNameLst>
+                                          <p:attrName>style.visibility</p:attrName>
+                                        </p:attrNameLst>
+                                      </p:cBhvr>
+                                      <p:to>
+                                        <p:strVal val="visible"/>
+                                      </p:to>
+                                    </p:set>
+                                    <p:animEffect transition="in" filter="fade">
+                                      <p:cBhvr>
+                                        <p:cTn id="15" dur="500"/>
+                                        <p:tgtEl>
+                                          <p:spTgt spid="3">
+                                            <p:txEl>
+                                              <p:pRg st="4" end="4"/>
+                                            </p:txEl>
+                                          </p:spTgt>
+                                        </p:tgtEl>
+                                      </p:cBhvr>
+                                    </p:animEffect>
+                                  </p:childTnLst>
+                                </p:cTn>
+                              </p:par>
+                            </p:childTnLst>
+                          </p:cTn>
+                        </p:par>
+                      </p:childTnLst>
+                    </p:cTn>
+                  </p:par>
+                  <p:par>
+                    <p:cTn id="16" fill="hold">
+                      <p:stCondLst>
+                        <p:cond delay="indefinite"/>
+                      </p:stCondLst>
+                      <p:childTnLst>
+                        <p:par>
+                          <p:cTn id="17" fill="hold">
+                            <p:stCondLst>
+                              <p:cond delay="0"/>
+                            </p:stCondLst>
+                            <p:childTnLst>
+                              <p:par>
+                                <p:cTn id="18" presetID="10" presetClass="entr" presetSubtype="0" fill="hold" nodeType="clickEffect">
+                                  <p:stCondLst>
+                                    <p:cond delay="0"/>
+                                  </p:stCondLst>
+                                  <p:childTnLst>
+                                    <p:set>
+                                      <p:cBhvr>
+                                        <p:cTn id="19" dur="1" fill="hold">
+                                          <p:stCondLst>
+                                            <p:cond delay="0"/>
+                                          </p:stCondLst>
+                                        </p:cTn>
+                                        <p:tgtEl>
+                                          <p:spTgt spid="3">
+                                            <p:txEl>
+                                              <p:pRg st="5" end="5"/>
+                                            </p:txEl>
+                                          </p:spTgt>
+                                        </p:tgtEl>
+                                        <p:attrNameLst>
+                                          <p:attrName>style.visibility</p:attrName>
+                                        </p:attrNameLst>
+                                      </p:cBhvr>
+                                      <p:to>
+                                        <p:strVal val="visible"/>
+                                      </p:to>
+                                    </p:set>
+                                    <p:animEffect transition="in" filter="fade">
+                                      <p:cBhvr>
+                                        <p:cTn id="20" dur="500"/>
+                                        <p:tgtEl>
+                                          <p:spTgt spid="3">
+                                            <p:txEl>
+                                              <p:pRg st="5" end="5"/>
+                                            </p:txEl>
+                                          </p:spTgt>
+                                        </p:tgtEl>
+                                      </p:cBhvr>
+                                    </p:animEffect>
+                                  </p:childTnLst>
+                                </p:cTn>
+                              </p:par>
+                            </p:childTnLst>
+                          </p:cTn>
+                        </p:par>
+                      </p:childTnLst>
+                    </p:cTn>
+                  </p:par>
+                </p:childTnLst>
+              </p:cTn>
+              <p:prevCondLst>
+                <p:cond evt="onPrev" delay="0">
+                  <p:tgtEl>
+                    <p:sldTgt/>
+                  </p:tgtEl>
+                </p:cond>
+              </p:prevCondLst>
+              <p:nextCondLst>
+                <p:cond evt="onNext" delay="0">
+                  <p:tgtEl>
+                    <p:sldTgt/>
+                  </p:tgtEl>
+                </p:cond>
+              </p:nextCondLst>
+            </p:seq>
+          </p:childTnLst>
+        </p:cTn>
+      </p:par>
+    </p:tnLst>
+  </p:timing>
+</p:sld>
+</file>
+
+<file path=ppt/slides/slide12.xml><?xml version="1.0" encoding="utf-8"?>
+<p:sld xmlns:a="http://schemas.openxmlformats.org/drawingml/2006/main" xmlns:r="http://schemas.openxmlformats.org/officeDocument/2006/relationships" xmlns:p="http://schemas.openxmlformats.org/presentationml/2006/main">
+  <p:cSld>
+    <p:spTree>
+      <p:nvGrpSpPr>
+        <p:cNvPr id="1" name=""/>
+        <p:cNvGrpSpPr/>
+        <p:nvPr/>
+      </p:nvGrpSpPr>
+      <p:grpSpPr>
+        <a:xfrm>
+          <a:off x="0" y="0"/>
+          <a:ext cx="0" cy="0"/>
+          <a:chOff x="0" y="0"/>
+          <a:chExt cx="0" cy="0"/>
+        </a:xfrm>
+      </p:grpSpPr>
+      <p:sp>
+        <p:nvSpPr>
+          <p:cNvPr id="2" name="Title 1"/>
+          <p:cNvSpPr>
+            <a:spLocks noGrp="1"/>
+          </p:cNvSpPr>
+          <p:nvPr>
+            <p:ph type="title"/>
+          </p:nvPr>
+        </p:nvSpPr>
+        <p:spPr/>
+        <p:txBody>
+          <a:bodyPr/>
+          <a:lstStyle/>
+          <a:p>
+            <a:r>
+              <a:rPr lang="en-US" dirty="0" smtClean="0"/>
+              <a:t>ALGORITHMS</a:t>
+            </a:r>
+            <a:endParaRPr lang="en-US" dirty="0"/>
+          </a:p>
+        </p:txBody>
+      </p:sp>
+      <p:sp>
+        <p:nvSpPr>
+          <p:cNvPr id="3" name="Content Placeholder 2"/>
+          <p:cNvSpPr>
+            <a:spLocks noGrp="1"/>
+          </p:cNvSpPr>
+          <p:nvPr>
+            <p:ph idx="1"/>
+          </p:nvPr>
+        </p:nvSpPr>
+        <p:spPr>
+          <a:xfrm>
+            <a:off x="857251" y="1640541"/>
+            <a:ext cx="7404653" cy="4666129"/>
+          </a:xfrm>
+        </p:spPr>
+        <p:txBody>
+          <a:bodyPr>
+            <a:normAutofit/>
+          </a:bodyPr>
+          <a:lstStyle/>
+          <a:p>
+            <a:pPr algn="just"/>
+            <a:r>
+              <a:rPr lang="en-US" sz="2500" dirty="0" smtClean="0">
+                <a:solidFill>
+                  <a:srgbClr val="FF0000"/>
+                </a:solidFill>
+              </a:rPr>
+              <a:t>Geographic Information Retrieval</a:t>
+            </a:r>
+          </a:p>
+          <a:p>
+            <a:pPr lvl="1" algn="just">
+              <a:spcBef>
+                <a:spcPts val="1200"/>
+              </a:spcBef>
+              <a:buFont typeface="Corbel" panose="020B0503020204020204" pitchFamily="34" charset="0"/>
+              <a:buChar char="_"/>
+            </a:pPr>
+            <a:r>
+              <a:rPr lang="en-US" sz="2500" dirty="0" smtClean="0">
+                <a:solidFill>
+                  <a:srgbClr val="FF0000"/>
+                </a:solidFill>
+              </a:rPr>
+              <a:t>Case 3</a:t>
+            </a:r>
+            <a:r>
+              <a:rPr lang="en-US" sz="2500" dirty="0" smtClean="0"/>
+              <a:t>: Input query “</a:t>
+            </a:r>
+            <a:r>
+              <a:rPr lang="en-US" sz="2500" b="1" dirty="0" err="1" smtClean="0"/>
+              <a:t>bệnh</a:t>
+            </a:r>
+            <a:r>
+              <a:rPr lang="en-US" sz="2500" b="1" dirty="0" smtClean="0"/>
+              <a:t> </a:t>
+            </a:r>
+            <a:r>
+              <a:rPr lang="en-US" sz="2500" b="1" dirty="0" err="1" smtClean="0"/>
+              <a:t>viện</a:t>
+            </a:r>
+            <a:r>
+              <a:rPr lang="en-US" sz="2500" b="1" dirty="0" smtClean="0"/>
+              <a:t> </a:t>
+            </a:r>
+            <a:r>
+              <a:rPr lang="en-US" sz="2500" b="1" dirty="0" err="1" smtClean="0"/>
+              <a:t>mắt</a:t>
+            </a:r>
+            <a:r>
+              <a:rPr lang="en-US" sz="2500" dirty="0" smtClean="0"/>
+              <a:t>”</a:t>
+            </a:r>
+          </a:p>
+          <a:p>
+            <a:pPr lvl="1" algn="just">
+              <a:spcBef>
+                <a:spcPts val="1200"/>
+              </a:spcBef>
+              <a:buFont typeface="Corbel" panose="020B0503020204020204" pitchFamily="34" charset="0"/>
+              <a:buChar char="_"/>
+            </a:pPr>
+            <a:r>
+              <a:rPr lang="en-US" sz="2500" dirty="0" smtClean="0"/>
+              <a:t>Process:</a:t>
+            </a:r>
+          </a:p>
+          <a:p>
+            <a:pPr lvl="2" algn="just">
+              <a:spcBef>
+                <a:spcPts val="1200"/>
+              </a:spcBef>
+              <a:buFont typeface="Arial" panose="020B0604020202020204" pitchFamily="34" charset="0"/>
+              <a:buChar char="•"/>
+            </a:pPr>
+            <a:r>
+              <a:rPr lang="en-US" sz="2500" dirty="0" smtClean="0"/>
+              <a:t>Step 1: Identify </a:t>
+            </a:r>
+            <a:r>
+              <a:rPr lang="en-US" sz="2500" b="1" dirty="0" smtClean="0"/>
+              <a:t>{</a:t>
+            </a:r>
+            <a:r>
+              <a:rPr lang="en-US" sz="2500" b="1" dirty="0"/>
+              <a:t>Relation</a:t>
+            </a:r>
+            <a:r>
+              <a:rPr lang="en-US" sz="2500" b="1" dirty="0" smtClean="0"/>
+              <a:t>}</a:t>
+            </a:r>
+            <a:r>
+              <a:rPr lang="en-US" sz="2500" dirty="0" smtClean="0"/>
+              <a:t>. </a:t>
+            </a:r>
+            <a:r>
+              <a:rPr lang="en-US" sz="2500" b="1" dirty="0"/>
+              <a:t>{Relation}</a:t>
+            </a:r>
+            <a:r>
+              <a:rPr lang="en-US" sz="2500" dirty="0" smtClean="0"/>
+              <a:t> not found.</a:t>
+            </a:r>
+          </a:p>
+          <a:p>
+            <a:pPr lvl="2" algn="just">
+              <a:spcBef>
+                <a:spcPts val="1200"/>
+              </a:spcBef>
+              <a:buFont typeface="Arial" panose="020B0604020202020204" pitchFamily="34" charset="0"/>
+              <a:buChar char="•"/>
+            </a:pPr>
+            <a:r>
+              <a:rPr lang="en-US" sz="2500" dirty="0" smtClean="0"/>
+              <a:t>Step 2: Identify </a:t>
+            </a:r>
+            <a:r>
+              <a:rPr lang="en-US" sz="2500" b="1" dirty="0"/>
+              <a:t>{Where</a:t>
+            </a:r>
+            <a:r>
+              <a:rPr lang="en-US" sz="2500" b="1" dirty="0" smtClean="0"/>
+              <a:t>}</a:t>
+            </a:r>
+            <a:r>
+              <a:rPr lang="en-US" sz="2500" dirty="0" smtClean="0"/>
+              <a:t>. </a:t>
+            </a:r>
+            <a:r>
+              <a:rPr lang="en-US" sz="2500" b="1" dirty="0"/>
+              <a:t>{Where}</a:t>
+            </a:r>
+            <a:r>
+              <a:rPr lang="en-US" sz="2500" dirty="0" smtClean="0"/>
+              <a:t> not found.</a:t>
+            </a:r>
+          </a:p>
+          <a:p>
+            <a:pPr lvl="2" algn="just">
+              <a:spcBef>
+                <a:spcPts val="1200"/>
+              </a:spcBef>
+              <a:buFont typeface="Arial" panose="020B0604020202020204" pitchFamily="34" charset="0"/>
+              <a:buChar char="•"/>
+            </a:pPr>
+            <a:r>
+              <a:rPr lang="en-US" sz="2500" dirty="0" smtClean="0"/>
+              <a:t>Step 3: Identify </a:t>
+            </a:r>
+            <a:r>
+              <a:rPr lang="en-US" sz="2500" b="1" dirty="0" smtClean="0"/>
+              <a:t>{What} </a:t>
+            </a:r>
+            <a:r>
+              <a:rPr lang="en-US" sz="2500" dirty="0" smtClean="0"/>
+              <a:t>is the whole sentence: “</a:t>
+            </a:r>
+            <a:r>
+              <a:rPr lang="en-US" sz="2500" dirty="0" err="1" smtClean="0">
+                <a:solidFill>
+                  <a:srgbClr val="FF0000"/>
+                </a:solidFill>
+              </a:rPr>
+              <a:t>bệnh</a:t>
+            </a:r>
+            <a:r>
+              <a:rPr lang="en-US" sz="2500" dirty="0" smtClean="0">
+                <a:solidFill>
+                  <a:srgbClr val="FF0000"/>
+                </a:solidFill>
+              </a:rPr>
+              <a:t> </a:t>
+            </a:r>
+            <a:r>
+              <a:rPr lang="en-US" sz="2500" dirty="0" err="1" smtClean="0">
+                <a:solidFill>
+                  <a:srgbClr val="FF0000"/>
+                </a:solidFill>
+              </a:rPr>
+              <a:t>viện</a:t>
+            </a:r>
+            <a:r>
+              <a:rPr lang="en-US" sz="2500" dirty="0" smtClean="0">
+                <a:solidFill>
+                  <a:srgbClr val="FF0000"/>
+                </a:solidFill>
+              </a:rPr>
+              <a:t> </a:t>
+            </a:r>
+            <a:r>
+              <a:rPr lang="en-US" sz="2500" dirty="0" err="1" smtClean="0">
+                <a:solidFill>
+                  <a:srgbClr val="FF0000"/>
+                </a:solidFill>
+              </a:rPr>
+              <a:t>mắt</a:t>
+            </a:r>
+            <a:r>
+              <a:rPr lang="en-US" sz="2500" dirty="0" smtClean="0"/>
+              <a:t>”.</a:t>
+            </a:r>
+          </a:p>
+        </p:txBody>
+      </p:sp>
+      <p:sp>
+        <p:nvSpPr>
+          <p:cNvPr id="4" name="Date Placeholder 3"/>
+          <p:cNvSpPr>
+            <a:spLocks noGrp="1"/>
+          </p:cNvSpPr>
+          <p:nvPr>
+            <p:ph type="dt" sz="half" idx="10"/>
+          </p:nvPr>
+        </p:nvSpPr>
+        <p:spPr/>
+        <p:txBody>
+          <a:bodyPr/>
+          <a:lstStyle/>
+          <a:p>
+            <a:fld id="{338DD89B-4726-4C7C-931A-DE3FAD6E9CBA}" type="datetime1">
+              <a:rPr lang="vi-VN" smtClean="0"/>
+              <a:t>02/09/2014</a:t>
+            </a:fld>
+            <a:endParaRPr lang="en-US"/>
+          </a:p>
+        </p:txBody>
+      </p:sp>
+      <p:sp>
+        <p:nvSpPr>
+          <p:cNvPr id="5" name="Slide Number Placeholder 4"/>
+          <p:cNvSpPr>
+            <a:spLocks noGrp="1"/>
+          </p:cNvSpPr>
+          <p:nvPr>
+            <p:ph type="sldNum" sz="quarter" idx="12"/>
+          </p:nvPr>
+        </p:nvSpPr>
+        <p:spPr/>
+        <p:txBody>
+          <a:bodyPr/>
+          <a:lstStyle/>
+          <a:p>
+            <a:fld id="{D1FACFED-01C6-437A-A89F-44FEA39E5018}" type="slidenum">
+              <a:rPr lang="en-US" smtClean="0"/>
+              <a:t>12</a:t>
+            </a:fld>
+            <a:endParaRPr lang="en-US"/>
+          </a:p>
+        </p:txBody>
+      </p:sp>
+    </p:spTree>
+    <p:extLst>
+      <p:ext uri="{BB962C8B-B14F-4D97-AF65-F5344CB8AC3E}">
+        <p14:creationId xmlns:p14="http://schemas.microsoft.com/office/powerpoint/2010/main" val="2434318383"/>
+      </p:ext>
+    </p:extLst>
+  </p:cSld>
+  <p:clrMapOvr>
+    <a:masterClrMapping/>
+  </p:clrMapOvr>
+  <mc:AlternateContent xmlns:mc="http://schemas.openxmlformats.org/markup-compatibility/2006" xmlns:p14="http://schemas.microsoft.com/office/powerpoint/2010/main">
+    <mc:Choice Requires="p14">
+      <p:transition spd="med" p14:dur="700">
+        <p:fade/>
+      </p:transition>
+    </mc:Choice>
+    <mc:Fallback xmlns="">
+      <p:transition spd="med">
+        <p:fade/>
+      </p:transition>
+    </mc:Fallback>
+  </mc:AlternateContent>
+  <p:timing>
+    <p:tnLst>
+      <p:par>
+        <p:cTn id="1" dur="indefinite" restart="never" nodeType="tmRoot">
+          <p:childTnLst>
+            <p:seq concurrent="1" nextAc="seek">
+              <p:cTn id="2" dur="indefinite" nodeType="mainSeq">
+                <p:childTnLst>
+                  <p:par>
+                    <p:cTn id="3" fill="hold">
+                      <p:stCondLst>
+                        <p:cond delay="indefinite"/>
+                      </p:stCondLst>
+                      <p:childTnLst>
+                        <p:par>
+                          <p:cTn id="4" fill="hold">
+                            <p:stCondLst>
+                              <p:cond delay="0"/>
+                            </p:stCondLst>
+                            <p:childTnLst>
+                              <p:par>
+                                <p:cTn id="5" presetID="10" presetClass="entr" presetSubtype="0" fill="hold" nodeType="clickEffect">
+                                  <p:stCondLst>
+                                    <p:cond delay="0"/>
+                                  </p:stCondLst>
+                                  <p:childTnLst>
+                                    <p:set>
+                                      <p:cBhvr>
+                                        <p:cTn id="6" dur="1" fill="hold">
+                                          <p:stCondLst>
+                                            <p:cond delay="0"/>
+                                          </p:stCondLst>
+                                        </p:cTn>
+                                        <p:tgtEl>
+                                          <p:spTgt spid="3">
+                                            <p:txEl>
+                                              <p:pRg st="2" end="2"/>
+                                            </p:txEl>
+                                          </p:spTgt>
+                                        </p:tgtEl>
+                                        <p:attrNameLst>
+                                          <p:attrName>style.visibility</p:attrName>
+                                        </p:attrNameLst>
+                                      </p:cBhvr>
+                                      <p:to>
+                                        <p:strVal val="visible"/>
+                                      </p:to>
+                                    </p:set>
+                                    <p:animEffect transition="in" filter="fade">
+                                      <p:cBhvr>
+                                        <p:cTn id="7" dur="500"/>
+                                        <p:tgtEl>
+                                          <p:spTgt spid="3">
+                                            <p:txEl>
+                                              <p:pRg st="2" end="2"/>
+                                            </p:txEl>
+                                          </p:spTgt>
+                                        </p:tgtEl>
+                                      </p:cBhvr>
+                                    </p:animEffect>
+                                  </p:childTnLst>
+                                </p:cTn>
+                              </p:par>
+                              <p:par>
+                                <p:cTn id="8" presetID="10" presetClass="entr" presetSubtype="0" fill="hold" nodeType="withEffect">
+                                  <p:stCondLst>
+                                    <p:cond delay="0"/>
+                                  </p:stCondLst>
+                                  <p:childTnLst>
+                                    <p:set>
+                                      <p:cBhvr>
+                                        <p:cTn id="9" dur="1" fill="hold">
+                                          <p:stCondLst>
+                                            <p:cond delay="0"/>
+                                          </p:stCondLst>
+                                        </p:cTn>
+                                        <p:tgtEl>
+                                          <p:spTgt spid="3">
+                                            <p:txEl>
+                                              <p:pRg st="3" end="3"/>
+                                            </p:txEl>
+                                          </p:spTgt>
+                                        </p:tgtEl>
+                                        <p:attrNameLst>
+                                          <p:attrName>style.visibility</p:attrName>
+                                        </p:attrNameLst>
+                                      </p:cBhvr>
+                                      <p:to>
+                                        <p:strVal val="visible"/>
+                                      </p:to>
+                                    </p:set>
+                                    <p:animEffect transition="in" filter="fade">
+                                      <p:cBhvr>
+                                        <p:cTn id="10" dur="500"/>
+                                        <p:tgtEl>
+                                          <p:spTgt spid="3">
+                                            <p:txEl>
+                                              <p:pRg st="3" end="3"/>
+                                            </p:txEl>
+                                          </p:spTgt>
+                                        </p:tgtEl>
+                                      </p:cBhvr>
+                                    </p:animEffect>
+                                  </p:childTnLst>
+                                </p:cTn>
+                              </p:par>
+                            </p:childTnLst>
+                          </p:cTn>
+                        </p:par>
+                      </p:childTnLst>
+                    </p:cTn>
+                  </p:par>
+                  <p:par>
+                    <p:cTn id="11" fill="hold">
+                      <p:stCondLst>
+                        <p:cond delay="indefinite"/>
+                      </p:stCondLst>
+                      <p:childTnLst>
+                        <p:par>
+                          <p:cTn id="12" fill="hold">
+                            <p:stCondLst>
+                              <p:cond delay="0"/>
+                            </p:stCondLst>
+                            <p:childTnLst>
+                              <p:par>
+                                <p:cTn id="13" presetID="10" presetClass="entr" presetSubtype="0" fill="hold" nodeType="clickEffect">
+                                  <p:stCondLst>
+                                    <p:cond delay="0"/>
+                                  </p:stCondLst>
+                                  <p:childTnLst>
+                                    <p:set>
+                                      <p:cBhvr>
+                                        <p:cTn id="14" dur="1" fill="hold">
+                                          <p:stCondLst>
+                                            <p:cond delay="0"/>
+                                          </p:stCondLst>
+                                        </p:cTn>
+                                        <p:tgtEl>
+                                          <p:spTgt spid="3">
+                                            <p:txEl>
+                                              <p:pRg st="4" end="4"/>
+                                            </p:txEl>
+                                          </p:spTgt>
+                                        </p:tgtEl>
+                                        <p:attrNameLst>
+                                          <p:attrName>style.visibility</p:attrName>
+                                        </p:attrNameLst>
+                                      </p:cBhvr>
+                                      <p:to>
+                                        <p:strVal val="visible"/>
+                                      </p:to>
+                                    </p:set>
+                                    <p:animEffect transition="in" filter="fade">
+                                      <p:cBhvr>
+                                        <p:cTn id="15" dur="500"/>
+                                        <p:tgtEl>
+                                          <p:spTgt spid="3">
+                                            <p:txEl>
+                                              <p:pRg st="4" end="4"/>
+                                            </p:txEl>
+                                          </p:spTgt>
+                                        </p:tgtEl>
+                                      </p:cBhvr>
+                                    </p:animEffect>
+                                  </p:childTnLst>
+                                </p:cTn>
+                              </p:par>
+                            </p:childTnLst>
+                          </p:cTn>
+                        </p:par>
+                      </p:childTnLst>
+                    </p:cTn>
+                  </p:par>
+                  <p:par>
+                    <p:cTn id="16" fill="hold">
+                      <p:stCondLst>
+                        <p:cond delay="indefinite"/>
+                      </p:stCondLst>
+                      <p:childTnLst>
+                        <p:par>
+                          <p:cTn id="17" fill="hold">
+                            <p:stCondLst>
+                              <p:cond delay="0"/>
+                            </p:stCondLst>
+                            <p:childTnLst>
+                              <p:par>
+                                <p:cTn id="18" presetID="10" presetClass="entr" presetSubtype="0" fill="hold" nodeType="clickEffect">
+                                  <p:stCondLst>
+                                    <p:cond delay="0"/>
+                                  </p:stCondLst>
+                                  <p:childTnLst>
+                                    <p:set>
+                                      <p:cBhvr>
+                                        <p:cTn id="19" dur="1" fill="hold">
+                                          <p:stCondLst>
+                                            <p:cond delay="0"/>
+                                          </p:stCondLst>
+                                        </p:cTn>
+                                        <p:tgtEl>
+                                          <p:spTgt spid="3">
+                                            <p:txEl>
+                                              <p:pRg st="5" end="5"/>
+                                            </p:txEl>
+                                          </p:spTgt>
+                                        </p:tgtEl>
+                                        <p:attrNameLst>
+                                          <p:attrName>style.visibility</p:attrName>
+                                        </p:attrNameLst>
+                                      </p:cBhvr>
+                                      <p:to>
+                                        <p:strVal val="visible"/>
+                                      </p:to>
+                                    </p:set>
+                                    <p:animEffect transition="in" filter="fade">
+                                      <p:cBhvr>
+                                        <p:cTn id="20" dur="500"/>
+                                        <p:tgtEl>
+                                          <p:spTgt spid="3">
+                                            <p:txEl>
+                                              <p:pRg st="5" end="5"/>
+                                            </p:txEl>
+                                          </p:spTgt>
+                                        </p:tgtEl>
+                                      </p:cBhvr>
+                                    </p:animEffect>
+                                  </p:childTnLst>
+                                </p:cTn>
+                              </p:par>
+                            </p:childTnLst>
+                          </p:cTn>
+                        </p:par>
+                      </p:childTnLst>
+                    </p:cTn>
+                  </p:par>
+                </p:childTnLst>
+              </p:cTn>
+              <p:prevCondLst>
+                <p:cond evt="onPrev" delay="0">
+                  <p:tgtEl>
+                    <p:sldTgt/>
+                  </p:tgtEl>
+                </p:cond>
+              </p:prevCondLst>
+              <p:nextCondLst>
+                <p:cond evt="onNext" delay="0">
+                  <p:tgtEl>
+                    <p:sldTgt/>
+                  </p:tgtEl>
+                </p:cond>
+              </p:nextCondLst>
+            </p:seq>
+          </p:childTnLst>
+        </p:cTn>
+      </p:par>
+    </p:tnLst>
+  </p:timing>
+</p:sld>
+</file>
+
+<file path=ppt/slides/slide13.xml><?xml version="1.0" encoding="utf-8"?>
+<p:sld xmlns:a="http://schemas.openxmlformats.org/drawingml/2006/main" xmlns:r="http://schemas.openxmlformats.org/officeDocument/2006/relationships" xmlns:p="http://schemas.openxmlformats.org/presentationml/2006/main">
+  <p:cSld>
+    <p:spTree>
+      <p:nvGrpSpPr>
+        <p:cNvPr id="1" name=""/>
+        <p:cNvGrpSpPr/>
+        <p:nvPr/>
+      </p:nvGrpSpPr>
+      <p:grpSpPr>
+        <a:xfrm>
+          <a:off x="0" y="0"/>
+          <a:ext cx="0" cy="0"/>
+          <a:chOff x="0" y="0"/>
+          <a:chExt cx="0" cy="0"/>
+        </a:xfrm>
+      </p:grpSpPr>
+      <p:sp>
+        <p:nvSpPr>
+          <p:cNvPr id="2" name="Title 1"/>
+          <p:cNvSpPr>
+            <a:spLocks noGrp="1"/>
+          </p:cNvSpPr>
+          <p:nvPr>
+            <p:ph type="title"/>
+          </p:nvPr>
+        </p:nvSpPr>
+        <p:spPr/>
+        <p:txBody>
+          <a:bodyPr/>
+          <a:lstStyle/>
+          <a:p>
+            <a:r>
+              <a:rPr lang="en-US" dirty="0" smtClean="0"/>
+              <a:t>ALGORITHMS</a:t>
+            </a:r>
+            <a:endParaRPr lang="en-US" dirty="0"/>
+          </a:p>
+        </p:txBody>
+      </p:sp>
+      <p:sp>
+        <p:nvSpPr>
+          <p:cNvPr id="3" name="Content Placeholder 2"/>
+          <p:cNvSpPr>
+            <a:spLocks noGrp="1"/>
+          </p:cNvSpPr>
+          <p:nvPr>
+            <p:ph idx="1"/>
+          </p:nvPr>
+        </p:nvSpPr>
+        <p:spPr>
+          <a:xfrm>
+            <a:off x="857251" y="1640541"/>
+            <a:ext cx="7404653" cy="4666129"/>
+          </a:xfrm>
+        </p:spPr>
+        <p:txBody>
+          <a:bodyPr>
+            <a:normAutofit/>
+          </a:bodyPr>
+          <a:lstStyle/>
+          <a:p>
+            <a:pPr marL="34290" indent="0" algn="just">
+              <a:buNone/>
+            </a:pPr>
+            <a:endParaRPr lang="en-US" sz="2500" dirty="0" smtClean="0">
+              <a:solidFill>
+                <a:srgbClr val="FF0000"/>
+              </a:solidFill>
+            </a:endParaRPr>
+          </a:p>
+        </p:txBody>
+      </p:sp>
+      <p:sp>
+        <p:nvSpPr>
+          <p:cNvPr id="4" name="Date Placeholder 3"/>
+          <p:cNvSpPr>
+            <a:spLocks noGrp="1"/>
+          </p:cNvSpPr>
+          <p:nvPr>
+            <p:ph type="dt" sz="half" idx="10"/>
+          </p:nvPr>
+        </p:nvSpPr>
+        <p:spPr/>
+        <p:txBody>
+          <a:bodyPr/>
+          <a:lstStyle/>
+          <a:p>
+            <a:fld id="{338DD89B-4726-4C7C-931A-DE3FAD6E9CBA}" type="datetime1">
+              <a:rPr lang="vi-VN" smtClean="0"/>
+              <a:t>02/09/2014</a:t>
+            </a:fld>
+            <a:endParaRPr lang="en-US"/>
+          </a:p>
+        </p:txBody>
+      </p:sp>
+      <p:sp>
+        <p:nvSpPr>
+          <p:cNvPr id="5" name="Slide Number Placeholder 4"/>
+          <p:cNvSpPr>
+            <a:spLocks noGrp="1"/>
+          </p:cNvSpPr>
+          <p:nvPr>
+            <p:ph type="sldNum" sz="quarter" idx="12"/>
+          </p:nvPr>
+        </p:nvSpPr>
+        <p:spPr/>
+        <p:txBody>
+          <a:bodyPr/>
+          <a:lstStyle/>
+          <a:p>
+            <a:fld id="{D1FACFED-01C6-437A-A89F-44FEA39E5018}" type="slidenum">
+              <a:rPr lang="en-US" smtClean="0"/>
+              <a:t>13</a:t>
+            </a:fld>
+            <a:endParaRPr lang="en-US"/>
+          </a:p>
+        </p:txBody>
+      </p:sp>
+      <p:pic>
+        <p:nvPicPr>
+          <p:cNvPr id="6" name="Picture 5"/>
+          <p:cNvPicPr>
+            <a:picLocks noChangeAspect="1"/>
+          </p:cNvPicPr>
+          <p:nvPr/>
+        </p:nvPicPr>
+        <p:blipFill>
+          <a:blip r:embed="rId2" cstate="print">
+            <a:extLst>
+              <a:ext uri="{28A0092B-C50C-407E-A947-70E740481C1C}">
+                <a14:useLocalDpi xmlns:a14="http://schemas.microsoft.com/office/drawing/2010/main" val="0"/>
+              </a:ext>
+            </a:extLst>
+          </a:blip>
+          <a:stretch>
+            <a:fillRect/>
+          </a:stretch>
+        </p:blipFill>
+        <p:spPr>
+          <a:xfrm>
+            <a:off x="201706" y="-13447"/>
+            <a:ext cx="8754035" cy="6923125"/>
+          </a:xfrm>
+          <a:prstGeom prst="rect">
+            <a:avLst/>
+          </a:prstGeom>
+        </p:spPr>
+      </p:pic>
+    </p:spTree>
+    <p:extLst>
+      <p:ext uri="{BB962C8B-B14F-4D97-AF65-F5344CB8AC3E}">
+        <p14:creationId xmlns:p14="http://schemas.microsoft.com/office/powerpoint/2010/main" val="2661162199"/>
+      </p:ext>
+    </p:extLst>
+  </p:cSld>
+  <p:clrMapOvr>
+    <a:masterClrMapping/>
+  </p:clrMapOvr>
+  <mc:AlternateContent xmlns:mc="http://schemas.openxmlformats.org/markup-compatibility/2006" xmlns:p14="http://schemas.microsoft.com/office/powerpoint/2010/main">
+    <mc:Choice Requires="p14">
+      <p:transition spd="med" p14:dur="700">
+        <p:fade/>
+      </p:transition>
+    </mc:Choice>
+    <mc:Fallback xmlns="">
+      <p:transition spd="med">
+        <p:fade/>
+      </p:transition>
+    </mc:Fallback>
+  </mc:AlternateContent>
+  <p:timing>
+    <p:tnLst>
+      <p:par>
+        <p:cTn id="1" dur="indefinite" restart="never" nodeType="tmRoot"/>
+      </p:par>
+    </p:tnLst>
+  </p:timing>
+</p:sld>
+</file>
+
+<file path=ppt/slides/slide14.xml><?xml version="1.0" encoding="utf-8"?>
+<p:sld xmlns:a="http://schemas.openxmlformats.org/drawingml/2006/main" xmlns:r="http://schemas.openxmlformats.org/officeDocument/2006/relationships" xmlns:p="http://schemas.openxmlformats.org/presentationml/2006/main">
+  <p:cSld>
+    <p:spTree>
+      <p:nvGrpSpPr>
+        <p:cNvPr id="1" name=""/>
+        <p:cNvGrpSpPr/>
+        <p:nvPr/>
+      </p:nvGrpSpPr>
+      <p:grpSpPr>
+        <a:xfrm>
+          <a:off x="0" y="0"/>
+          <a:ext cx="0" cy="0"/>
+          <a:chOff x="0" y="0"/>
+          <a:chExt cx="0" cy="0"/>
+        </a:xfrm>
+      </p:grpSpPr>
+      <p:sp>
+        <p:nvSpPr>
+          <p:cNvPr id="2" name="Title 1"/>
+          <p:cNvSpPr>
+            <a:spLocks noGrp="1"/>
+          </p:cNvSpPr>
+          <p:nvPr>
+            <p:ph type="title"/>
+          </p:nvPr>
+        </p:nvSpPr>
+        <p:spPr/>
+        <p:txBody>
+          <a:bodyPr/>
+          <a:lstStyle/>
+          <a:p>
+            <a:r>
               <a:rPr lang="en-US" dirty="0"/>
               <a:t>ALGORITHMS</a:t>
             </a:r>
           </a:p>
         </p:txBody>
       </p:sp>
-      <mc:AlternateContent xmlns:mc="http://schemas.openxmlformats.org/markup-compatibility/2006">
-        <mc:Choice xmlns:a14="http://schemas.microsoft.com/office/drawing/2010/main" Requires="a14">
+      <mc:AlternateContent xmlns:mc="http://schemas.openxmlformats.org/markup-compatibility/2006" xmlns:a14="http://schemas.microsoft.com/office/drawing/2010/main">
+        <mc:Choice Requires="a14">
           <p:sp>
             <p:nvSpPr>
               <p:cNvPr id="3" name="Content Placeholder 2"/>
@@ -4995,25 +7096,35 @@
                 <a14:m>
                   <m:oMath xmlns:m="http://schemas.openxmlformats.org/officeDocument/2006/math">
                     <m:r>
-                      <a:rPr lang="en-US" b="1" i="1"/>
+                      <a:rPr lang="en-US" b="1" i="1">
+                        <a:latin typeface="Cambria Math" panose="02040503050406030204" pitchFamily="18" charset="0"/>
+                      </a:rPr>
                       <m:t>𝑪</m:t>
                     </m:r>
                     <m:r>
-                      <a:rPr lang="en-US" b="1" i="1"/>
+                      <a:rPr lang="en-US" b="1" i="1">
+                        <a:latin typeface="Cambria Math" panose="02040503050406030204" pitchFamily="18" charset="0"/>
+                      </a:rPr>
                       <m:t>=</m:t>
                     </m:r>
                     <m:r>
-                      <a:rPr lang="en-US" b="1" i="1"/>
+                      <a:rPr lang="en-US" b="1" i="1">
+                        <a:latin typeface="Cambria Math" panose="02040503050406030204" pitchFamily="18" charset="0"/>
+                      </a:rPr>
                       <m:t>𝟐</m:t>
                     </m:r>
                     <m:r>
-                      <a:rPr lang="en-US" b="1" i="1"/>
+                      <a:rPr lang="en-US" b="1" i="1">
+                        <a:latin typeface="Cambria Math" panose="02040503050406030204" pitchFamily="18" charset="0"/>
+                      </a:rPr>
                       <m:t>𝒂𝒓𝒄𝒔𝒊𝒏</m:t>
                     </m:r>
                     <m:d>
                       <m:dPr>
                         <m:ctrlPr>
-                          <a:rPr lang="en-US" b="1" i="1"/>
+                          <a:rPr lang="en-US" b="1" i="1">
+                            <a:latin typeface="Cambria Math" panose="02040503050406030204" pitchFamily="18" charset="0"/>
+                          </a:rPr>
                         </m:ctrlPr>
                       </m:dPr>
                       <m:e>
@@ -5021,7 +7132,9 @@
                           <m:radPr>
                             <m:degHide m:val="on"/>
                             <m:ctrlPr>
-                              <a:rPr lang="en-US" b="1" i="1"/>
+                              <a:rPr lang="en-US" b="1" i="1">
+                                <a:latin typeface="Cambria Math" panose="02040503050406030204" pitchFamily="18" charset="0"/>
+                              </a:rPr>
                             </m:ctrlPr>
                           </m:radPr>
                           <m:deg/>
@@ -5029,26 +7142,34 @@
                             <m:sSup>
                               <m:sSupPr>
                                 <m:ctrlPr>
-                                  <a:rPr lang="en-US" b="1" i="1"/>
+                                  <a:rPr lang="en-US" b="1" i="1">
+                                    <a:latin typeface="Cambria Math" panose="02040503050406030204" pitchFamily="18" charset="0"/>
+                                  </a:rPr>
                                 </m:ctrlPr>
                               </m:sSupPr>
                               <m:e>
                                 <m:d>
                                   <m:dPr>
                                     <m:ctrlPr>
-                                      <a:rPr lang="en-US" b="1" i="1"/>
+                                      <a:rPr lang="en-US" b="1" i="1">
+                                        <a:latin typeface="Cambria Math" panose="02040503050406030204" pitchFamily="18" charset="0"/>
+                                      </a:rPr>
                                     </m:ctrlPr>
                                   </m:dPr>
                                   <m:e>
                                     <m:func>
                                       <m:funcPr>
                                         <m:ctrlPr>
-                                          <a:rPr lang="en-US" b="1" i="1"/>
+                                          <a:rPr lang="en-US" b="1" i="1">
+                                            <a:latin typeface="Cambria Math" panose="02040503050406030204" pitchFamily="18" charset="0"/>
+                                          </a:rPr>
                                         </m:ctrlPr>
                                       </m:funcPr>
                                       <m:fName>
                                         <m:r>
-                                          <a:rPr lang="en-US" b="1" i="1"/>
+                                          <a:rPr lang="en-US" b="1" i="1">
+                                            <a:latin typeface="Cambria Math" panose="02040503050406030204" pitchFamily="18" charset="0"/>
+                                          </a:rPr>
                                           <m:t>𝐬𝐢𝐧</m:t>
                                         </m:r>
                                       </m:fName>
@@ -5056,22 +7177,30 @@
                                         <m:f>
                                           <m:fPr>
                                             <m:ctrlPr>
-                                              <a:rPr lang="en-US" b="1" i="1"/>
+                                              <a:rPr lang="en-US" b="1" i="1">
+                                                <a:latin typeface="Cambria Math" panose="02040503050406030204" pitchFamily="18" charset="0"/>
+                                              </a:rPr>
                                             </m:ctrlPr>
                                           </m:fPr>
                                           <m:num>
                                             <m:r>
-                                              <a:rPr lang="en-US" b="1" i="1"/>
+                                              <a:rPr lang="en-US" b="1" i="1">
+                                                <a:latin typeface="Cambria Math" panose="02040503050406030204" pitchFamily="18" charset="0"/>
+                                              </a:rPr>
                                               <m:t>∆</m:t>
                                             </m:r>
                                             <m:r>
-                                              <a:rPr lang="en-US" b="1" i="1"/>
+                                              <a:rPr lang="en-US" b="1" i="1">
+                                                <a:latin typeface="Cambria Math" panose="02040503050406030204" pitchFamily="18" charset="0"/>
+                                              </a:rPr>
                                               <m:t>𝝋</m:t>
                                             </m:r>
                                           </m:num>
                                           <m:den>
                                             <m:r>
-                                              <a:rPr lang="en-US" b="1" i="1"/>
+                                              <a:rPr lang="en-US" b="1" i="1">
+                                                <a:latin typeface="Cambria Math" panose="02040503050406030204" pitchFamily="18" charset="0"/>
+                                              </a:rPr>
                                               <m:t>𝟐</m:t>
                                             </m:r>
                                           </m:den>
@@ -5083,24 +7212,32 @@
                               </m:e>
                               <m:sup>
                                 <m:r>
-                                  <a:rPr lang="en-US" b="1" i="1"/>
+                                  <a:rPr lang="en-US" b="1" i="1">
+                                    <a:latin typeface="Cambria Math" panose="02040503050406030204" pitchFamily="18" charset="0"/>
+                                  </a:rPr>
                                   <m:t>𝟐</m:t>
                                 </m:r>
                               </m:sup>
                             </m:sSup>
                             <m:r>
-                              <a:rPr lang="en-US" b="1" i="1"/>
+                              <a:rPr lang="en-US" b="1" i="1">
+                                <a:latin typeface="Cambria Math" panose="02040503050406030204" pitchFamily="18" charset="0"/>
+                              </a:rPr>
                               <m:t>+</m:t>
                             </m:r>
                             <m:func>
                               <m:funcPr>
                                 <m:ctrlPr>
-                                  <a:rPr lang="en-US" b="1" i="1"/>
+                                  <a:rPr lang="en-US" b="1" i="1">
+                                    <a:latin typeface="Cambria Math" panose="02040503050406030204" pitchFamily="18" charset="0"/>
+                                  </a:rPr>
                                 </m:ctrlPr>
                               </m:funcPr>
                               <m:fName>
                                 <m:r>
-                                  <a:rPr lang="en-US" b="1" i="1"/>
+                                  <a:rPr lang="en-US" b="1" i="1">
+                                    <a:latin typeface="Cambria Math" panose="02040503050406030204" pitchFamily="18" charset="0"/>
+                                  </a:rPr>
                                   <m:t>𝐜𝐨𝐬</m:t>
                                 </m:r>
                               </m:fName>
@@ -5108,25 +7245,33 @@
                                 <m:d>
                                   <m:dPr>
                                     <m:ctrlPr>
-                                      <a:rPr lang="en-US" b="1" i="1"/>
+                                      <a:rPr lang="en-US" b="1" i="1">
+                                        <a:latin typeface="Cambria Math" panose="02040503050406030204" pitchFamily="18" charset="0"/>
+                                      </a:rPr>
                                     </m:ctrlPr>
                                   </m:dPr>
                                   <m:e>
                                     <m:sSub>
                                       <m:sSubPr>
                                         <m:ctrlPr>
-                                          <a:rPr lang="en-US" b="1" i="1"/>
+                                          <a:rPr lang="en-US" b="1" i="1">
+                                            <a:latin typeface="Cambria Math" panose="02040503050406030204" pitchFamily="18" charset="0"/>
+                                          </a:rPr>
                                         </m:ctrlPr>
                                       </m:sSubPr>
                                       <m:e>
                                         <m:r>
-                                          <a:rPr lang="en-US" b="1" i="1"/>
+                                          <a:rPr lang="en-US" b="1" i="1">
+                                            <a:latin typeface="Cambria Math" panose="02040503050406030204" pitchFamily="18" charset="0"/>
+                                          </a:rPr>
                                           <m:t>𝝋</m:t>
                                         </m:r>
                                       </m:e>
                                       <m:sub>
                                         <m:r>
-                                          <a:rPr lang="en-US" b="1" i="1"/>
+                                          <a:rPr lang="en-US" b="1" i="1">
+                                            <a:latin typeface="Cambria Math" panose="02040503050406030204" pitchFamily="18" charset="0"/>
+                                          </a:rPr>
                                           <m:t>𝟏</m:t>
                                         </m:r>
                                       </m:sub>
@@ -5136,12 +7281,16 @@
                                 <m:func>
                                   <m:funcPr>
                                     <m:ctrlPr>
-                                      <a:rPr lang="en-US" b="1" i="1"/>
+                                      <a:rPr lang="en-US" b="1" i="1">
+                                        <a:latin typeface="Cambria Math" panose="02040503050406030204" pitchFamily="18" charset="0"/>
+                                      </a:rPr>
                                     </m:ctrlPr>
                                   </m:funcPr>
                                   <m:fName>
                                     <m:r>
-                                      <a:rPr lang="en-US" b="1" i="1"/>
+                                      <a:rPr lang="en-US" b="1" i="1">
+                                        <a:latin typeface="Cambria Math" panose="02040503050406030204" pitchFamily="18" charset="0"/>
+                                      </a:rPr>
                                       <m:t>𝐜𝐨𝐬</m:t>
                                     </m:r>
                                   </m:fName>
@@ -5149,25 +7298,33 @@
                                     <m:d>
                                       <m:dPr>
                                         <m:ctrlPr>
-                                          <a:rPr lang="en-US" b="1" i="1"/>
+                                          <a:rPr lang="en-US" b="1" i="1">
+                                            <a:latin typeface="Cambria Math" panose="02040503050406030204" pitchFamily="18" charset="0"/>
+                                          </a:rPr>
                                         </m:ctrlPr>
                                       </m:dPr>
                                       <m:e>
                                         <m:sSub>
                                           <m:sSubPr>
                                             <m:ctrlPr>
-                                              <a:rPr lang="en-US" b="1" i="1"/>
+                                              <a:rPr lang="en-US" b="1" i="1">
+                                                <a:latin typeface="Cambria Math" panose="02040503050406030204" pitchFamily="18" charset="0"/>
+                                              </a:rPr>
                                             </m:ctrlPr>
                                           </m:sSubPr>
                                           <m:e>
                                             <m:r>
-                                              <a:rPr lang="en-US" b="1" i="1"/>
+                                              <a:rPr lang="en-US" b="1" i="1">
+                                                <a:latin typeface="Cambria Math" panose="02040503050406030204" pitchFamily="18" charset="0"/>
+                                              </a:rPr>
                                               <m:t>𝝋</m:t>
                                             </m:r>
                                           </m:e>
                                           <m:sub>
                                             <m:r>
-                                              <a:rPr lang="en-US" b="1" i="1"/>
+                                              <a:rPr lang="en-US" b="1" i="1">
+                                                <a:latin typeface="Cambria Math" panose="02040503050406030204" pitchFamily="18" charset="0"/>
+                                              </a:rPr>
                                               <m:t>𝟐</m:t>
                                             </m:r>
                                           </m:sub>
@@ -5177,26 +7334,34 @@
                                     <m:sSup>
                                       <m:sSupPr>
                                         <m:ctrlPr>
-                                          <a:rPr lang="en-US" b="1" i="1"/>
+                                          <a:rPr lang="en-US" b="1" i="1">
+                                            <a:latin typeface="Cambria Math" panose="02040503050406030204" pitchFamily="18" charset="0"/>
+                                          </a:rPr>
                                         </m:ctrlPr>
                                       </m:sSupPr>
                                       <m:e>
                                         <m:d>
                                           <m:dPr>
                                             <m:ctrlPr>
-                                              <a:rPr lang="en-US" b="1" i="1"/>
+                                              <a:rPr lang="en-US" b="1" i="1">
+                                                <a:latin typeface="Cambria Math" panose="02040503050406030204" pitchFamily="18" charset="0"/>
+                                              </a:rPr>
                                             </m:ctrlPr>
                                           </m:dPr>
                                           <m:e>
                                             <m:func>
                                               <m:funcPr>
                                                 <m:ctrlPr>
-                                                  <a:rPr lang="en-US" b="1" i="1"/>
+                                                  <a:rPr lang="en-US" b="1" i="1">
+                                                    <a:latin typeface="Cambria Math" panose="02040503050406030204" pitchFamily="18" charset="0"/>
+                                                  </a:rPr>
                                                 </m:ctrlPr>
                                               </m:funcPr>
                                               <m:fName>
                                                 <m:r>
-                                                  <a:rPr lang="en-US" b="1" i="1"/>
+                                                  <a:rPr lang="en-US" b="1" i="1">
+                                                    <a:latin typeface="Cambria Math" panose="02040503050406030204" pitchFamily="18" charset="0"/>
+                                                  </a:rPr>
                                                   <m:t>𝐬𝐢𝐧</m:t>
                                                 </m:r>
                                               </m:fName>
@@ -5204,22 +7369,30 @@
                                                 <m:f>
                                                   <m:fPr>
                                                     <m:ctrlPr>
-                                                      <a:rPr lang="en-US" b="1" i="1"/>
+                                                      <a:rPr lang="en-US" b="1" i="1">
+                                                        <a:latin typeface="Cambria Math" panose="02040503050406030204" pitchFamily="18" charset="0"/>
+                                                      </a:rPr>
                                                     </m:ctrlPr>
                                                   </m:fPr>
                                                   <m:num>
                                                     <m:r>
-                                                      <a:rPr lang="en-US" b="1" i="1"/>
+                                                      <a:rPr lang="en-US" b="1" i="1">
+                                                        <a:latin typeface="Cambria Math" panose="02040503050406030204" pitchFamily="18" charset="0"/>
+                                                      </a:rPr>
                                                       <m:t>∆</m:t>
                                                     </m:r>
                                                     <m:r>
-                                                      <a:rPr lang="en-US" b="1" i="1"/>
+                                                      <a:rPr lang="en-US" b="1" i="1">
+                                                        <a:latin typeface="Cambria Math" panose="02040503050406030204" pitchFamily="18" charset="0"/>
+                                                      </a:rPr>
                                                       <m:t>𝝀</m:t>
                                                     </m:r>
                                                   </m:num>
                                                   <m:den>
                                                     <m:r>
-                                                      <a:rPr lang="en-US" b="1" i="1"/>
+                                                      <a:rPr lang="en-US" b="1" i="1">
+                                                        <a:latin typeface="Cambria Math" panose="02040503050406030204" pitchFamily="18" charset="0"/>
+                                                      </a:rPr>
                                                       <m:t>𝟐</m:t>
                                                     </m:r>
                                                   </m:den>
@@ -5231,7 +7404,9 @@
                                       </m:e>
                                       <m:sup>
                                         <m:r>
-                                          <a:rPr lang="en-US" b="1" i="1"/>
+                                          <a:rPr lang="en-US" b="1" i="1">
+                                            <a:latin typeface="Cambria Math" panose="02040503050406030204" pitchFamily="18" charset="0"/>
+                                          </a:rPr>
                                           <m:t>𝟐</m:t>
                                         </m:r>
                                       </m:sup>
@@ -5284,23 +7459,33 @@
                 <a14:m>
                   <m:oMath xmlns:m="http://schemas.openxmlformats.org/officeDocument/2006/math">
                     <m:r>
-                      <a:rPr lang="en-US" b="1" i="1"/>
+                      <a:rPr lang="en-US" b="1" i="1">
+                        <a:latin typeface="Cambria Math" panose="02040503050406030204" pitchFamily="18" charset="0"/>
+                      </a:rPr>
                       <m:t>𝐝</m:t>
                     </m:r>
                     <m:r>
-                      <a:rPr lang="en-US" b="1"/>
+                      <a:rPr lang="en-US" b="1">
+                        <a:latin typeface="Cambria Math" panose="02040503050406030204" pitchFamily="18" charset="0"/>
+                      </a:rPr>
                       <m:t>=</m:t>
                     </m:r>
                     <m:r>
-                      <a:rPr lang="en-US" b="1" i="1"/>
+                      <a:rPr lang="en-US" b="1" i="1">
+                        <a:latin typeface="Cambria Math" panose="02040503050406030204" pitchFamily="18" charset="0"/>
+                      </a:rPr>
                       <m:t>𝐑</m:t>
                     </m:r>
                     <m:r>
-                      <a:rPr lang="en-US" b="1" i="1"/>
+                      <a:rPr lang="en-US" b="1" i="1">
+                        <a:latin typeface="Cambria Math" panose="02040503050406030204" pitchFamily="18" charset="0"/>
+                      </a:rPr>
                       <m:t>∗</m:t>
                     </m:r>
                     <m:r>
-                      <a:rPr lang="en-US" b="1" i="1"/>
+                      <a:rPr lang="en-US" b="1" i="1">
+                        <a:latin typeface="Cambria Math" panose="02040503050406030204" pitchFamily="18" charset="0"/>
+                      </a:rPr>
                       <m:t>𝐂</m:t>
                     </m:r>
                   </m:oMath>
@@ -5314,41 +7499,55 @@
                     <m:sSub>
                       <m:sSubPr>
                         <m:ctrlPr>
-                          <a:rPr lang="en-US" b="1" i="1"/>
+                          <a:rPr lang="en-US" b="1" i="1">
+                            <a:latin typeface="Cambria Math" panose="02040503050406030204" pitchFamily="18" charset="0"/>
+                          </a:rPr>
                         </m:ctrlPr>
                       </m:sSubPr>
                       <m:e>
                         <m:r>
-                          <a:rPr lang="en-US" b="1" i="1"/>
+                          <a:rPr lang="en-US" b="1" i="1">
+                            <a:latin typeface="Cambria Math" panose="02040503050406030204" pitchFamily="18" charset="0"/>
+                          </a:rPr>
                           <m:t>𝝋</m:t>
                         </m:r>
                       </m:e>
                       <m:sub>
                         <m:r>
-                          <a:rPr lang="en-US" b="1" i="1"/>
+                          <a:rPr lang="en-US" b="1" i="1">
+                            <a:latin typeface="Cambria Math" panose="02040503050406030204" pitchFamily="18" charset="0"/>
+                          </a:rPr>
                           <m:t>𝟏</m:t>
                         </m:r>
                       </m:sub>
                     </m:sSub>
                     <m:r>
-                      <a:rPr lang="en-US" i="1"/>
+                      <a:rPr lang="en-US" i="1">
+                        <a:latin typeface="Cambria Math" panose="02040503050406030204" pitchFamily="18" charset="0"/>
+                      </a:rPr>
                       <m:t>,</m:t>
                     </m:r>
                     <m:sSub>
                       <m:sSubPr>
                         <m:ctrlPr>
-                          <a:rPr lang="en-US" b="1" i="1"/>
+                          <a:rPr lang="en-US" b="1" i="1">
+                            <a:latin typeface="Cambria Math" panose="02040503050406030204" pitchFamily="18" charset="0"/>
+                          </a:rPr>
                         </m:ctrlPr>
                       </m:sSubPr>
                       <m:e>
                         <m:r>
-                          <a:rPr lang="en-US" b="1" i="1"/>
+                          <a:rPr lang="en-US" b="1" i="1">
+                            <a:latin typeface="Cambria Math" panose="02040503050406030204" pitchFamily="18" charset="0"/>
+                          </a:rPr>
                           <m:t>𝝋</m:t>
                         </m:r>
                       </m:e>
                       <m:sub>
                         <m:r>
-                          <a:rPr lang="en-US" b="1" i="1"/>
+                          <a:rPr lang="en-US" b="1" i="1">
+                            <a:latin typeface="Cambria Math" panose="02040503050406030204" pitchFamily="18" charset="0"/>
+                          </a:rPr>
                           <m:t>𝟐</m:t>
                         </m:r>
                       </m:sub>
@@ -5368,41 +7567,55 @@
                     <m:sSub>
                       <m:sSubPr>
                         <m:ctrlPr>
-                          <a:rPr lang="en-US" b="1" i="1"/>
+                          <a:rPr lang="en-US" b="1" i="1">
+                            <a:latin typeface="Cambria Math" panose="02040503050406030204" pitchFamily="18" charset="0"/>
+                          </a:rPr>
                         </m:ctrlPr>
                       </m:sSubPr>
                       <m:e>
                         <m:r>
-                          <a:rPr lang="en-US" b="1" i="1"/>
+                          <a:rPr lang="en-US" b="1" i="1">
+                            <a:latin typeface="Cambria Math" panose="02040503050406030204" pitchFamily="18" charset="0"/>
+                          </a:rPr>
                           <m:t>𝝀</m:t>
                         </m:r>
                       </m:e>
                       <m:sub>
                         <m:r>
-                          <a:rPr lang="en-US" b="1" i="1"/>
+                          <a:rPr lang="en-US" b="1" i="1">
+                            <a:latin typeface="Cambria Math" panose="02040503050406030204" pitchFamily="18" charset="0"/>
+                          </a:rPr>
                           <m:t>𝟏</m:t>
                         </m:r>
                       </m:sub>
                     </m:sSub>
                     <m:r>
-                      <a:rPr lang="en-US" i="1"/>
+                      <a:rPr lang="en-US" i="1">
+                        <a:latin typeface="Cambria Math" panose="02040503050406030204" pitchFamily="18" charset="0"/>
+                      </a:rPr>
                       <m:t>,</m:t>
                     </m:r>
                     <m:sSub>
                       <m:sSubPr>
                         <m:ctrlPr>
-                          <a:rPr lang="en-US" b="1" i="1"/>
+                          <a:rPr lang="en-US" b="1" i="1">
+                            <a:latin typeface="Cambria Math" panose="02040503050406030204" pitchFamily="18" charset="0"/>
+                          </a:rPr>
                         </m:ctrlPr>
                       </m:sSubPr>
                       <m:e>
                         <m:r>
-                          <a:rPr lang="en-US" b="1" i="1"/>
+                          <a:rPr lang="en-US" b="1" i="1">
+                            <a:latin typeface="Cambria Math" panose="02040503050406030204" pitchFamily="18" charset="0"/>
+                          </a:rPr>
                           <m:t>𝝀</m:t>
                         </m:r>
                       </m:e>
                       <m:sub>
                         <m:r>
-                          <a:rPr lang="en-US" b="1" i="1"/>
+                          <a:rPr lang="en-US" b="1" i="1">
+                            <a:latin typeface="Cambria Math" panose="02040503050406030204" pitchFamily="18" charset="0"/>
+                          </a:rPr>
                           <m:t>𝟐</m:t>
                         </m:r>
                       </m:sub>
@@ -5428,7 +7641,7 @@
             </p:txBody>
           </p:sp>
         </mc:Choice>
-        <mc:Fallback>
+        <mc:Fallback xmlns="">
           <p:sp>
             <p:nvSpPr>
               <p:cNvPr id="3" name="Content Placeholder 2"/>
@@ -5483,7 +7696,7 @@
           <a:p>
             <a:fld id="{338DD89B-4726-4C7C-931A-DE3FAD6E9CBA}" type="datetime1">
               <a:rPr lang="vi-VN" smtClean="0"/>
-              <a:t>19/08/2014</a:t>
+              <a:t>02/09/2014</a:t>
             </a:fld>
             <a:endParaRPr lang="en-US"/>
           </a:p>
@@ -5506,7 +7719,7 @@
           <a:p>
             <a:fld id="{D1FACFED-01C6-437A-A89F-44FEA39E5018}" type="slidenum">
               <a:rPr lang="en-US" smtClean="0"/>
-              <a:t>10</a:t>
+              <a:t>14</a:t>
             </a:fld>
             <a:endParaRPr lang="en-US"/>
           </a:p>
@@ -5522,13 +7735,13 @@
   <p:clrMapOvr>
     <a:masterClrMapping/>
   </p:clrMapOvr>
-  <mc:AlternateContent xmlns:mc="http://schemas.openxmlformats.org/markup-compatibility/2006">
-    <mc:Choice xmlns:p14="http://schemas.microsoft.com/office/powerpoint/2010/main" Requires="p14">
+  <mc:AlternateContent xmlns:mc="http://schemas.openxmlformats.org/markup-compatibility/2006" xmlns:p14="http://schemas.microsoft.com/office/powerpoint/2010/main">
+    <mc:Choice Requires="p14">
       <p:transition spd="med" p14:dur="700">
         <p:fade/>
       </p:transition>
     </mc:Choice>
-    <mc:Fallback>
+    <mc:Fallback xmlns="">
       <p:transition spd="med">
         <p:fade/>
       </p:transition>
@@ -5544,7 +7757,7 @@
 </p:sld>
 </file>
 
-<file path=ppt/slides/slide11.xml><?xml version="1.0" encoding="utf-8"?>
+<file path=ppt/slides/slide15.xml><?xml version="1.0" encoding="utf-8"?>
 <p:sld xmlns:a="http://schemas.openxmlformats.org/drawingml/2006/main" xmlns:r="http://schemas.openxmlformats.org/officeDocument/2006/relationships" xmlns:p="http://schemas.openxmlformats.org/presentationml/2006/main">
   <p:cSld>
     <p:spTree>
@@ -5571,19 +7784,14 @@
             <p:ph type="title"/>
           </p:nvPr>
         </p:nvSpPr>
-        <p:spPr>
-          <a:xfrm>
-            <a:off x="857250" y="609600"/>
-            <a:ext cx="7406640" cy="1356360"/>
-          </a:xfrm>
-        </p:spPr>
+        <p:spPr/>
         <p:txBody>
           <a:bodyPr/>
           <a:lstStyle/>
           <a:p>
             <a:r>
               <a:rPr lang="en-US" dirty="0" smtClean="0"/>
-              <a:t>DEMO</a:t>
+              <a:t>BOUNDARY</a:t>
             </a:r>
             <a:endParaRPr lang="en-US" dirty="0"/>
           </a:p>
@@ -5599,116 +7807,108 @@
             <p:ph idx="1"/>
           </p:nvPr>
         </p:nvSpPr>
-        <p:spPr>
-          <a:xfrm>
-            <a:off x="857251" y="1855693"/>
-            <a:ext cx="7404653" cy="4368135"/>
-          </a:xfrm>
-        </p:spPr>
+        <p:spPr/>
         <p:txBody>
           <a:bodyPr>
             <a:normAutofit/>
           </a:bodyPr>
           <a:lstStyle/>
           <a:p>
-            <a:pPr marL="491490" indent="-457200">
+            <a:pPr algn="just">
               <a:spcBef>
-                <a:spcPts val="1200"/>
+                <a:spcPts val="1800"/>
               </a:spcBef>
-              <a:buFont typeface="+mj-lt"/>
-              <a:buAutoNum type="arabicPeriod"/>
             </a:pPr>
             <a:r>
-              <a:rPr lang="en-US" sz="3000" dirty="0" smtClean="0"/>
-              <a:t>Search hospitals using normal search</a:t>
-            </a:r>
-          </a:p>
-          <a:p>
-            <a:pPr marL="491490" indent="-457200">
+              <a:rPr lang="en-US" sz="2600" dirty="0" smtClean="0"/>
+              <a:t>Only </a:t>
+            </a:r>
+            <a:r>
+              <a:rPr lang="en-US" sz="2600" dirty="0"/>
+              <a:t>support services for guest on mobile version</a:t>
+            </a:r>
+            <a:r>
+              <a:rPr lang="en-US" sz="2600" dirty="0" smtClean="0"/>
+              <a:t>.</a:t>
+            </a:r>
+          </a:p>
+          <a:p>
+            <a:pPr algn="just">
               <a:spcBef>
-                <a:spcPts val="1200"/>
+                <a:spcPts val="1800"/>
               </a:spcBef>
-              <a:buFont typeface="+mj-lt"/>
-              <a:buAutoNum type="arabicPeriod"/>
             </a:pPr>
             <a:r>
-              <a:rPr lang="en-US" sz="3000" dirty="0" smtClean="0"/>
-              <a:t>Search hospitals using advanced search</a:t>
-            </a:r>
-          </a:p>
-          <a:p>
-            <a:pPr marL="491490" indent="-457200">
+              <a:rPr lang="en-US" sz="2600" dirty="0" smtClean="0"/>
+              <a:t>English and foreign language are not supported.</a:t>
+            </a:r>
+          </a:p>
+          <a:p>
+            <a:pPr lvl="0" algn="just">
               <a:spcBef>
-                <a:spcPts val="1200"/>
+                <a:spcPts val="1800"/>
               </a:spcBef>
-              <a:buFont typeface="+mj-lt"/>
-              <a:buAutoNum type="arabicPeriod"/>
             </a:pPr>
             <a:r>
-              <a:rPr lang="en-US" sz="3000" dirty="0" smtClean="0"/>
-              <a:t>Search hospitals using location search</a:t>
-            </a:r>
-          </a:p>
-          <a:p>
-            <a:pPr marL="491490" indent="-457200">
+              <a:rPr lang="en-US" sz="2600" dirty="0"/>
+              <a:t>Auto detect tag keywords and search hospital base on alias name are not support in this version</a:t>
+            </a:r>
+            <a:r>
+              <a:rPr lang="en-US" sz="2600" dirty="0" smtClean="0"/>
+              <a:t>.</a:t>
+            </a:r>
+          </a:p>
+          <a:p>
+            <a:pPr algn="just">
               <a:spcBef>
-                <a:spcPts val="1200"/>
+                <a:spcPts val="1800"/>
               </a:spcBef>
-              <a:buFont typeface="+mj-lt"/>
-              <a:buAutoNum type="arabicPeriod"/>
             </a:pPr>
             <a:r>
-              <a:rPr lang="en-US" sz="3000" dirty="0" smtClean="0"/>
-              <a:t>Import list hospitals in </a:t>
-            </a:r>
-            <a:r>
-              <a:rPr lang="en-US" sz="3000" dirty="0" err="1" smtClean="0"/>
-              <a:t>Cà</a:t>
-            </a:r>
-            <a:r>
-              <a:rPr lang="en-US" sz="3000" dirty="0" smtClean="0"/>
-              <a:t> Mau and using search options to search</a:t>
-            </a:r>
-          </a:p>
-          <a:p>
-            <a:pPr marL="491490" indent="-457200">
-              <a:spcBef>
-                <a:spcPts val="1200"/>
-              </a:spcBef>
-              <a:buFont typeface="+mj-lt"/>
-              <a:buAutoNum type="arabicPeriod"/>
-            </a:pPr>
-            <a:r>
-              <a:rPr lang="en-US" sz="3000" dirty="0" smtClean="0"/>
-              <a:t>Manage information of hospitals</a:t>
-            </a:r>
-          </a:p>
-          <a:p>
-            <a:pPr marL="491490" indent="-457200">
-              <a:spcBef>
-                <a:spcPts val="1200"/>
-              </a:spcBef>
-              <a:buFont typeface="+mj-lt"/>
-              <a:buAutoNum type="arabicPeriod"/>
-            </a:pPr>
-            <a:r>
-              <a:rPr lang="en-US" sz="3000" dirty="0" smtClean="0"/>
-              <a:t>Manage information of meta data</a:t>
-            </a:r>
-          </a:p>
-          <a:p>
-            <a:pPr marL="491490" indent="-457200">
-              <a:spcBef>
-                <a:spcPts val="1200"/>
-              </a:spcBef>
-              <a:buFont typeface="+mj-lt"/>
-              <a:buAutoNum type="arabicPeriod"/>
-            </a:pPr>
-            <a:r>
-              <a:rPr lang="en-US" sz="3000" dirty="0" smtClean="0"/>
-              <a:t>Manage information of users</a:t>
-            </a:r>
-            <a:endParaRPr lang="en-US" sz="3000" dirty="0"/>
+              <a:rPr lang="en-US" sz="2600" dirty="0" smtClean="0"/>
+              <a:t>The system is not </a:t>
+            </a:r>
+            <a:r>
+              <a:rPr lang="en-US" sz="2600" dirty="0"/>
+              <a:t>provide any </a:t>
+            </a:r>
+            <a:r>
+              <a:rPr lang="en-US" sz="2600" dirty="0" smtClean="0"/>
+              <a:t>services </a:t>
+            </a:r>
+            <a:r>
+              <a:rPr lang="en-US" sz="2600" dirty="0"/>
+              <a:t>or </a:t>
+            </a:r>
+            <a:r>
+              <a:rPr lang="en-US" sz="2600" dirty="0" smtClean="0"/>
+              <a:t>methods </a:t>
+            </a:r>
+            <a:r>
+              <a:rPr lang="en-US" sz="2600" dirty="0"/>
+              <a:t>to manage business of </a:t>
+            </a:r>
+            <a:r>
+              <a:rPr lang="en-US" sz="2600" dirty="0" smtClean="0"/>
+              <a:t>hospitals </a:t>
+            </a:r>
+            <a:r>
+              <a:rPr lang="en-US" sz="2600" dirty="0"/>
+              <a:t>or </a:t>
+            </a:r>
+            <a:r>
+              <a:rPr lang="en-US" sz="2600" dirty="0" smtClean="0"/>
+              <a:t>clinics </a:t>
+            </a:r>
+            <a:r>
+              <a:rPr lang="en-US" sz="2600" dirty="0"/>
+              <a:t>online</a:t>
+            </a:r>
+            <a:r>
+              <a:rPr lang="en-US" sz="2600" dirty="0" smtClean="0"/>
+              <a:t>.</a:t>
+            </a:r>
+            <a:endParaRPr lang="en-US" sz="2600" dirty="0"/>
           </a:p>
         </p:txBody>
       </p:sp>
@@ -5729,7 +7929,7 @@
           <a:p>
             <a:fld id="{338DD89B-4726-4C7C-931A-DE3FAD6E9CBA}" type="datetime1">
               <a:rPr lang="vi-VN" smtClean="0"/>
-              <a:t>19/08/2014</a:t>
+              <a:t>02/09/2014</a:t>
             </a:fld>
             <a:endParaRPr lang="en-US"/>
           </a:p>
@@ -5752,7 +7952,7 @@
           <a:p>
             <a:fld id="{D1FACFED-01C6-437A-A89F-44FEA39E5018}" type="slidenum">
               <a:rPr lang="en-US" smtClean="0"/>
-              <a:t>11</a:t>
+              <a:t>15</a:t>
             </a:fld>
             <a:endParaRPr lang="en-US"/>
           </a:p>
@@ -5761,242 +7961,20 @@
     </p:spTree>
     <p:extLst>
       <p:ext uri="{BB962C8B-B14F-4D97-AF65-F5344CB8AC3E}">
-        <p14:creationId xmlns:p14="http://schemas.microsoft.com/office/powerpoint/2010/main" val="3388726388"/>
+        <p14:creationId xmlns:p14="http://schemas.microsoft.com/office/powerpoint/2010/main" val="1750561998"/>
       </p:ext>
     </p:extLst>
   </p:cSld>
   <p:clrMapOvr>
     <a:masterClrMapping/>
   </p:clrMapOvr>
-  <mc:AlternateContent xmlns:mc="http://schemas.openxmlformats.org/markup-compatibility/2006">
-    <mc:Choice xmlns:p14="http://schemas.microsoft.com/office/powerpoint/2010/main" Requires="p14">
+  <mc:AlternateContent xmlns:mc="http://schemas.openxmlformats.org/markup-compatibility/2006" xmlns:p14="http://schemas.microsoft.com/office/powerpoint/2010/main">
+    <mc:Choice Requires="p14">
       <p:transition spd="med" p14:dur="700">
         <p:fade/>
       </p:transition>
     </mc:Choice>
-    <mc:Fallback>
-      <p:transition spd="med">
-        <p:fade/>
-      </p:transition>
-    </mc:Fallback>
-  </mc:AlternateContent>
-  <p:timing>
-    <p:tnLst>
-      <p:par>
-        <p:cTn id="1" dur="indefinite" restart="never" nodeType="tmRoot"/>
-      </p:par>
-    </p:tnLst>
-  </p:timing>
-</p:sld>
-</file>
-
-<file path=ppt/slides/slide2.xml><?xml version="1.0" encoding="utf-8"?>
-<p:sld xmlns:a="http://schemas.openxmlformats.org/drawingml/2006/main" xmlns:r="http://schemas.openxmlformats.org/officeDocument/2006/relationships" xmlns:p="http://schemas.openxmlformats.org/presentationml/2006/main">
-  <p:cSld>
-    <p:spTree>
-      <p:nvGrpSpPr>
-        <p:cNvPr id="1" name=""/>
-        <p:cNvGrpSpPr/>
-        <p:nvPr/>
-      </p:nvGrpSpPr>
-      <p:grpSpPr>
-        <a:xfrm>
-          <a:off x="0" y="0"/>
-          <a:ext cx="0" cy="0"/>
-          <a:chOff x="0" y="0"/>
-          <a:chExt cx="0" cy="0"/>
-        </a:xfrm>
-      </p:grpSpPr>
-      <p:sp>
-        <p:nvSpPr>
-          <p:cNvPr id="2" name="Title 1"/>
-          <p:cNvSpPr>
-            <a:spLocks noGrp="1"/>
-          </p:cNvSpPr>
-          <p:nvPr>
-            <p:ph type="title"/>
-          </p:nvPr>
-        </p:nvSpPr>
-        <p:spPr/>
-        <p:txBody>
-          <a:bodyPr>
-            <a:scene3d>
-              <a:camera prst="orthographicFront"/>
-              <a:lightRig rig="soft" dir="t">
-                <a:rot lat="0" lon="0" rev="15600000"/>
-              </a:lightRig>
-            </a:scene3d>
-            <a:sp3d extrusionH="57150" prstMaterial="softEdge">
-              <a:bevelT w="25400" h="38100"/>
-            </a:sp3d>
-          </a:bodyPr>
-          <a:lstStyle/>
-          <a:p>
-            <a:r>
-              <a:rPr lang="en-US" b="1" dirty="0" smtClean="0">
-                <a:ln/>
-                <a:solidFill>
-                  <a:schemeClr val="accent4"/>
-                </a:solidFill>
-              </a:rPr>
-              <a:t>INTRODUCTION</a:t>
-            </a:r>
-            <a:endParaRPr lang="en-US" b="1" dirty="0">
-              <a:ln/>
-              <a:solidFill>
-                <a:schemeClr val="accent4"/>
-              </a:solidFill>
-            </a:endParaRPr>
-          </a:p>
-        </p:txBody>
-      </p:sp>
-      <p:sp>
-        <p:nvSpPr>
-          <p:cNvPr id="3" name="Content Placeholder 2"/>
-          <p:cNvSpPr>
-            <a:spLocks noGrp="1"/>
-          </p:cNvSpPr>
-          <p:nvPr>
-            <p:ph idx="1"/>
-          </p:nvPr>
-        </p:nvSpPr>
-        <p:spPr/>
-        <p:txBody>
-          <a:bodyPr>
-            <a:normAutofit/>
-          </a:bodyPr>
-          <a:lstStyle/>
-          <a:p>
-            <a:pPr algn="just">
-              <a:spcBef>
-                <a:spcPts val="3000"/>
-              </a:spcBef>
-            </a:pPr>
-            <a:r>
-              <a:rPr lang="en-US" sz="3000" dirty="0" smtClean="0">
-                <a:solidFill>
-                  <a:srgbClr val="002060"/>
-                </a:solidFill>
-              </a:rPr>
-              <a:t>Hospital Finder is the system built for finding appropriate hospitals base on users’ conditions.</a:t>
-            </a:r>
-          </a:p>
-          <a:p>
-            <a:pPr algn="just">
-              <a:spcBef>
-                <a:spcPts val="3000"/>
-              </a:spcBef>
-            </a:pPr>
-            <a:r>
-              <a:rPr lang="en-US" sz="3000" dirty="0" smtClean="0">
-                <a:solidFill>
-                  <a:srgbClr val="002060"/>
-                </a:solidFill>
-              </a:rPr>
-              <a:t>The results will be displayed on map.</a:t>
-            </a:r>
-          </a:p>
-          <a:p>
-            <a:pPr algn="just">
-              <a:spcBef>
-                <a:spcPts val="3000"/>
-              </a:spcBef>
-            </a:pPr>
-            <a:r>
-              <a:rPr lang="en-US" sz="3000" dirty="0" smtClean="0">
-                <a:solidFill>
-                  <a:srgbClr val="002060"/>
-                </a:solidFill>
-              </a:rPr>
-              <a:t>Display hospital information, </a:t>
-            </a:r>
-            <a:r>
-              <a:rPr lang="en-US" sz="3000" dirty="0">
-                <a:solidFill>
-                  <a:srgbClr val="002060"/>
-                </a:solidFill>
-              </a:rPr>
-              <a:t>s</a:t>
-            </a:r>
-            <a:r>
-              <a:rPr lang="en-US" sz="3000" dirty="0" smtClean="0">
-                <a:solidFill>
-                  <a:srgbClr val="002060"/>
-                </a:solidFill>
-              </a:rPr>
-              <a:t>upport rating, commenting and sharing through social account.</a:t>
-            </a:r>
-            <a:endParaRPr lang="en-US" sz="3000" dirty="0">
-              <a:solidFill>
-                <a:srgbClr val="002060"/>
-              </a:solidFill>
-            </a:endParaRPr>
-          </a:p>
-        </p:txBody>
-      </p:sp>
-      <p:sp>
-        <p:nvSpPr>
-          <p:cNvPr id="4" name="Date Placeholder 3"/>
-          <p:cNvSpPr>
-            <a:spLocks noGrp="1"/>
-          </p:cNvSpPr>
-          <p:nvPr>
-            <p:ph type="dt" sz="half" idx="10"/>
-          </p:nvPr>
-        </p:nvSpPr>
-        <p:spPr/>
-        <p:txBody>
-          <a:bodyPr/>
-          <a:lstStyle/>
-          <a:p>
-            <a:fld id="{D3FCECA5-D096-4DD2-B480-246D8B69DB6C}" type="datetime1">
-              <a:rPr lang="vi-VN" smtClean="0"/>
-              <a:t>19/08/2014</a:t>
-            </a:fld>
-            <a:endParaRPr lang="en-US"/>
-          </a:p>
-        </p:txBody>
-      </p:sp>
-      <p:sp>
-        <p:nvSpPr>
-          <p:cNvPr id="6" name="Slide Number Placeholder 5"/>
-          <p:cNvSpPr>
-            <a:spLocks noGrp="1"/>
-          </p:cNvSpPr>
-          <p:nvPr>
-            <p:ph type="sldNum" sz="quarter" idx="12"/>
-          </p:nvPr>
-        </p:nvSpPr>
-        <p:spPr/>
-        <p:txBody>
-          <a:bodyPr/>
-          <a:lstStyle/>
-          <a:p>
-            <a:fld id="{D1FACFED-01C6-437A-A89F-44FEA39E5018}" type="slidenum">
-              <a:rPr lang="en-US" smtClean="0"/>
-              <a:t>2</a:t>
-            </a:fld>
-            <a:endParaRPr lang="en-US"/>
-          </a:p>
-        </p:txBody>
-      </p:sp>
-    </p:spTree>
-    <p:extLst>
-      <p:ext uri="{BB962C8B-B14F-4D97-AF65-F5344CB8AC3E}">
-        <p14:creationId xmlns:p14="http://schemas.microsoft.com/office/powerpoint/2010/main" val="30533544"/>
-      </p:ext>
-    </p:extLst>
-  </p:cSld>
-  <p:clrMapOvr>
-    <a:masterClrMapping/>
-  </p:clrMapOvr>
-  <mc:AlternateContent xmlns:mc="http://schemas.openxmlformats.org/markup-compatibility/2006">
-    <mc:Choice xmlns:p14="http://schemas.microsoft.com/office/powerpoint/2010/main" Requires="p14">
-      <p:transition spd="med" p14:dur="700">
-        <p:fade/>
-      </p:transition>
-    </mc:Choice>
-    <mc:Fallback>
+    <mc:Fallback xmlns="">
       <p:transition spd="med">
         <p:fade/>
       </p:transition>
@@ -6132,6 +8110,67 @@
                       </p:childTnLst>
                     </p:cTn>
                   </p:par>
+                  <p:par>
+                    <p:cTn id="13" fill="hold">
+                      <p:stCondLst>
+                        <p:cond delay="indefinite"/>
+                      </p:stCondLst>
+                      <p:childTnLst>
+                        <p:par>
+                          <p:cTn id="14" fill="hold">
+                            <p:stCondLst>
+                              <p:cond delay="0"/>
+                            </p:stCondLst>
+                            <p:childTnLst>
+                              <p:par>
+                                <p:cTn id="15" presetID="10" presetClass="entr" presetSubtype="0" fill="hold" nodeType="clickEffect">
+                                  <p:stCondLst>
+                                    <p:cond delay="0"/>
+                                  </p:stCondLst>
+                                  <p:childTnLst>
+                                    <p:set>
+                                      <p:cBhvr>
+                                        <p:cTn id="16" dur="1" fill="hold">
+                                          <p:stCondLst>
+                                            <p:cond delay="0"/>
+                                          </p:stCondLst>
+                                        </p:cTn>
+                                        <p:tgtEl>
+                                          <p:spTgt spid="3">
+                                            <p:txEl>
+                                              <p:pRg st="3" end="3"/>
+                                            </p:txEl>
+                                          </p:spTgt>
+                                        </p:tgtEl>
+                                        <p:attrNameLst>
+                                          <p:attrName>style.visibility</p:attrName>
+                                        </p:attrNameLst>
+                                      </p:cBhvr>
+                                      <p:to>
+                                        <p:strVal val="visible"/>
+                                      </p:to>
+                                    </p:set>
+                                    <p:animEffect transition="in" filter="fade">
+                                      <p:cBhvr>
+                                        <p:cTn id="17" dur="500"/>
+                                        <p:tgtEl>
+                                          <p:spTgt spid="3">
+                                            <p:txEl>
+                                              <p:pRg st="3" end="3"/>
+                                            </p:txEl>
+                                          </p:spTgt>
+                                        </p:tgtEl>
+                                      </p:cBhvr>
+                                    </p:animEffect>
+                                  </p:childTnLst>
+                                </p:cTn>
+                              </p:par>
+                            </p:childTnLst>
+                          </p:cTn>
+                        </p:par>
+                      </p:childTnLst>
+                    </p:cTn>
+                  </p:par>
                 </p:childTnLst>
               </p:cTn>
               <p:prevCondLst>
@@ -6157,6 +8196,633 @@
 </p:sld>
 </file>
 
+<file path=ppt/slides/slide16.xml><?xml version="1.0" encoding="utf-8"?>
+<p:sld xmlns:a="http://schemas.openxmlformats.org/drawingml/2006/main" xmlns:r="http://schemas.openxmlformats.org/officeDocument/2006/relationships" xmlns:p="http://schemas.openxmlformats.org/presentationml/2006/main">
+  <p:cSld>
+    <p:spTree>
+      <p:nvGrpSpPr>
+        <p:cNvPr id="1" name=""/>
+        <p:cNvGrpSpPr/>
+        <p:nvPr/>
+      </p:nvGrpSpPr>
+      <p:grpSpPr>
+        <a:xfrm>
+          <a:off x="0" y="0"/>
+          <a:ext cx="0" cy="0"/>
+          <a:chOff x="0" y="0"/>
+          <a:chExt cx="0" cy="0"/>
+        </a:xfrm>
+      </p:grpSpPr>
+      <p:sp>
+        <p:nvSpPr>
+          <p:cNvPr id="2" name="Title 1"/>
+          <p:cNvSpPr>
+            <a:spLocks noGrp="1"/>
+          </p:cNvSpPr>
+          <p:nvPr>
+            <p:ph type="title"/>
+          </p:nvPr>
+        </p:nvSpPr>
+        <p:spPr/>
+        <p:txBody>
+          <a:bodyPr/>
+          <a:lstStyle/>
+          <a:p>
+            <a:r>
+              <a:rPr lang="en-US" dirty="0" smtClean="0"/>
+              <a:t>FUTURE IMPROVEMENT</a:t>
+            </a:r>
+            <a:endParaRPr lang="en-US" dirty="0"/>
+          </a:p>
+        </p:txBody>
+      </p:sp>
+      <p:sp>
+        <p:nvSpPr>
+          <p:cNvPr id="3" name="Content Placeholder 2"/>
+          <p:cNvSpPr>
+            <a:spLocks noGrp="1"/>
+          </p:cNvSpPr>
+          <p:nvPr>
+            <p:ph idx="1"/>
+          </p:nvPr>
+        </p:nvSpPr>
+        <p:spPr/>
+        <p:txBody>
+          <a:bodyPr>
+            <a:normAutofit/>
+          </a:bodyPr>
+          <a:lstStyle/>
+          <a:p>
+            <a:pPr algn="just">
+              <a:spcBef>
+                <a:spcPts val="2400"/>
+              </a:spcBef>
+            </a:pPr>
+            <a:r>
+              <a:rPr lang="en-US" sz="3000" dirty="0" smtClean="0"/>
+              <a:t>Support auto detecting Vietnamese tag keywords.</a:t>
+            </a:r>
+          </a:p>
+          <a:p>
+            <a:pPr algn="just">
+              <a:spcBef>
+                <a:spcPts val="2400"/>
+              </a:spcBef>
+            </a:pPr>
+            <a:r>
+              <a:rPr lang="en-US" sz="3000" dirty="0" smtClean="0"/>
+              <a:t>Support searching though alias name.</a:t>
+            </a:r>
+            <a:endParaRPr lang="en-US" sz="3000" dirty="0"/>
+          </a:p>
+        </p:txBody>
+      </p:sp>
+      <p:sp>
+        <p:nvSpPr>
+          <p:cNvPr id="4" name="Date Placeholder 3"/>
+          <p:cNvSpPr>
+            <a:spLocks noGrp="1"/>
+          </p:cNvSpPr>
+          <p:nvPr>
+            <p:ph type="dt" sz="half" idx="10"/>
+          </p:nvPr>
+        </p:nvSpPr>
+        <p:spPr/>
+        <p:txBody>
+          <a:bodyPr/>
+          <a:lstStyle/>
+          <a:p>
+            <a:fld id="{338DD89B-4726-4C7C-931A-DE3FAD6E9CBA}" type="datetime1">
+              <a:rPr lang="vi-VN" smtClean="0"/>
+              <a:t>02/09/2014</a:t>
+            </a:fld>
+            <a:endParaRPr lang="en-US"/>
+          </a:p>
+        </p:txBody>
+      </p:sp>
+      <p:sp>
+        <p:nvSpPr>
+          <p:cNvPr id="5" name="Slide Number Placeholder 4"/>
+          <p:cNvSpPr>
+            <a:spLocks noGrp="1"/>
+          </p:cNvSpPr>
+          <p:nvPr>
+            <p:ph type="sldNum" sz="quarter" idx="12"/>
+          </p:nvPr>
+        </p:nvSpPr>
+        <p:spPr/>
+        <p:txBody>
+          <a:bodyPr/>
+          <a:lstStyle/>
+          <a:p>
+            <a:fld id="{D1FACFED-01C6-437A-A89F-44FEA39E5018}" type="slidenum">
+              <a:rPr lang="en-US" smtClean="0"/>
+              <a:t>16</a:t>
+            </a:fld>
+            <a:endParaRPr lang="en-US"/>
+          </a:p>
+        </p:txBody>
+      </p:sp>
+    </p:spTree>
+    <p:extLst>
+      <p:ext uri="{BB962C8B-B14F-4D97-AF65-F5344CB8AC3E}">
+        <p14:creationId xmlns:p14="http://schemas.microsoft.com/office/powerpoint/2010/main" val="3759035391"/>
+      </p:ext>
+    </p:extLst>
+  </p:cSld>
+  <p:clrMapOvr>
+    <a:masterClrMapping/>
+  </p:clrMapOvr>
+  <mc:AlternateContent xmlns:mc="http://schemas.openxmlformats.org/markup-compatibility/2006" xmlns:p14="http://schemas.microsoft.com/office/powerpoint/2010/main">
+    <mc:Choice Requires="p14">
+      <p:transition spd="med" p14:dur="700">
+        <p:fade/>
+      </p:transition>
+    </mc:Choice>
+    <mc:Fallback xmlns="">
+      <p:transition spd="med">
+        <p:fade/>
+      </p:transition>
+    </mc:Fallback>
+  </mc:AlternateContent>
+  <p:timing>
+    <p:tnLst>
+      <p:par>
+        <p:cTn id="1" dur="indefinite" restart="never" nodeType="tmRoot"/>
+      </p:par>
+    </p:tnLst>
+  </p:timing>
+</p:sld>
+</file>
+
+<file path=ppt/slides/slide17.xml><?xml version="1.0" encoding="utf-8"?>
+<p:sld xmlns:a="http://schemas.openxmlformats.org/drawingml/2006/main" xmlns:r="http://schemas.openxmlformats.org/officeDocument/2006/relationships" xmlns:p="http://schemas.openxmlformats.org/presentationml/2006/main">
+  <p:cSld>
+    <p:spTree>
+      <p:nvGrpSpPr>
+        <p:cNvPr id="1" name=""/>
+        <p:cNvGrpSpPr/>
+        <p:nvPr/>
+      </p:nvGrpSpPr>
+      <p:grpSpPr>
+        <a:xfrm>
+          <a:off x="0" y="0"/>
+          <a:ext cx="0" cy="0"/>
+          <a:chOff x="0" y="0"/>
+          <a:chExt cx="0" cy="0"/>
+        </a:xfrm>
+      </p:grpSpPr>
+      <p:sp>
+        <p:nvSpPr>
+          <p:cNvPr id="2" name="Title 1"/>
+          <p:cNvSpPr>
+            <a:spLocks noGrp="1"/>
+          </p:cNvSpPr>
+          <p:nvPr>
+            <p:ph type="title"/>
+          </p:nvPr>
+        </p:nvSpPr>
+        <p:spPr>
+          <a:xfrm>
+            <a:off x="857250" y="609600"/>
+            <a:ext cx="7406640" cy="1356360"/>
+          </a:xfrm>
+        </p:spPr>
+        <p:txBody>
+          <a:bodyPr/>
+          <a:lstStyle/>
+          <a:p>
+            <a:r>
+              <a:rPr lang="en-US" dirty="0" smtClean="0"/>
+              <a:t>DEMO</a:t>
+            </a:r>
+            <a:endParaRPr lang="en-US" dirty="0"/>
+          </a:p>
+        </p:txBody>
+      </p:sp>
+      <p:sp>
+        <p:nvSpPr>
+          <p:cNvPr id="3" name="Content Placeholder 2"/>
+          <p:cNvSpPr>
+            <a:spLocks noGrp="1"/>
+          </p:cNvSpPr>
+          <p:nvPr>
+            <p:ph idx="1"/>
+          </p:nvPr>
+        </p:nvSpPr>
+        <p:spPr>
+          <a:xfrm>
+            <a:off x="857251" y="1855693"/>
+            <a:ext cx="7404653" cy="4368135"/>
+          </a:xfrm>
+        </p:spPr>
+        <p:txBody>
+          <a:bodyPr>
+            <a:normAutofit/>
+          </a:bodyPr>
+          <a:lstStyle/>
+          <a:p>
+            <a:pPr marL="491490" indent="-457200">
+              <a:spcBef>
+                <a:spcPts val="1200"/>
+              </a:spcBef>
+              <a:buFont typeface="+mj-lt"/>
+              <a:buAutoNum type="arabicPeriod"/>
+            </a:pPr>
+            <a:r>
+              <a:rPr lang="en-US" sz="3000" dirty="0" smtClean="0"/>
+              <a:t>Search hospitals using normal search</a:t>
+            </a:r>
+          </a:p>
+          <a:p>
+            <a:pPr marL="491490" indent="-457200">
+              <a:spcBef>
+                <a:spcPts val="1200"/>
+              </a:spcBef>
+              <a:buFont typeface="+mj-lt"/>
+              <a:buAutoNum type="arabicPeriod"/>
+            </a:pPr>
+            <a:r>
+              <a:rPr lang="en-US" sz="3000" dirty="0" smtClean="0"/>
+              <a:t>Search hospitals using advanced search</a:t>
+            </a:r>
+          </a:p>
+          <a:p>
+            <a:pPr marL="491490" indent="-457200">
+              <a:spcBef>
+                <a:spcPts val="1200"/>
+              </a:spcBef>
+              <a:buFont typeface="+mj-lt"/>
+              <a:buAutoNum type="arabicPeriod"/>
+            </a:pPr>
+            <a:r>
+              <a:rPr lang="en-US" sz="3000" dirty="0" smtClean="0"/>
+              <a:t>Search hospitals using location search</a:t>
+            </a:r>
+          </a:p>
+          <a:p>
+            <a:pPr marL="491490" indent="-457200">
+              <a:spcBef>
+                <a:spcPts val="1200"/>
+              </a:spcBef>
+              <a:buFont typeface="+mj-lt"/>
+              <a:buAutoNum type="arabicPeriod"/>
+            </a:pPr>
+            <a:r>
+              <a:rPr lang="en-US" sz="3000" dirty="0" smtClean="0"/>
+              <a:t>Import list of hospitals in </a:t>
+            </a:r>
+            <a:r>
+              <a:rPr lang="en-US" sz="3000" dirty="0" err="1" smtClean="0"/>
+              <a:t>Cà</a:t>
+            </a:r>
+            <a:r>
+              <a:rPr lang="en-US" sz="3000" dirty="0" smtClean="0"/>
+              <a:t> Mau and using search options to search</a:t>
+            </a:r>
+          </a:p>
+          <a:p>
+            <a:pPr marL="491490" indent="-457200">
+              <a:spcBef>
+                <a:spcPts val="1200"/>
+              </a:spcBef>
+              <a:buFont typeface="+mj-lt"/>
+              <a:buAutoNum type="arabicPeriod"/>
+            </a:pPr>
+            <a:r>
+              <a:rPr lang="en-US" sz="3000" dirty="0" smtClean="0"/>
+              <a:t>Manage information of hospitals</a:t>
+            </a:r>
+          </a:p>
+          <a:p>
+            <a:pPr marL="491490" indent="-457200">
+              <a:spcBef>
+                <a:spcPts val="1200"/>
+              </a:spcBef>
+              <a:buFont typeface="+mj-lt"/>
+              <a:buAutoNum type="arabicPeriod"/>
+            </a:pPr>
+            <a:r>
+              <a:rPr lang="en-US" sz="3000" dirty="0" smtClean="0"/>
+              <a:t>Manage information of meta data</a:t>
+            </a:r>
+          </a:p>
+          <a:p>
+            <a:pPr marL="491490" indent="-457200">
+              <a:spcBef>
+                <a:spcPts val="1200"/>
+              </a:spcBef>
+              <a:buFont typeface="+mj-lt"/>
+              <a:buAutoNum type="arabicPeriod"/>
+            </a:pPr>
+            <a:r>
+              <a:rPr lang="en-US" sz="3000" dirty="0" smtClean="0"/>
+              <a:t>Manage information of users</a:t>
+            </a:r>
+            <a:endParaRPr lang="en-US" sz="3000" dirty="0"/>
+          </a:p>
+        </p:txBody>
+      </p:sp>
+      <p:sp>
+        <p:nvSpPr>
+          <p:cNvPr id="4" name="Date Placeholder 3"/>
+          <p:cNvSpPr>
+            <a:spLocks noGrp="1"/>
+          </p:cNvSpPr>
+          <p:nvPr>
+            <p:ph type="dt" sz="half" idx="10"/>
+          </p:nvPr>
+        </p:nvSpPr>
+        <p:spPr/>
+        <p:txBody>
+          <a:bodyPr/>
+          <a:lstStyle/>
+          <a:p>
+            <a:fld id="{338DD89B-4726-4C7C-931A-DE3FAD6E9CBA}" type="datetime1">
+              <a:rPr lang="vi-VN" smtClean="0"/>
+              <a:t>02/09/2014</a:t>
+            </a:fld>
+            <a:endParaRPr lang="en-US"/>
+          </a:p>
+        </p:txBody>
+      </p:sp>
+      <p:sp>
+        <p:nvSpPr>
+          <p:cNvPr id="5" name="Slide Number Placeholder 4"/>
+          <p:cNvSpPr>
+            <a:spLocks noGrp="1"/>
+          </p:cNvSpPr>
+          <p:nvPr>
+            <p:ph type="sldNum" sz="quarter" idx="12"/>
+          </p:nvPr>
+        </p:nvSpPr>
+        <p:spPr/>
+        <p:txBody>
+          <a:bodyPr/>
+          <a:lstStyle/>
+          <a:p>
+            <a:fld id="{D1FACFED-01C6-437A-A89F-44FEA39E5018}" type="slidenum">
+              <a:rPr lang="en-US" smtClean="0"/>
+              <a:t>17</a:t>
+            </a:fld>
+            <a:endParaRPr lang="en-US"/>
+          </a:p>
+        </p:txBody>
+      </p:sp>
+    </p:spTree>
+    <p:extLst>
+      <p:ext uri="{BB962C8B-B14F-4D97-AF65-F5344CB8AC3E}">
+        <p14:creationId xmlns:p14="http://schemas.microsoft.com/office/powerpoint/2010/main" val="3388726388"/>
+      </p:ext>
+    </p:extLst>
+  </p:cSld>
+  <p:clrMapOvr>
+    <a:masterClrMapping/>
+  </p:clrMapOvr>
+  <mc:AlternateContent xmlns:mc="http://schemas.openxmlformats.org/markup-compatibility/2006" xmlns:p14="http://schemas.microsoft.com/office/powerpoint/2010/main">
+    <mc:Choice Requires="p14">
+      <p:transition spd="med" p14:dur="700">
+        <p:fade/>
+      </p:transition>
+    </mc:Choice>
+    <mc:Fallback xmlns="">
+      <p:transition spd="med">
+        <p:fade/>
+      </p:transition>
+    </mc:Fallback>
+  </mc:AlternateContent>
+  <p:timing>
+    <p:tnLst>
+      <p:par>
+        <p:cTn id="1" dur="indefinite" restart="never" nodeType="tmRoot"/>
+      </p:par>
+    </p:tnLst>
+  </p:timing>
+</p:sld>
+</file>
+
+<file path=ppt/slides/slide2.xml><?xml version="1.0" encoding="utf-8"?>
+<p:sld xmlns:a="http://schemas.openxmlformats.org/drawingml/2006/main" xmlns:r="http://schemas.openxmlformats.org/officeDocument/2006/relationships" xmlns:p="http://schemas.openxmlformats.org/presentationml/2006/main">
+  <p:cSld>
+    <p:spTree>
+      <p:nvGrpSpPr>
+        <p:cNvPr id="1" name=""/>
+        <p:cNvGrpSpPr/>
+        <p:nvPr/>
+      </p:nvGrpSpPr>
+      <p:grpSpPr>
+        <a:xfrm>
+          <a:off x="0" y="0"/>
+          <a:ext cx="0" cy="0"/>
+          <a:chOff x="0" y="0"/>
+          <a:chExt cx="0" cy="0"/>
+        </a:xfrm>
+      </p:grpSpPr>
+      <p:sp>
+        <p:nvSpPr>
+          <p:cNvPr id="2" name="Title 1"/>
+          <p:cNvSpPr>
+            <a:spLocks noGrp="1"/>
+          </p:cNvSpPr>
+          <p:nvPr>
+            <p:ph type="title"/>
+          </p:nvPr>
+        </p:nvSpPr>
+        <p:spPr/>
+        <p:txBody>
+          <a:bodyPr/>
+          <a:lstStyle/>
+          <a:p>
+            <a:r>
+              <a:rPr lang="en-US" dirty="0" smtClean="0"/>
+              <a:t>OBJECTIVES</a:t>
+            </a:r>
+            <a:endParaRPr lang="en-US" dirty="0"/>
+          </a:p>
+        </p:txBody>
+      </p:sp>
+      <p:sp>
+        <p:nvSpPr>
+          <p:cNvPr id="3" name="Content Placeholder 2"/>
+          <p:cNvSpPr>
+            <a:spLocks noGrp="1"/>
+          </p:cNvSpPr>
+          <p:nvPr>
+            <p:ph idx="1"/>
+          </p:nvPr>
+        </p:nvSpPr>
+        <p:spPr>
+          <a:xfrm>
+            <a:off x="857251" y="1667435"/>
+            <a:ext cx="7404653" cy="4428565"/>
+          </a:xfrm>
+        </p:spPr>
+        <p:txBody>
+          <a:bodyPr>
+            <a:normAutofit/>
+          </a:bodyPr>
+          <a:lstStyle/>
+          <a:p>
+            <a:pPr marL="491490" indent="-457200">
+              <a:buFont typeface="+mj-lt"/>
+              <a:buAutoNum type="arabicPeriod"/>
+            </a:pPr>
+            <a:r>
+              <a:rPr lang="en-US" sz="3000" dirty="0" smtClean="0"/>
+              <a:t>Introduction</a:t>
+            </a:r>
+          </a:p>
+          <a:p>
+            <a:pPr marL="491490" indent="-457200">
+              <a:buFont typeface="+mj-lt"/>
+              <a:buAutoNum type="arabicPeriod"/>
+            </a:pPr>
+            <a:r>
+              <a:rPr lang="en-US" sz="3000" dirty="0" smtClean="0"/>
+              <a:t>Current problem</a:t>
+            </a:r>
+          </a:p>
+          <a:p>
+            <a:pPr marL="491490" indent="-457200">
+              <a:buFont typeface="+mj-lt"/>
+              <a:buAutoNum type="arabicPeriod"/>
+            </a:pPr>
+            <a:r>
+              <a:rPr lang="en-US" sz="3000" dirty="0" smtClean="0"/>
+              <a:t>Solution</a:t>
+            </a:r>
+          </a:p>
+          <a:p>
+            <a:pPr marL="491490" indent="-457200">
+              <a:buFont typeface="+mj-lt"/>
+              <a:buAutoNum type="arabicPeriod"/>
+            </a:pPr>
+            <a:r>
+              <a:rPr lang="en-US" sz="3000" dirty="0" smtClean="0"/>
+              <a:t>Roles in the system</a:t>
+            </a:r>
+          </a:p>
+          <a:p>
+            <a:pPr marL="491490" indent="-457200">
+              <a:buFont typeface="+mj-lt"/>
+              <a:buAutoNum type="arabicPeriod"/>
+            </a:pPr>
+            <a:r>
+              <a:rPr lang="en-US" sz="3000" dirty="0" smtClean="0"/>
+              <a:t>Technology</a:t>
+            </a:r>
+          </a:p>
+          <a:p>
+            <a:pPr marL="491490" indent="-457200">
+              <a:buFont typeface="+mj-lt"/>
+              <a:buAutoNum type="arabicPeriod"/>
+            </a:pPr>
+            <a:r>
+              <a:rPr lang="en-US" sz="3000" dirty="0" smtClean="0"/>
+              <a:t>Algorithm</a:t>
+            </a:r>
+          </a:p>
+          <a:p>
+            <a:pPr marL="491490" indent="-457200">
+              <a:buFont typeface="+mj-lt"/>
+              <a:buAutoNum type="arabicPeriod"/>
+            </a:pPr>
+            <a:r>
+              <a:rPr lang="en-US" sz="3000" dirty="0" smtClean="0"/>
+              <a:t>Boundary</a:t>
+            </a:r>
+          </a:p>
+          <a:p>
+            <a:pPr marL="491490" indent="-457200">
+              <a:buFont typeface="+mj-lt"/>
+              <a:buAutoNum type="arabicPeriod"/>
+            </a:pPr>
+            <a:r>
+              <a:rPr lang="en-US" sz="3000" dirty="0" smtClean="0"/>
+              <a:t>Future improvement</a:t>
+            </a:r>
+            <a:endParaRPr lang="en-US" sz="3000" dirty="0"/>
+          </a:p>
+        </p:txBody>
+      </p:sp>
+      <p:sp>
+        <p:nvSpPr>
+          <p:cNvPr id="4" name="Date Placeholder 3"/>
+          <p:cNvSpPr>
+            <a:spLocks noGrp="1"/>
+          </p:cNvSpPr>
+          <p:nvPr>
+            <p:ph type="dt" sz="half" idx="10"/>
+          </p:nvPr>
+        </p:nvSpPr>
+        <p:spPr/>
+        <p:txBody>
+          <a:bodyPr/>
+          <a:lstStyle/>
+          <a:p>
+            <a:fld id="{338DD89B-4726-4C7C-931A-DE3FAD6E9CBA}" type="datetime1">
+              <a:rPr lang="vi-VN" smtClean="0"/>
+              <a:t>02/09/2014</a:t>
+            </a:fld>
+            <a:endParaRPr lang="en-US"/>
+          </a:p>
+        </p:txBody>
+      </p:sp>
+      <p:sp>
+        <p:nvSpPr>
+          <p:cNvPr id="5" name="Slide Number Placeholder 4"/>
+          <p:cNvSpPr>
+            <a:spLocks noGrp="1"/>
+          </p:cNvSpPr>
+          <p:nvPr>
+            <p:ph type="sldNum" sz="quarter" idx="12"/>
+          </p:nvPr>
+        </p:nvSpPr>
+        <p:spPr/>
+        <p:txBody>
+          <a:bodyPr/>
+          <a:lstStyle/>
+          <a:p>
+            <a:fld id="{D1FACFED-01C6-437A-A89F-44FEA39E5018}" type="slidenum">
+              <a:rPr lang="en-US" smtClean="0"/>
+              <a:t>2</a:t>
+            </a:fld>
+            <a:endParaRPr lang="en-US"/>
+          </a:p>
+        </p:txBody>
+      </p:sp>
+    </p:spTree>
+    <p:extLst>
+      <p:ext uri="{BB962C8B-B14F-4D97-AF65-F5344CB8AC3E}">
+        <p14:creationId xmlns:p14="http://schemas.microsoft.com/office/powerpoint/2010/main" val="2852015685"/>
+      </p:ext>
+    </p:extLst>
+  </p:cSld>
+  <p:clrMapOvr>
+    <a:masterClrMapping/>
+  </p:clrMapOvr>
+  <mc:AlternateContent xmlns:mc="http://schemas.openxmlformats.org/markup-compatibility/2006" xmlns:p14="http://schemas.microsoft.com/office/powerpoint/2010/main">
+    <mc:Choice Requires="p14">
+      <p:transition spd="med" p14:dur="700">
+        <p:fade/>
+      </p:transition>
+    </mc:Choice>
+    <mc:Fallback xmlns="">
+      <p:transition spd="med">
+        <p:fade/>
+      </p:transition>
+    </mc:Fallback>
+  </mc:AlternateContent>
+  <p:timing>
+    <p:tnLst>
+      <p:par>
+        <p:cTn id="1" dur="indefinite" restart="never" nodeType="tmRoot"/>
+      </p:par>
+    </p:tnLst>
+  </p:timing>
+</p:sld>
+</file>
+
 <file path=ppt/slides/slide3.xml><?xml version="1.0" encoding="utf-8"?>
 <p:sld xmlns:a="http://schemas.openxmlformats.org/drawingml/2006/main" xmlns:r="http://schemas.openxmlformats.org/officeDocument/2006/relationships" xmlns:p="http://schemas.openxmlformats.org/presentationml/2006/main">
   <p:cSld>
@@ -6186,115 +8852,139 @@
         </p:nvSpPr>
         <p:spPr/>
         <p:txBody>
+          <a:bodyPr>
+            <a:scene3d>
+              <a:camera prst="orthographicFront"/>
+              <a:lightRig rig="soft" dir="t">
+                <a:rot lat="0" lon="0" rev="15600000"/>
+              </a:lightRig>
+            </a:scene3d>
+            <a:sp3d extrusionH="57150" prstMaterial="softEdge">
+              <a:bevelT w="25400" h="38100"/>
+            </a:sp3d>
+          </a:bodyPr>
+          <a:lstStyle/>
+          <a:p>
+            <a:r>
+              <a:rPr lang="en-US" b="1" dirty="0" smtClean="0">
+                <a:ln/>
+                <a:solidFill>
+                  <a:schemeClr val="accent4"/>
+                </a:solidFill>
+              </a:rPr>
+              <a:t>INTRODUCTION</a:t>
+            </a:r>
+            <a:endParaRPr lang="en-US" b="1" dirty="0">
+              <a:ln/>
+              <a:solidFill>
+                <a:schemeClr val="accent4"/>
+              </a:solidFill>
+            </a:endParaRPr>
+          </a:p>
+        </p:txBody>
+      </p:sp>
+      <p:sp>
+        <p:nvSpPr>
+          <p:cNvPr id="3" name="Content Placeholder 2"/>
+          <p:cNvSpPr>
+            <a:spLocks noGrp="1"/>
+          </p:cNvSpPr>
+          <p:nvPr>
+            <p:ph idx="1"/>
+          </p:nvPr>
+        </p:nvSpPr>
+        <p:spPr/>
+        <p:txBody>
+          <a:bodyPr>
+            <a:normAutofit/>
+          </a:bodyPr>
+          <a:lstStyle/>
+          <a:p>
+            <a:pPr algn="just">
+              <a:spcBef>
+                <a:spcPts val="3000"/>
+              </a:spcBef>
+            </a:pPr>
+            <a:r>
+              <a:rPr lang="en-US" sz="3000" dirty="0" smtClean="0">
+                <a:solidFill>
+                  <a:srgbClr val="002060"/>
+                </a:solidFill>
+              </a:rPr>
+              <a:t>Hospital Finder is the system built for finding appropriate hospitals base on users’ conditions.</a:t>
+            </a:r>
+          </a:p>
+          <a:p>
+            <a:pPr algn="just">
+              <a:spcBef>
+                <a:spcPts val="3000"/>
+              </a:spcBef>
+            </a:pPr>
+            <a:r>
+              <a:rPr lang="en-US" sz="3000" dirty="0" smtClean="0">
+                <a:solidFill>
+                  <a:srgbClr val="002060"/>
+                </a:solidFill>
+              </a:rPr>
+              <a:t>The results will be displayed on map.</a:t>
+            </a:r>
+          </a:p>
+          <a:p>
+            <a:pPr algn="just">
+              <a:spcBef>
+                <a:spcPts val="3000"/>
+              </a:spcBef>
+            </a:pPr>
+            <a:r>
+              <a:rPr lang="en-US" sz="3000" dirty="0" smtClean="0">
+                <a:solidFill>
+                  <a:srgbClr val="002060"/>
+                </a:solidFill>
+              </a:rPr>
+              <a:t>Display hospital information, </a:t>
+            </a:r>
+            <a:r>
+              <a:rPr lang="en-US" sz="3000" dirty="0">
+                <a:solidFill>
+                  <a:srgbClr val="002060"/>
+                </a:solidFill>
+              </a:rPr>
+              <a:t>s</a:t>
+            </a:r>
+            <a:r>
+              <a:rPr lang="en-US" sz="3000" dirty="0" smtClean="0">
+                <a:solidFill>
+                  <a:srgbClr val="002060"/>
+                </a:solidFill>
+              </a:rPr>
+              <a:t>upport rating, commenting and sharing through social account.</a:t>
+            </a:r>
+            <a:endParaRPr lang="en-US" sz="3000" dirty="0">
+              <a:solidFill>
+                <a:srgbClr val="002060"/>
+              </a:solidFill>
+            </a:endParaRPr>
+          </a:p>
+        </p:txBody>
+      </p:sp>
+      <p:sp>
+        <p:nvSpPr>
+          <p:cNvPr id="4" name="Date Placeholder 3"/>
+          <p:cNvSpPr>
+            <a:spLocks noGrp="1"/>
+          </p:cNvSpPr>
+          <p:nvPr>
+            <p:ph type="dt" sz="half" idx="10"/>
+          </p:nvPr>
+        </p:nvSpPr>
+        <p:spPr/>
+        <p:txBody>
           <a:bodyPr/>
           <a:lstStyle/>
           <a:p>
-            <a:r>
-              <a:rPr lang="en-US" dirty="0" smtClean="0"/>
-              <a:t>CURRENT PROBLEM</a:t>
-            </a:r>
-            <a:endParaRPr lang="en-US" dirty="0"/>
-          </a:p>
-        </p:txBody>
-      </p:sp>
-      <p:sp>
-        <p:nvSpPr>
-          <p:cNvPr id="3" name="Content Placeholder 2"/>
-          <p:cNvSpPr>
-            <a:spLocks noGrp="1"/>
-          </p:cNvSpPr>
-          <p:nvPr>
-            <p:ph idx="1"/>
-          </p:nvPr>
-        </p:nvSpPr>
-        <p:spPr/>
-        <p:txBody>
-          <a:bodyPr>
-            <a:noAutofit/>
-          </a:bodyPr>
-          <a:lstStyle/>
-          <a:p>
-            <a:pPr lvl="0" algn="just">
-              <a:spcBef>
-                <a:spcPts val="1800"/>
-              </a:spcBef>
-            </a:pPr>
-            <a:r>
-              <a:rPr lang="en-US" sz="2500" dirty="0"/>
-              <a:t>A system for finding appropriate health services base on patients’ conditions is not yet published.</a:t>
-            </a:r>
-          </a:p>
-          <a:p>
-            <a:pPr algn="just">
-              <a:spcBef>
-                <a:spcPts val="1800"/>
-              </a:spcBef>
-            </a:pPr>
-            <a:r>
-              <a:rPr lang="en-US" sz="2500" dirty="0" smtClean="0"/>
-              <a:t>Vietnam doesn’t have an official published list of hospitals and clinics that offer health services in the country.</a:t>
-            </a:r>
-          </a:p>
-          <a:p>
-            <a:pPr lvl="0" algn="just">
-              <a:spcBef>
-                <a:spcPts val="1800"/>
-              </a:spcBef>
-            </a:pPr>
-            <a:r>
-              <a:rPr lang="en-US" sz="2500" dirty="0"/>
-              <a:t>A better list is supported by Google Map by using “</a:t>
-            </a:r>
-            <a:r>
-              <a:rPr lang="en-US" sz="2500" dirty="0">
-                <a:solidFill>
-                  <a:srgbClr val="FF0000"/>
-                </a:solidFill>
-              </a:rPr>
-              <a:t>Hospital</a:t>
-            </a:r>
-            <a:r>
-              <a:rPr lang="en-US" sz="2500" dirty="0"/>
-              <a:t>” or “</a:t>
-            </a:r>
-            <a:r>
-              <a:rPr lang="en-US" sz="2500" dirty="0">
-                <a:solidFill>
-                  <a:srgbClr val="FF0000"/>
-                </a:solidFill>
-              </a:rPr>
-              <a:t>Health</a:t>
-            </a:r>
-            <a:r>
-              <a:rPr lang="en-US" sz="2500" dirty="0"/>
-              <a:t>” keywords, but some locations and names are not relevant to health services because of attached advertising tag keywords</a:t>
-            </a:r>
-            <a:r>
-              <a:rPr lang="en-US" sz="2500" dirty="0" smtClean="0"/>
-              <a:t>.</a:t>
-            </a:r>
-            <a:endParaRPr lang="en-US" sz="2500" dirty="0"/>
-          </a:p>
-        </p:txBody>
-      </p:sp>
-      <p:sp>
-        <p:nvSpPr>
-          <p:cNvPr id="4" name="Date Placeholder 3"/>
-          <p:cNvSpPr>
-            <a:spLocks noGrp="1"/>
-          </p:cNvSpPr>
-          <p:nvPr>
-            <p:ph type="dt" sz="half" idx="10"/>
-          </p:nvPr>
-        </p:nvSpPr>
-        <p:spPr/>
-        <p:txBody>
-          <a:bodyPr/>
-          <a:lstStyle/>
-          <a:p>
-            <a:fld id="{338DD89B-4726-4C7C-931A-DE3FAD6E9CBA}" type="datetime1">
+            <a:fld id="{D3FCECA5-D096-4DD2-B480-246D8B69DB6C}" type="datetime1">
               <a:rPr lang="vi-VN" smtClean="0"/>
-              <a:t>19/08/2014</a:t>
+              <a:t>02/09/2014</a:t>
             </a:fld>
             <a:endParaRPr lang="en-US"/>
           </a:p>
@@ -6302,7 +8992,7 @@
       </p:sp>
       <p:sp>
         <p:nvSpPr>
-          <p:cNvPr id="5" name="Slide Number Placeholder 4"/>
+          <p:cNvPr id="6" name="Slide Number Placeholder 5"/>
           <p:cNvSpPr>
             <a:spLocks noGrp="1"/>
           </p:cNvSpPr>
@@ -6326,20 +9016,20 @@
     </p:spTree>
     <p:extLst>
       <p:ext uri="{BB962C8B-B14F-4D97-AF65-F5344CB8AC3E}">
-        <p14:creationId xmlns:p14="http://schemas.microsoft.com/office/powerpoint/2010/main" val="1437307235"/>
+        <p14:creationId xmlns:p14="http://schemas.microsoft.com/office/powerpoint/2010/main" val="30533544"/>
       </p:ext>
     </p:extLst>
   </p:cSld>
   <p:clrMapOvr>
     <a:masterClrMapping/>
   </p:clrMapOvr>
-  <mc:AlternateContent xmlns:mc="http://schemas.openxmlformats.org/markup-compatibility/2006">
-    <mc:Choice xmlns:p14="http://schemas.microsoft.com/office/powerpoint/2010/main" Requires="p14">
+  <mc:AlternateContent xmlns:mc="http://schemas.openxmlformats.org/markup-compatibility/2006" xmlns:p14="http://schemas.microsoft.com/office/powerpoint/2010/main">
+    <mc:Choice Requires="p14">
       <p:transition spd="med" p14:dur="700">
         <p:fade/>
       </p:transition>
     </mc:Choice>
-    <mc:Fallback>
+    <mc:Fallback xmlns="">
       <p:transition spd="med">
         <p:fade/>
       </p:transition>
@@ -6534,7 +9224,7 @@
           <a:p>
             <a:r>
               <a:rPr lang="en-US" dirty="0" smtClean="0"/>
-              <a:t>BOUNDARY</a:t>
+              <a:t>CURRENT PROBLEM</a:t>
             </a:r>
             <a:endParaRPr lang="en-US" dirty="0"/>
           </a:p>
@@ -6553,9 +9243,20 @@
         <p:spPr/>
         <p:txBody>
           <a:bodyPr>
-            <a:normAutofit/>
+            <a:noAutofit/>
           </a:bodyPr>
           <a:lstStyle/>
+          <a:p>
+            <a:pPr lvl="0" algn="just">
+              <a:spcBef>
+                <a:spcPts val="1800"/>
+              </a:spcBef>
+            </a:pPr>
+            <a:r>
+              <a:rPr lang="en-US" sz="2500" dirty="0"/>
+              <a:t>A system for finding appropriate health services base on patients’ conditions is not yet published.</a:t>
+            </a:r>
+          </a:p>
           <a:p>
             <a:pPr algn="just">
               <a:spcBef>
@@ -6564,33 +9265,7 @@
             </a:pPr>
             <a:r>
               <a:rPr lang="en-US" sz="2500" dirty="0" smtClean="0"/>
-              <a:t>Compatible on both personal computers and smart phones.</a:t>
-            </a:r>
-          </a:p>
-          <a:p>
-            <a:pPr algn="just">
-              <a:spcBef>
-                <a:spcPts val="1800"/>
-              </a:spcBef>
-            </a:pPr>
-            <a:r>
-              <a:rPr lang="en-US" sz="2500" dirty="0"/>
-              <a:t>Only support services for guest on mobile version</a:t>
-            </a:r>
-            <a:r>
-              <a:rPr lang="en-US" sz="2500" dirty="0" smtClean="0"/>
-              <a:t>.</a:t>
-            </a:r>
-          </a:p>
-          <a:p>
-            <a:pPr algn="just">
-              <a:spcBef>
-                <a:spcPts val="1800"/>
-              </a:spcBef>
-            </a:pPr>
-            <a:r>
-              <a:rPr lang="en-US" sz="2500" dirty="0" smtClean="0"/>
-              <a:t>English and foreign language are not supported.</a:t>
+              <a:t>Vietnam doesn’t have an official published list of hospitals and clinics that offer health services in the country.</a:t>
             </a:r>
           </a:p>
           <a:p>
@@ -6601,63 +9276,36 @@
             </a:pPr>
             <a:r>
               <a:rPr lang="en-US" sz="2500" dirty="0"/>
-              <a:t>Auto detect tag keywords and search hospital base on alias name are not support in this version</a:t>
+              <a:t>A better list is supported by Google Map by using “</a:t>
+            </a:r>
+            <a:r>
+              <a:rPr lang="en-US" sz="2500" dirty="0">
+                <a:solidFill>
+                  <a:srgbClr val="FF0000"/>
+                </a:solidFill>
+              </a:rPr>
+              <a:t>Hospital</a:t>
+            </a:r>
+            <a:r>
+              <a:rPr lang="en-US" sz="2500" dirty="0"/>
+              <a:t>” or “</a:t>
+            </a:r>
+            <a:r>
+              <a:rPr lang="en-US" sz="2500" dirty="0">
+                <a:solidFill>
+                  <a:srgbClr val="FF0000"/>
+                </a:solidFill>
+              </a:rPr>
+              <a:t>Health</a:t>
+            </a:r>
+            <a:r>
+              <a:rPr lang="en-US" sz="2500" dirty="0"/>
+              <a:t>” keywords, but some locations and names are not relevant to health services because of attached advertising tag keywords</a:t>
             </a:r>
             <a:r>
               <a:rPr lang="en-US" sz="2500" dirty="0" smtClean="0"/>
               <a:t>.</a:t>
             </a:r>
-          </a:p>
-          <a:p>
-            <a:pPr algn="just">
-              <a:spcBef>
-                <a:spcPts val="1800"/>
-              </a:spcBef>
-            </a:pPr>
-            <a:r>
-              <a:rPr lang="en-US" sz="2500" dirty="0" smtClean="0"/>
-              <a:t>The system is not </a:t>
-            </a:r>
-            <a:r>
-              <a:rPr lang="en-US" sz="2500" dirty="0"/>
-              <a:t>provide any </a:t>
-            </a:r>
-            <a:r>
-              <a:rPr lang="en-US" sz="2500" dirty="0" smtClean="0"/>
-              <a:t>services </a:t>
-            </a:r>
-            <a:r>
-              <a:rPr lang="en-US" sz="2500" dirty="0"/>
-              <a:t>or </a:t>
-            </a:r>
-            <a:r>
-              <a:rPr lang="en-US" sz="2500" dirty="0" smtClean="0"/>
-              <a:t>methods </a:t>
-            </a:r>
-            <a:r>
-              <a:rPr lang="en-US" sz="2500" dirty="0"/>
-              <a:t>to manage business of </a:t>
-            </a:r>
-            <a:r>
-              <a:rPr lang="en-US" sz="2500" dirty="0" smtClean="0"/>
-              <a:t>hospitals </a:t>
-            </a:r>
-            <a:r>
-              <a:rPr lang="en-US" sz="2500" dirty="0"/>
-              <a:t>or </a:t>
-            </a:r>
-            <a:r>
-              <a:rPr lang="en-US" sz="2500" dirty="0" smtClean="0"/>
-              <a:t>clinics </a:t>
-            </a:r>
-            <a:r>
-              <a:rPr lang="en-US" sz="2500" dirty="0"/>
-              <a:t>online</a:t>
-            </a:r>
-            <a:r>
-              <a:rPr lang="en-US" sz="2500" dirty="0" smtClean="0"/>
-              <a:t>.</a:t>
-            </a:r>
             <a:endParaRPr lang="en-US" sz="2500" dirty="0"/>
           </a:p>
         </p:txBody>
@@ -6679,7 +9327,7 @@
           <a:p>
             <a:fld id="{338DD89B-4726-4C7C-931A-DE3FAD6E9CBA}" type="datetime1">
               <a:rPr lang="vi-VN" smtClean="0"/>
-              <a:t>19/08/2014</a:t>
+              <a:t>02/09/2014</a:t>
             </a:fld>
             <a:endParaRPr lang="en-US"/>
           </a:p>
@@ -6711,20 +9359,346 @@
     </p:spTree>
     <p:extLst>
       <p:ext uri="{BB962C8B-B14F-4D97-AF65-F5344CB8AC3E}">
-        <p14:creationId xmlns:p14="http://schemas.microsoft.com/office/powerpoint/2010/main" val="1750561998"/>
+        <p14:creationId xmlns:p14="http://schemas.microsoft.com/office/powerpoint/2010/main" val="1437307235"/>
       </p:ext>
     </p:extLst>
   </p:cSld>
   <p:clrMapOvr>
     <a:masterClrMapping/>
   </p:clrMapOvr>
-  <mc:AlternateContent xmlns:mc="http://schemas.openxmlformats.org/markup-compatibility/2006">
-    <mc:Choice xmlns:p14="http://schemas.microsoft.com/office/powerpoint/2010/main" Requires="p14">
+  <mc:AlternateContent xmlns:mc="http://schemas.openxmlformats.org/markup-compatibility/2006" xmlns:p14="http://schemas.microsoft.com/office/powerpoint/2010/main">
+    <mc:Choice Requires="p14">
       <p:transition spd="med" p14:dur="700">
         <p:fade/>
       </p:transition>
     </mc:Choice>
-    <mc:Fallback>
+    <mc:Fallback xmlns="">
+      <p:transition spd="med">
+        <p:fade/>
+      </p:transition>
+    </mc:Fallback>
+  </mc:AlternateContent>
+  <p:timing>
+    <p:tnLst>
+      <p:par>
+        <p:cTn id="1" dur="indefinite" restart="never" nodeType="tmRoot">
+          <p:childTnLst>
+            <p:seq concurrent="1" nextAc="seek">
+              <p:cTn id="2" dur="indefinite" nodeType="mainSeq">
+                <p:childTnLst>
+                  <p:par>
+                    <p:cTn id="3" fill="hold">
+                      <p:stCondLst>
+                        <p:cond delay="indefinite"/>
+                      </p:stCondLst>
+                      <p:childTnLst>
+                        <p:par>
+                          <p:cTn id="4" fill="hold">
+                            <p:stCondLst>
+                              <p:cond delay="0"/>
+                            </p:stCondLst>
+                            <p:childTnLst>
+                              <p:par>
+                                <p:cTn id="5" presetID="10" presetClass="entr" presetSubtype="0" fill="hold" nodeType="clickEffect">
+                                  <p:stCondLst>
+                                    <p:cond delay="0"/>
+                                  </p:stCondLst>
+                                  <p:childTnLst>
+                                    <p:set>
+                                      <p:cBhvr>
+                                        <p:cTn id="6" dur="1" fill="hold">
+                                          <p:stCondLst>
+                                            <p:cond delay="0"/>
+                                          </p:stCondLst>
+                                        </p:cTn>
+                                        <p:tgtEl>
+                                          <p:spTgt spid="3">
+                                            <p:txEl>
+                                              <p:pRg st="1" end="1"/>
+                                            </p:txEl>
+                                          </p:spTgt>
+                                        </p:tgtEl>
+                                        <p:attrNameLst>
+                                          <p:attrName>style.visibility</p:attrName>
+                                        </p:attrNameLst>
+                                      </p:cBhvr>
+                                      <p:to>
+                                        <p:strVal val="visible"/>
+                                      </p:to>
+                                    </p:set>
+                                    <p:animEffect transition="in" filter="fade">
+                                      <p:cBhvr>
+                                        <p:cTn id="7" dur="500"/>
+                                        <p:tgtEl>
+                                          <p:spTgt spid="3">
+                                            <p:txEl>
+                                              <p:pRg st="1" end="1"/>
+                                            </p:txEl>
+                                          </p:spTgt>
+                                        </p:tgtEl>
+                                      </p:cBhvr>
+                                    </p:animEffect>
+                                  </p:childTnLst>
+                                </p:cTn>
+                              </p:par>
+                            </p:childTnLst>
+                          </p:cTn>
+                        </p:par>
+                      </p:childTnLst>
+                    </p:cTn>
+                  </p:par>
+                  <p:par>
+                    <p:cTn id="8" fill="hold">
+                      <p:stCondLst>
+                        <p:cond delay="indefinite"/>
+                      </p:stCondLst>
+                      <p:childTnLst>
+                        <p:par>
+                          <p:cTn id="9" fill="hold">
+                            <p:stCondLst>
+                              <p:cond delay="0"/>
+                            </p:stCondLst>
+                            <p:childTnLst>
+                              <p:par>
+                                <p:cTn id="10" presetID="10" presetClass="entr" presetSubtype="0" fill="hold" nodeType="clickEffect">
+                                  <p:stCondLst>
+                                    <p:cond delay="0"/>
+                                  </p:stCondLst>
+                                  <p:childTnLst>
+                                    <p:set>
+                                      <p:cBhvr>
+                                        <p:cTn id="11" dur="1" fill="hold">
+                                          <p:stCondLst>
+                                            <p:cond delay="0"/>
+                                          </p:stCondLst>
+                                        </p:cTn>
+                                        <p:tgtEl>
+                                          <p:spTgt spid="3">
+                                            <p:txEl>
+                                              <p:pRg st="2" end="2"/>
+                                            </p:txEl>
+                                          </p:spTgt>
+                                        </p:tgtEl>
+                                        <p:attrNameLst>
+                                          <p:attrName>style.visibility</p:attrName>
+                                        </p:attrNameLst>
+                                      </p:cBhvr>
+                                      <p:to>
+                                        <p:strVal val="visible"/>
+                                      </p:to>
+                                    </p:set>
+                                    <p:animEffect transition="in" filter="fade">
+                                      <p:cBhvr>
+                                        <p:cTn id="12" dur="500"/>
+                                        <p:tgtEl>
+                                          <p:spTgt spid="3">
+                                            <p:txEl>
+                                              <p:pRg st="2" end="2"/>
+                                            </p:txEl>
+                                          </p:spTgt>
+                                        </p:tgtEl>
+                                      </p:cBhvr>
+                                    </p:animEffect>
+                                  </p:childTnLst>
+                                </p:cTn>
+                              </p:par>
+                            </p:childTnLst>
+                          </p:cTn>
+                        </p:par>
+                      </p:childTnLst>
+                    </p:cTn>
+                  </p:par>
+                </p:childTnLst>
+              </p:cTn>
+              <p:prevCondLst>
+                <p:cond evt="onPrev" delay="0">
+                  <p:tgtEl>
+                    <p:sldTgt/>
+                  </p:tgtEl>
+                </p:cond>
+              </p:prevCondLst>
+              <p:nextCondLst>
+                <p:cond evt="onNext" delay="0">
+                  <p:tgtEl>
+                    <p:sldTgt/>
+                  </p:tgtEl>
+                </p:cond>
+              </p:nextCondLst>
+            </p:seq>
+          </p:childTnLst>
+        </p:cTn>
+      </p:par>
+    </p:tnLst>
+  </p:timing>
+</p:sld>
+</file>
+
+<file path=ppt/slides/slide5.xml><?xml version="1.0" encoding="utf-8"?>
+<p:sld xmlns:a="http://schemas.openxmlformats.org/drawingml/2006/main" xmlns:r="http://schemas.openxmlformats.org/officeDocument/2006/relationships" xmlns:p="http://schemas.openxmlformats.org/presentationml/2006/main">
+  <p:cSld>
+    <p:spTree>
+      <p:nvGrpSpPr>
+        <p:cNvPr id="1" name=""/>
+        <p:cNvGrpSpPr/>
+        <p:nvPr/>
+      </p:nvGrpSpPr>
+      <p:grpSpPr>
+        <a:xfrm>
+          <a:off x="0" y="0"/>
+          <a:ext cx="0" cy="0"/>
+          <a:chOff x="0" y="0"/>
+          <a:chExt cx="0" cy="0"/>
+        </a:xfrm>
+      </p:grpSpPr>
+      <p:sp>
+        <p:nvSpPr>
+          <p:cNvPr id="2" name="Title 1"/>
+          <p:cNvSpPr>
+            <a:spLocks noGrp="1"/>
+          </p:cNvSpPr>
+          <p:nvPr>
+            <p:ph type="title"/>
+          </p:nvPr>
+        </p:nvSpPr>
+        <p:spPr/>
+        <p:txBody>
+          <a:bodyPr/>
+          <a:lstStyle/>
+          <a:p>
+            <a:r>
+              <a:rPr lang="en-US" dirty="0" smtClean="0"/>
+              <a:t>HOSPITAL FINDER SYSTEM</a:t>
+            </a:r>
+            <a:endParaRPr lang="en-US" dirty="0"/>
+          </a:p>
+        </p:txBody>
+      </p:sp>
+      <p:sp>
+        <p:nvSpPr>
+          <p:cNvPr id="3" name="Content Placeholder 2"/>
+          <p:cNvSpPr>
+            <a:spLocks noGrp="1"/>
+          </p:cNvSpPr>
+          <p:nvPr>
+            <p:ph idx="1"/>
+          </p:nvPr>
+        </p:nvSpPr>
+        <p:spPr/>
+        <p:txBody>
+          <a:bodyPr>
+            <a:noAutofit/>
+          </a:bodyPr>
+          <a:lstStyle/>
+          <a:p>
+            <a:pPr lvl="0" algn="just">
+              <a:spcBef>
+                <a:spcPts val="1800"/>
+              </a:spcBef>
+            </a:pPr>
+            <a:r>
+              <a:rPr lang="en-US" sz="3000" dirty="0" smtClean="0"/>
+              <a:t>Build for general users.</a:t>
+            </a:r>
+          </a:p>
+          <a:p>
+            <a:pPr lvl="0" algn="just">
+              <a:spcBef>
+                <a:spcPts val="1800"/>
+              </a:spcBef>
+            </a:pPr>
+            <a:r>
+              <a:rPr lang="en-US" sz="3000" dirty="0" smtClean="0"/>
+              <a:t>Provide 3 different types of search based on user’s needs.</a:t>
+            </a:r>
+            <a:endParaRPr lang="en-US" sz="3000" dirty="0"/>
+          </a:p>
+          <a:p>
+            <a:pPr algn="just">
+              <a:spcBef>
+                <a:spcPts val="1800"/>
+              </a:spcBef>
+            </a:pPr>
+            <a:r>
+              <a:rPr lang="en-US" sz="3000" dirty="0" smtClean="0"/>
+              <a:t>Sort hospitals based on keywords, rating point and rating count numbers.</a:t>
+            </a:r>
+          </a:p>
+          <a:p>
+            <a:pPr lvl="0" algn="just">
+              <a:spcBef>
+                <a:spcPts val="1800"/>
+              </a:spcBef>
+            </a:pPr>
+            <a:r>
+              <a:rPr lang="en-US" sz="3000" dirty="0" smtClean="0"/>
+              <a:t>Provide a reliable list of hospitals in a specific area in Vietnam.</a:t>
+            </a:r>
+          </a:p>
+        </p:txBody>
+      </p:sp>
+      <p:sp>
+        <p:nvSpPr>
+          <p:cNvPr id="4" name="Date Placeholder 3"/>
+          <p:cNvSpPr>
+            <a:spLocks noGrp="1"/>
+          </p:cNvSpPr>
+          <p:nvPr>
+            <p:ph type="dt" sz="half" idx="10"/>
+          </p:nvPr>
+        </p:nvSpPr>
+        <p:spPr/>
+        <p:txBody>
+          <a:bodyPr/>
+          <a:lstStyle/>
+          <a:p>
+            <a:fld id="{338DD89B-4726-4C7C-931A-DE3FAD6E9CBA}" type="datetime1">
+              <a:rPr lang="vi-VN" smtClean="0"/>
+              <a:t>02/09/2014</a:t>
+            </a:fld>
+            <a:endParaRPr lang="en-US"/>
+          </a:p>
+        </p:txBody>
+      </p:sp>
+      <p:sp>
+        <p:nvSpPr>
+          <p:cNvPr id="5" name="Slide Number Placeholder 4"/>
+          <p:cNvSpPr>
+            <a:spLocks noGrp="1"/>
+          </p:cNvSpPr>
+          <p:nvPr>
+            <p:ph type="sldNum" sz="quarter" idx="12"/>
+          </p:nvPr>
+        </p:nvSpPr>
+        <p:spPr/>
+        <p:txBody>
+          <a:bodyPr/>
+          <a:lstStyle/>
+          <a:p>
+            <a:fld id="{D1FACFED-01C6-437A-A89F-44FEA39E5018}" type="slidenum">
+              <a:rPr lang="en-US" smtClean="0"/>
+              <a:t>5</a:t>
+            </a:fld>
+            <a:endParaRPr lang="en-US"/>
+          </a:p>
+        </p:txBody>
+      </p:sp>
+    </p:spTree>
+    <p:extLst>
+      <p:ext uri="{BB962C8B-B14F-4D97-AF65-F5344CB8AC3E}">
+        <p14:creationId xmlns:p14="http://schemas.microsoft.com/office/powerpoint/2010/main" val="3716783580"/>
+      </p:ext>
+    </p:extLst>
+  </p:cSld>
+  <p:clrMapOvr>
+    <a:masterClrMapping/>
+  </p:clrMapOvr>
+  <mc:AlternateContent xmlns:mc="http://schemas.openxmlformats.org/markup-compatibility/2006" xmlns:p14="http://schemas.microsoft.com/office/powerpoint/2010/main">
+    <mc:Choice Requires="p14">
+      <p:transition spd="med" p14:dur="700">
+        <p:fade/>
+      </p:transition>
+    </mc:Choice>
+    <mc:Fallback xmlns="">
       <p:transition spd="med">
         <p:fade/>
       </p:transition>
@@ -6860,67 +9834,6 @@
                       </p:childTnLst>
                     </p:cTn>
                   </p:par>
-                  <p:par>
-                    <p:cTn id="13" fill="hold">
-                      <p:stCondLst>
-                        <p:cond delay="indefinite"/>
-                      </p:stCondLst>
-                      <p:childTnLst>
-                        <p:par>
-                          <p:cTn id="14" fill="hold">
-                            <p:stCondLst>
-                              <p:cond delay="0"/>
-                            </p:stCondLst>
-                            <p:childTnLst>
-                              <p:par>
-                                <p:cTn id="15" presetID="10" presetClass="entr" presetSubtype="0" fill="hold" nodeType="clickEffect">
-                                  <p:stCondLst>
-                                    <p:cond delay="0"/>
-                                  </p:stCondLst>
-                                  <p:childTnLst>
-                                    <p:set>
-                                      <p:cBhvr>
-                                        <p:cTn id="16" dur="1" fill="hold">
-                                          <p:stCondLst>
-                                            <p:cond delay="0"/>
-                                          </p:stCondLst>
-                                        </p:cTn>
-                                        <p:tgtEl>
-                                          <p:spTgt spid="3">
-                                            <p:txEl>
-                                              <p:pRg st="4" end="4"/>
-                                            </p:txEl>
-                                          </p:spTgt>
-                                        </p:tgtEl>
-                                        <p:attrNameLst>
-                                          <p:attrName>style.visibility</p:attrName>
-                                        </p:attrNameLst>
-                                      </p:cBhvr>
-                                      <p:to>
-                                        <p:strVal val="visible"/>
-                                      </p:to>
-                                    </p:set>
-                                    <p:animEffect transition="in" filter="fade">
-                                      <p:cBhvr>
-                                        <p:cTn id="17" dur="500"/>
-                                        <p:tgtEl>
-                                          <p:spTgt spid="3">
-                                            <p:txEl>
-                                              <p:pRg st="4" end="4"/>
-                                            </p:txEl>
-                                          </p:spTgt>
-                                        </p:tgtEl>
-                                      </p:cBhvr>
-                                    </p:animEffect>
-                                  </p:childTnLst>
-                                </p:cTn>
-                              </p:par>
-                            </p:childTnLst>
-                          </p:cTn>
-                        </p:par>
-                      </p:childTnLst>
-                    </p:cTn>
-                  </p:par>
                 </p:childTnLst>
               </p:cTn>
               <p:prevCondLst>
@@ -6946,165 +9859,6 @@
 </p:sld>
 </file>
 
-<file path=ppt/slides/slide5.xml><?xml version="1.0" encoding="utf-8"?>
-<p:sld xmlns:a="http://schemas.openxmlformats.org/drawingml/2006/main" xmlns:r="http://schemas.openxmlformats.org/officeDocument/2006/relationships" xmlns:p="http://schemas.openxmlformats.org/presentationml/2006/main">
-  <p:cSld>
-    <p:spTree>
-      <p:nvGrpSpPr>
-        <p:cNvPr id="1" name=""/>
-        <p:cNvGrpSpPr/>
-        <p:nvPr/>
-      </p:nvGrpSpPr>
-      <p:grpSpPr>
-        <a:xfrm>
-          <a:off x="0" y="0"/>
-          <a:ext cx="0" cy="0"/>
-          <a:chOff x="0" y="0"/>
-          <a:chExt cx="0" cy="0"/>
-        </a:xfrm>
-      </p:grpSpPr>
-      <p:sp>
-        <p:nvSpPr>
-          <p:cNvPr id="2" name="Title 1"/>
-          <p:cNvSpPr>
-            <a:spLocks noGrp="1"/>
-          </p:cNvSpPr>
-          <p:nvPr>
-            <p:ph type="title"/>
-          </p:nvPr>
-        </p:nvSpPr>
-        <p:spPr/>
-        <p:txBody>
-          <a:bodyPr/>
-          <a:lstStyle/>
-          <a:p>
-            <a:r>
-              <a:rPr lang="en-US" dirty="0" smtClean="0"/>
-              <a:t>FUTURE IMPROVEMENT</a:t>
-            </a:r>
-            <a:endParaRPr lang="en-US" dirty="0"/>
-          </a:p>
-        </p:txBody>
-      </p:sp>
-      <p:sp>
-        <p:nvSpPr>
-          <p:cNvPr id="3" name="Content Placeholder 2"/>
-          <p:cNvSpPr>
-            <a:spLocks noGrp="1"/>
-          </p:cNvSpPr>
-          <p:nvPr>
-            <p:ph idx="1"/>
-          </p:nvPr>
-        </p:nvSpPr>
-        <p:spPr/>
-        <p:txBody>
-          <a:bodyPr>
-            <a:normAutofit/>
-          </a:bodyPr>
-          <a:lstStyle/>
-          <a:p>
-            <a:pPr algn="just">
-              <a:spcBef>
-                <a:spcPts val="2400"/>
-              </a:spcBef>
-            </a:pPr>
-            <a:r>
-              <a:rPr lang="en-US" sz="3000" dirty="0" smtClean="0"/>
-              <a:t>Support auto detecting Vietnamese tag keywords.</a:t>
-            </a:r>
-          </a:p>
-          <a:p>
-            <a:pPr algn="just">
-              <a:spcBef>
-                <a:spcPts val="2400"/>
-              </a:spcBef>
-            </a:pPr>
-            <a:r>
-              <a:rPr lang="en-US" sz="3000" dirty="0" smtClean="0"/>
-              <a:t>Support searching though alias name.</a:t>
-            </a:r>
-            <a:endParaRPr lang="en-US" sz="3000" dirty="0"/>
-          </a:p>
-        </p:txBody>
-      </p:sp>
-      <p:sp>
-        <p:nvSpPr>
-          <p:cNvPr id="4" name="Date Placeholder 3"/>
-          <p:cNvSpPr>
-            <a:spLocks noGrp="1"/>
-          </p:cNvSpPr>
-          <p:nvPr>
-            <p:ph type="dt" sz="half" idx="10"/>
-          </p:nvPr>
-        </p:nvSpPr>
-        <p:spPr/>
-        <p:txBody>
-          <a:bodyPr/>
-          <a:lstStyle/>
-          <a:p>
-            <a:fld id="{338DD89B-4726-4C7C-931A-DE3FAD6E9CBA}" type="datetime1">
-              <a:rPr lang="vi-VN" smtClean="0"/>
-              <a:t>19/08/2014</a:t>
-            </a:fld>
-            <a:endParaRPr lang="en-US"/>
-          </a:p>
-        </p:txBody>
-      </p:sp>
-      <p:sp>
-        <p:nvSpPr>
-          <p:cNvPr id="5" name="Slide Number Placeholder 4"/>
-          <p:cNvSpPr>
-            <a:spLocks noGrp="1"/>
-          </p:cNvSpPr>
-          <p:nvPr>
-            <p:ph type="sldNum" sz="quarter" idx="12"/>
-          </p:nvPr>
-        </p:nvSpPr>
-        <p:spPr/>
-        <p:txBody>
-          <a:bodyPr/>
-          <a:lstStyle/>
-          <a:p>
-            <a:fld id="{D1FACFED-01C6-437A-A89F-44FEA39E5018}" type="slidenum">
-              <a:rPr lang="en-US" smtClean="0"/>
-              <a:t>5</a:t>
-            </a:fld>
-            <a:endParaRPr lang="en-US"/>
-          </a:p>
-        </p:txBody>
-      </p:sp>
-    </p:spTree>
-    <p:extLst>
-      <p:ext uri="{BB962C8B-B14F-4D97-AF65-F5344CB8AC3E}">
-        <p14:creationId xmlns:p14="http://schemas.microsoft.com/office/powerpoint/2010/main" val="3759035391"/>
-      </p:ext>
-    </p:extLst>
-  </p:cSld>
-  <p:clrMapOvr>
-    <a:masterClrMapping/>
-  </p:clrMapOvr>
-  <mc:AlternateContent xmlns:mc="http://schemas.openxmlformats.org/markup-compatibility/2006">
-    <mc:Choice xmlns:p14="http://schemas.microsoft.com/office/powerpoint/2010/main" Requires="p14">
-      <p:transition spd="med" p14:dur="700">
-        <p:fade/>
-      </p:transition>
-    </mc:Choice>
-    <mc:Fallback>
-      <p:transition spd="med">
-        <p:fade/>
-      </p:transition>
-    </mc:Fallback>
-  </mc:AlternateContent>
-  <p:timing>
-    <p:tnLst>
-      <p:par>
-        <p:cTn id="1" dur="indefinite" restart="never" nodeType="tmRoot"/>
-      </p:par>
-    </p:tnLst>
-  </p:timing>
-</p:sld>
-</file>
-
 <file path=ppt/slides/slide6.xml><?xml version="1.0" encoding="utf-8"?>
 <p:sld xmlns:a="http://schemas.openxmlformats.org/drawingml/2006/main" xmlns:r="http://schemas.openxmlformats.org/officeDocument/2006/relationships" xmlns:p="http://schemas.openxmlformats.org/presentationml/2006/main">
   <p:cSld>
@@ -7285,7 +10039,7 @@
           <a:p>
             <a:fld id="{338DD89B-4726-4C7C-931A-DE3FAD6E9CBA}" type="datetime1">
               <a:rPr lang="vi-VN" smtClean="0"/>
-              <a:t>19/08/2014</a:t>
+              <a:t>02/09/2014</a:t>
             </a:fld>
             <a:endParaRPr lang="en-US"/>
           </a:p>
@@ -7324,13 +10078,13 @@
   <p:clrMapOvr>
     <a:masterClrMapping/>
   </p:clrMapOvr>
-  <mc:AlternateContent xmlns:mc="http://schemas.openxmlformats.org/markup-compatibility/2006">
-    <mc:Choice xmlns:p14="http://schemas.microsoft.com/office/powerpoint/2010/main" Requires="p14">
+  <mc:AlternateContent xmlns:mc="http://schemas.openxmlformats.org/markup-compatibility/2006" xmlns:p14="http://schemas.microsoft.com/office/powerpoint/2010/main">
+    <mc:Choice Requires="p14">
       <p:transition spd="med" p14:dur="700">
         <p:fade/>
       </p:transition>
     </mc:Choice>
-    <mc:Fallback>
+    <mc:Fallback xmlns="">
       <p:transition spd="med">
         <p:fade/>
       </p:transition>
@@ -7696,7 +10450,7 @@
           <a:p>
             <a:fld id="{338DD89B-4726-4C7C-931A-DE3FAD6E9CBA}" type="datetime1">
               <a:rPr lang="vi-VN" smtClean="0"/>
-              <a:t>19/08/2014</a:t>
+              <a:t>02/09/2014</a:t>
             </a:fld>
             <a:endParaRPr lang="en-US"/>
           </a:p>
@@ -7735,13 +10489,13 @@
   <p:clrMapOvr>
     <a:masterClrMapping/>
   </p:clrMapOvr>
-  <mc:AlternateContent xmlns:mc="http://schemas.openxmlformats.org/markup-compatibility/2006">
-    <mc:Choice xmlns:p14="http://schemas.microsoft.com/office/powerpoint/2010/main" Requires="p14">
+  <mc:AlternateContent xmlns:mc="http://schemas.openxmlformats.org/markup-compatibility/2006" xmlns:p14="http://schemas.microsoft.com/office/powerpoint/2010/main">
+    <mc:Choice Requires="p14">
       <p:transition spd="med" p14:dur="700">
         <p:fade/>
       </p:transition>
     </mc:Choice>
-    <mc:Fallback>
+    <mc:Fallback xmlns="">
       <p:transition spd="med">
         <p:fade/>
       </p:transition>
@@ -7783,7 +10537,7 @@
                                         <p:tgtEl>
                                           <p:spTgt spid="3">
                                             <p:txEl>
-                                              <p:charRg st="82" end="96"/>
+                                              <p:pRg st="3" end="3"/>
                                             </p:txEl>
                                           </p:spTgt>
                                         </p:tgtEl>
@@ -7801,7 +10555,7 @@
                                         <p:tgtEl>
                                           <p:spTgt spid="3">
                                             <p:txEl>
-                                              <p:charRg st="82" end="96"/>
+                                              <p:pRg st="3" end="3"/>
                                             </p:txEl>
                                           </p:spTgt>
                                         </p:tgtEl>
@@ -7826,7 +10580,7 @@
                                         <p:tgtEl>
                                           <p:spTgt spid="3">
                                             <p:txEl>
-                                              <p:charRg st="96" end="124"/>
+                                              <p:pRg st="4" end="4"/>
                                             </p:txEl>
                                           </p:spTgt>
                                         </p:tgtEl>
@@ -7844,7 +10598,7 @@
                                         <p:tgtEl>
                                           <p:spTgt spid="3">
                                             <p:txEl>
-                                              <p:charRg st="96" end="124"/>
+                                              <p:pRg st="4" end="4"/>
                                             </p:txEl>
                                           </p:spTgt>
                                         </p:tgtEl>
@@ -7869,7 +10623,7 @@
                                         <p:tgtEl>
                                           <p:spTgt spid="3">
                                             <p:txEl>
-                                              <p:charRg st="124" end="138"/>
+                                              <p:pRg st="5" end="5"/>
                                             </p:txEl>
                                           </p:spTgt>
                                         </p:tgtEl>
@@ -7887,7 +10641,7 @@
                                         <p:tgtEl>
                                           <p:spTgt spid="3">
                                             <p:txEl>
-                                              <p:charRg st="124" end="138"/>
+                                              <p:pRg st="5" end="5"/>
                                             </p:txEl>
                                           </p:spTgt>
                                         </p:tgtEl>
@@ -7912,7 +10666,7 @@
                                         <p:tgtEl>
                                           <p:spTgt spid="3">
                                             <p:txEl>
-                                              <p:charRg st="138" end="175"/>
+                                              <p:pRg st="6" end="6"/>
                                             </p:txEl>
                                           </p:spTgt>
                                         </p:tgtEl>
@@ -7930,7 +10684,7 @@
                                         <p:tgtEl>
                                           <p:spTgt spid="3">
                                             <p:txEl>
-                                              <p:charRg st="138" end="175"/>
+                                              <p:pRg st="6" end="6"/>
                                             </p:txEl>
                                           </p:spTgt>
                                         </p:tgtEl>
@@ -8056,7 +10810,7 @@
           <a:p>
             <a:fld id="{338DD89B-4726-4C7C-931A-DE3FAD6E9CBA}" type="datetime1">
               <a:rPr lang="vi-VN" smtClean="0"/>
-              <a:t>19/08/2014</a:t>
+              <a:t>02/09/2014</a:t>
             </a:fld>
             <a:endParaRPr lang="en-US"/>
           </a:p>
@@ -8215,13 +10969,13 @@
   <p:clrMapOvr>
     <a:masterClrMapping/>
   </p:clrMapOvr>
-  <mc:AlternateContent xmlns:mc="http://schemas.openxmlformats.org/markup-compatibility/2006">
-    <mc:Choice xmlns:p14="http://schemas.microsoft.com/office/powerpoint/2010/main" Requires="p14">
+  <mc:AlternateContent xmlns:mc="http://schemas.openxmlformats.org/markup-compatibility/2006" xmlns:p14="http://schemas.microsoft.com/office/powerpoint/2010/main">
+    <mc:Choice Requires="p14">
       <p:transition spd="med" p14:dur="700">
         <p:fade/>
       </p:transition>
     </mc:Choice>
-    <mc:Fallback>
+    <mc:Fallback xmlns="">
       <p:transition spd="med">
         <p:fade/>
       </p:transition>
@@ -8483,12 +11237,16 @@
               <a:buChar char="_"/>
             </a:pPr>
             <a:r>
-              <a:rPr lang="en-US" sz="2000" b="1" dirty="0"/>
+              <a:rPr lang="en-US" sz="2000" b="1" dirty="0" smtClean="0"/>
               <a:t>{Where}</a:t>
             </a:r>
             <a:r>
+              <a:rPr lang="en-US" sz="2000" dirty="0" smtClean="0"/>
+              <a:t>: </a:t>
+            </a:r>
+            <a:r>
               <a:rPr lang="en-US" sz="2000" dirty="0"/>
-              <a:t>: Contains information of specific address or </a:t>
+              <a:t>Contains information of specific address or </a:t>
             </a:r>
             <a:r>
               <a:rPr lang="en-US" sz="2000" dirty="0" smtClean="0"/>
@@ -8498,7 +11256,6 @@
               <a:rPr lang="en-US" sz="2000" dirty="0"/>
               <a:t>.</a:t>
             </a:r>
-            <a:endParaRPr lang="en-US" sz="2000" dirty="0"/>
           </a:p>
         </p:txBody>
       </p:sp>
@@ -8519,7 +11276,7 @@
           <a:p>
             <a:fld id="{338DD89B-4726-4C7C-931A-DE3FAD6E9CBA}" type="datetime1">
               <a:rPr lang="vi-VN" smtClean="0"/>
-              <a:t>19/08/2014</a:t>
+              <a:t>02/09/2014</a:t>
             </a:fld>
             <a:endParaRPr lang="en-US"/>
           </a:p>
@@ -8558,13 +11315,13 @@
   <p:clrMapOvr>
     <a:masterClrMapping/>
   </p:clrMapOvr>
-  <mc:AlternateContent xmlns:mc="http://schemas.openxmlformats.org/markup-compatibility/2006">
-    <mc:Choice xmlns:p14="http://schemas.microsoft.com/office/powerpoint/2010/main" Requires="p14">
+  <mc:AlternateContent xmlns:mc="http://schemas.openxmlformats.org/markup-compatibility/2006" xmlns:p14="http://schemas.microsoft.com/office/powerpoint/2010/main">
+    <mc:Choice Requires="p14">
       <p:transition spd="med" p14:dur="700">
         <p:fade/>
       </p:transition>
     </mc:Choice>
-    <mc:Fallback>
+    <mc:Fallback xmlns="">
       <p:transition spd="med">
         <p:fade/>
       </p:transition>

--- a/trunk/Hospital Finder.pptx
+++ b/trunk/Hospital Finder.pptx
@@ -5,10 +5,10 @@
     <p:sldMasterId id="2147484275" r:id="rId1"/>
   </p:sldMasterIdLst>
   <p:notesMasterIdLst>
-    <p:notesMasterId r:id="rId19"/>
+    <p:notesMasterId r:id="rId20"/>
   </p:notesMasterIdLst>
   <p:handoutMasterIdLst>
-    <p:handoutMasterId r:id="rId20"/>
+    <p:handoutMasterId r:id="rId21"/>
   </p:handoutMasterIdLst>
   <p:sldIdLst>
     <p:sldId id="256" r:id="rId2"/>
@@ -24,10 +24,11 @@
     <p:sldId id="269" r:id="rId12"/>
     <p:sldId id="270" r:id="rId13"/>
     <p:sldId id="272" r:id="rId14"/>
-    <p:sldId id="264" r:id="rId15"/>
-    <p:sldId id="259" r:id="rId16"/>
-    <p:sldId id="260" r:id="rId17"/>
-    <p:sldId id="265" r:id="rId18"/>
+    <p:sldId id="274" r:id="rId15"/>
+    <p:sldId id="264" r:id="rId16"/>
+    <p:sldId id="259" r:id="rId17"/>
+    <p:sldId id="260" r:id="rId18"/>
+    <p:sldId id="265" r:id="rId19"/>
   </p:sldIdLst>
   <p:sldSz cx="9144000" cy="6858000" type="screen4x3"/>
   <p:notesSz cx="6858000" cy="9144000"/>
@@ -6911,6 +6912,149 @@
 </file>
 
 <file path=ppt/slides/slide14.xml><?xml version="1.0" encoding="utf-8"?>
+<p:sld xmlns:a="http://schemas.openxmlformats.org/drawingml/2006/main" xmlns:r="http://schemas.openxmlformats.org/officeDocument/2006/relationships" xmlns:p="http://schemas.openxmlformats.org/presentationml/2006/main">
+  <p:cSld>
+    <p:spTree>
+      <p:nvGrpSpPr>
+        <p:cNvPr id="1" name=""/>
+        <p:cNvGrpSpPr/>
+        <p:nvPr/>
+      </p:nvGrpSpPr>
+      <p:grpSpPr>
+        <a:xfrm>
+          <a:off x="0" y="0"/>
+          <a:ext cx="0" cy="0"/>
+          <a:chOff x="0" y="0"/>
+          <a:chExt cx="0" cy="0"/>
+        </a:xfrm>
+      </p:grpSpPr>
+      <p:sp>
+        <p:nvSpPr>
+          <p:cNvPr id="2" name="Title 1"/>
+          <p:cNvSpPr>
+            <a:spLocks noGrp="1"/>
+          </p:cNvSpPr>
+          <p:nvPr>
+            <p:ph type="title"/>
+          </p:nvPr>
+        </p:nvSpPr>
+        <p:spPr/>
+        <p:txBody>
+          <a:bodyPr/>
+          <a:lstStyle/>
+          <a:p>
+            <a:endParaRPr lang="en-US"/>
+          </a:p>
+        </p:txBody>
+      </p:sp>
+      <p:pic>
+        <p:nvPicPr>
+          <p:cNvPr id="6" name="Content Placeholder 5"/>
+          <p:cNvPicPr>
+            <a:picLocks noGrp="1" noChangeAspect="1"/>
+          </p:cNvPicPr>
+          <p:nvPr>
+            <p:ph idx="1"/>
+          </p:nvPr>
+        </p:nvPicPr>
+        <p:blipFill>
+          <a:blip r:embed="rId2" cstate="print">
+            <a:extLst>
+              <a:ext uri="{28A0092B-C50C-407E-A947-70E740481C1C}">
+                <a14:useLocalDpi xmlns:a14="http://schemas.microsoft.com/office/drawing/2010/main" val="0"/>
+              </a:ext>
+            </a:extLst>
+          </a:blip>
+          <a:stretch>
+            <a:fillRect/>
+          </a:stretch>
+        </p:blipFill>
+        <p:spPr>
+          <a:xfrm>
+            <a:off x="219432" y="1804032"/>
+            <a:ext cx="8727760" cy="2821756"/>
+          </a:xfrm>
+        </p:spPr>
+      </p:pic>
+      <p:sp>
+        <p:nvSpPr>
+          <p:cNvPr id="4" name="Date Placeholder 3"/>
+          <p:cNvSpPr>
+            <a:spLocks noGrp="1"/>
+          </p:cNvSpPr>
+          <p:nvPr>
+            <p:ph type="dt" sz="half" idx="10"/>
+          </p:nvPr>
+        </p:nvSpPr>
+        <p:spPr/>
+        <p:txBody>
+          <a:bodyPr/>
+          <a:lstStyle/>
+          <a:p>
+            <a:fld id="{338DD89B-4726-4C7C-931A-DE3FAD6E9CBA}" type="datetime1">
+              <a:rPr lang="vi-VN" smtClean="0"/>
+              <a:t>02/09/2014</a:t>
+            </a:fld>
+            <a:endParaRPr lang="en-US"/>
+          </a:p>
+        </p:txBody>
+      </p:sp>
+      <p:sp>
+        <p:nvSpPr>
+          <p:cNvPr id="5" name="Slide Number Placeholder 4"/>
+          <p:cNvSpPr>
+            <a:spLocks noGrp="1"/>
+          </p:cNvSpPr>
+          <p:nvPr>
+            <p:ph type="sldNum" sz="quarter" idx="12"/>
+          </p:nvPr>
+        </p:nvSpPr>
+        <p:spPr/>
+        <p:txBody>
+          <a:bodyPr/>
+          <a:lstStyle/>
+          <a:p>
+            <a:fld id="{D1FACFED-01C6-437A-A89F-44FEA39E5018}" type="slidenum">
+              <a:rPr lang="en-US" smtClean="0"/>
+              <a:t>14</a:t>
+            </a:fld>
+            <a:endParaRPr lang="en-US"/>
+          </a:p>
+        </p:txBody>
+      </p:sp>
+    </p:spTree>
+    <p:extLst>
+      <p:ext uri="{BB962C8B-B14F-4D97-AF65-F5344CB8AC3E}">
+        <p14:creationId xmlns:p14="http://schemas.microsoft.com/office/powerpoint/2010/main" val="220825247"/>
+      </p:ext>
+    </p:extLst>
+  </p:cSld>
+  <p:clrMapOvr>
+    <a:masterClrMapping/>
+  </p:clrMapOvr>
+  <mc:AlternateContent xmlns:mc="http://schemas.openxmlformats.org/markup-compatibility/2006">
+    <mc:Choice xmlns:p14="http://schemas.microsoft.com/office/powerpoint/2010/main" Requires="p14">
+      <p:transition spd="med" p14:dur="700">
+        <p:fade/>
+      </p:transition>
+    </mc:Choice>
+    <mc:Fallback>
+      <p:transition spd="med">
+        <p:fade/>
+      </p:transition>
+    </mc:Fallback>
+  </mc:AlternateContent>
+  <p:timing>
+    <p:tnLst>
+      <p:par>
+        <p:cTn id="1" dur="indefinite" restart="never" nodeType="tmRoot"/>
+      </p:par>
+    </p:tnLst>
+  </p:timing>
+</p:sld>
+</file>
+
+<file path=ppt/slides/slide15.xml><?xml version="1.0" encoding="utf-8"?>
 <p:sld xmlns:a="http://schemas.openxmlformats.org/drawingml/2006/main" xmlns:r="http://schemas.openxmlformats.org/officeDocument/2006/relationships" xmlns:p="http://schemas.openxmlformats.org/presentationml/2006/main">
   <p:cSld>
     <p:spTree>
@@ -7719,7 +7863,7 @@
           <a:p>
             <a:fld id="{D1FACFED-01C6-437A-A89F-44FEA39E5018}" type="slidenum">
               <a:rPr lang="en-US" smtClean="0"/>
-              <a:t>14</a:t>
+              <a:t>15</a:t>
             </a:fld>
             <a:endParaRPr lang="en-US"/>
           </a:p>
@@ -7757,7 +7901,7 @@
 </p:sld>
 </file>
 
-<file path=ppt/slides/slide15.xml><?xml version="1.0" encoding="utf-8"?>
+<file path=ppt/slides/slide16.xml><?xml version="1.0" encoding="utf-8"?>
 <p:sld xmlns:a="http://schemas.openxmlformats.org/drawingml/2006/main" xmlns:r="http://schemas.openxmlformats.org/officeDocument/2006/relationships" xmlns:p="http://schemas.openxmlformats.org/presentationml/2006/main">
   <p:cSld>
     <p:spTree>
@@ -7952,7 +8096,7 @@
           <a:p>
             <a:fld id="{D1FACFED-01C6-437A-A89F-44FEA39E5018}" type="slidenum">
               <a:rPr lang="en-US" smtClean="0"/>
-              <a:t>15</a:t>
+              <a:t>16</a:t>
             </a:fld>
             <a:endParaRPr lang="en-US"/>
           </a:p>
@@ -8196,7 +8340,7 @@
 </p:sld>
 </file>
 
-<file path=ppt/slides/slide16.xml><?xml version="1.0" encoding="utf-8"?>
+<file path=ppt/slides/slide17.xml><?xml version="1.0" encoding="utf-8"?>
 <p:sld xmlns:a="http://schemas.openxmlformats.org/drawingml/2006/main" xmlns:r="http://schemas.openxmlformats.org/officeDocument/2006/relationships" xmlns:p="http://schemas.openxmlformats.org/presentationml/2006/main">
   <p:cSld>
     <p:spTree>
@@ -8317,7 +8461,7 @@
           <a:p>
             <a:fld id="{D1FACFED-01C6-437A-A89F-44FEA39E5018}" type="slidenum">
               <a:rPr lang="en-US" smtClean="0"/>
-              <a:t>16</a:t>
+              <a:t>17</a:t>
             </a:fld>
             <a:endParaRPr lang="en-US"/>
           </a:p>
@@ -8355,7 +8499,7 @@
 </p:sld>
 </file>
 
-<file path=ppt/slides/slide17.xml><?xml version="1.0" encoding="utf-8"?>
+<file path=ppt/slides/slide18.xml><?xml version="1.0" encoding="utf-8"?>
 <p:sld xmlns:a="http://schemas.openxmlformats.org/drawingml/2006/main" xmlns:r="http://schemas.openxmlformats.org/officeDocument/2006/relationships" xmlns:p="http://schemas.openxmlformats.org/presentationml/2006/main">
   <p:cSld>
     <p:spTree>
@@ -8563,7 +8707,7 @@
           <a:p>
             <a:fld id="{D1FACFED-01C6-437A-A89F-44FEA39E5018}" type="slidenum">
               <a:rPr lang="en-US" smtClean="0"/>
-              <a:t>17</a:t>
+              <a:t>18</a:t>
             </a:fld>
             <a:endParaRPr lang="en-US"/>
           </a:p>

--- a/trunk/Hospital Finder.pptx
+++ b/trunk/Hospital Finder.pptx
@@ -217,7 +217,7 @@
           <a:p>
             <a:fld id="{D5014DB3-46DE-440C-A33D-036A864707E6}" type="datetime1">
               <a:rPr lang="en-US" smtClean="0"/>
-              <a:t>9/2/2014</a:t>
+              <a:t>9/3/2014</a:t>
             </a:fld>
             <a:endParaRPr lang="en-US"/>
           </a:p>
@@ -387,7 +387,7 @@
           <a:p>
             <a:fld id="{16CEF51C-6E80-463B-BF78-61DD689437CC}" type="datetime1">
               <a:rPr lang="en-US" smtClean="0"/>
-              <a:t>9/2/2014</a:t>
+              <a:t>9/3/2014</a:t>
             </a:fld>
             <a:endParaRPr lang="en-US"/>
           </a:p>
@@ -748,7 +748,7 @@
           <a:p>
             <a:fld id="{AE524106-A5DD-4290-8884-9D345B15A011}" type="datetime1">
               <a:rPr lang="en-US" smtClean="0"/>
-              <a:t>9/2/2014</a:t>
+              <a:t>9/3/2014</a:t>
             </a:fld>
             <a:endParaRPr lang="en-US"/>
           </a:p>
@@ -855,7 +855,7 @@
           <a:p>
             <a:fld id="{308726DA-7AC9-4E2A-9800-4EA165235E18}" type="datetime1">
               <a:rPr lang="en-US" smtClean="0"/>
-              <a:t>9/2/2014</a:t>
+              <a:t>9/3/2014</a:t>
             </a:fld>
             <a:endParaRPr lang="en-US"/>
           </a:p>
@@ -1069,7 +1069,7 @@
           <a:p>
             <a:fld id="{1BD78014-F13C-4EBE-B3A4-58074FB712AE}" type="datetime1">
               <a:rPr lang="vi-VN" smtClean="0"/>
-              <a:t>02/09/2014</a:t>
+              <a:t>03/09/2014</a:t>
             </a:fld>
             <a:endParaRPr lang="en-US"/>
           </a:p>
@@ -1376,7 +1376,7 @@
           <a:p>
             <a:fld id="{F2EED8C7-0D59-4BB2-A576-B53AA676AD69}" type="datetime1">
               <a:rPr lang="vi-VN" smtClean="0"/>
-              <a:t>02/09/2014</a:t>
+              <a:t>03/09/2014</a:t>
             </a:fld>
             <a:endParaRPr lang="en-US"/>
           </a:p>
@@ -1579,7 +1579,7 @@
           <a:p>
             <a:fld id="{99AAB93C-5823-43CC-B3EA-2419FC19E7BD}" type="datetime1">
               <a:rPr lang="vi-VN" smtClean="0"/>
-              <a:t>02/09/2014</a:t>
+              <a:t>03/09/2014</a:t>
             </a:fld>
             <a:endParaRPr lang="en-US"/>
           </a:p>
@@ -1779,7 +1779,7 @@
           <a:p>
             <a:fld id="{338DD89B-4726-4C7C-931A-DE3FAD6E9CBA}" type="datetime1">
               <a:rPr lang="vi-VN" smtClean="0"/>
-              <a:t>02/09/2014</a:t>
+              <a:t>03/09/2014</a:t>
             </a:fld>
             <a:endParaRPr lang="en-US"/>
           </a:p>
@@ -2053,7 +2053,7 @@
           <a:p>
             <a:fld id="{043A32F7-33B2-431E-B844-561774BA2CD9}" type="datetime1">
               <a:rPr lang="vi-VN" smtClean="0"/>
-              <a:t>02/09/2014</a:t>
+              <a:t>03/09/2014</a:t>
             </a:fld>
             <a:endParaRPr lang="en-US"/>
           </a:p>
@@ -2399,7 +2399,7 @@
           <a:p>
             <a:fld id="{42D580C6-24F6-4547-B148-6B8DE6E3C851}" type="datetime1">
               <a:rPr lang="vi-VN" smtClean="0"/>
-              <a:t>02/09/2014</a:t>
+              <a:t>03/09/2014</a:t>
             </a:fld>
             <a:endParaRPr lang="en-US"/>
           </a:p>
@@ -2846,7 +2846,7 @@
           <a:p>
             <a:fld id="{EED119AD-CB76-4E05-BBCE-B3E9FE18C2BB}" type="datetime1">
               <a:rPr lang="vi-VN" smtClean="0"/>
-              <a:t>02/09/2014</a:t>
+              <a:t>03/09/2014</a:t>
             </a:fld>
             <a:endParaRPr lang="en-US"/>
           </a:p>
@@ -2987,7 +2987,7 @@
           <a:p>
             <a:fld id="{49154D76-D45A-4452-8A33-801FF6F7E566}" type="datetime1">
               <a:rPr lang="vi-VN" smtClean="0"/>
-              <a:t>02/09/2014</a:t>
+              <a:t>03/09/2014</a:t>
             </a:fld>
             <a:endParaRPr lang="en-US"/>
           </a:p>
@@ -3105,7 +3105,7 @@
           <a:p>
             <a:fld id="{13136379-DEE3-4E7C-BE40-9ED47DDA5F28}" type="datetime1">
               <a:rPr lang="vi-VN" smtClean="0"/>
-              <a:t>02/09/2014</a:t>
+              <a:t>03/09/2014</a:t>
             </a:fld>
             <a:endParaRPr lang="en-US"/>
           </a:p>
@@ -3418,7 +3418,7 @@
           <a:p>
             <a:fld id="{EA7133D8-7D0B-427B-A933-83508E7579AB}" type="datetime1">
               <a:rPr lang="vi-VN" smtClean="0"/>
-              <a:t>02/09/2014</a:t>
+              <a:t>03/09/2014</a:t>
             </a:fld>
             <a:endParaRPr lang="en-US"/>
           </a:p>
@@ -3713,7 +3713,7 @@
           <a:p>
             <a:fld id="{F0138FBD-BCAA-474A-823F-FDEBA0C06EC3}" type="datetime1">
               <a:rPr lang="vi-VN" smtClean="0"/>
-              <a:t>02/09/2014</a:t>
+              <a:t>03/09/2014</a:t>
             </a:fld>
             <a:endParaRPr lang="en-US"/>
           </a:p>
@@ -3996,7 +3996,7 @@
           <a:p>
             <a:fld id="{2DA94F25-B0FA-4166-BF5E-1AB6584D67DA}" type="datetime1">
               <a:rPr lang="vi-VN" smtClean="0"/>
-              <a:t>02/09/2014</a:t>
+              <a:t>03/09/2014</a:t>
             </a:fld>
             <a:endParaRPr lang="en-US"/>
           </a:p>
@@ -4730,7 +4730,7 @@
           <a:p>
             <a:fld id="{DA1B3CA3-053C-482B-B84B-03188971FFBA}" type="datetime1">
               <a:rPr lang="vi-VN" smtClean="0"/>
-              <a:t>02/09/2014</a:t>
+              <a:t>03/09/2014</a:t>
             </a:fld>
             <a:endParaRPr lang="en-US"/>
           </a:p>
@@ -4930,7 +4930,7 @@
             </a:r>
             <a:r>
               <a:rPr lang="en-US" sz="2500" b="1" dirty="0" err="1" smtClean="0"/>
-              <a:t>mắt</a:t>
+              <a:t>tim</a:t>
             </a:r>
             <a:r>
               <a:rPr lang="en-US" sz="2500" b="1" dirty="0" smtClean="0"/>
@@ -5146,12 +5146,13 @@
                   <a:srgbClr val="FF0000"/>
                 </a:solidFill>
               </a:rPr>
-              <a:t>mắt</a:t>
+              <a:t>tim</a:t>
             </a:r>
             <a:r>
               <a:rPr lang="en-US" sz="2500" dirty="0" smtClean="0"/>
               <a:t>”</a:t>
             </a:r>
+            <a:endParaRPr lang="en-US" sz="2500" dirty="0" smtClean="0"/>
           </a:p>
         </p:txBody>
       </p:sp>
@@ -5172,7 +5173,7 @@
           <a:p>
             <a:fld id="{338DD89B-4726-4C7C-931A-DE3FAD6E9CBA}" type="datetime1">
               <a:rPr lang="vi-VN" smtClean="0"/>
-              <a:t>02/09/2014</a:t>
+              <a:t>03/09/2014</a:t>
             </a:fld>
             <a:endParaRPr lang="en-US"/>
           </a:p>
@@ -5592,7 +5593,7 @@
             </a:r>
             <a:r>
               <a:rPr lang="en-US" sz="2500" b="1" dirty="0" err="1" smtClean="0"/>
-              <a:t>mắt</a:t>
+              <a:t>tim</a:t>
             </a:r>
             <a:r>
               <a:rPr lang="en-US" sz="2500" b="1" dirty="0" smtClean="0"/>
@@ -5604,7 +5605,11 @@
             </a:r>
             <a:r>
               <a:rPr lang="en-US" sz="2500" b="1" dirty="0" smtClean="0"/>
-              <a:t> 1</a:t>
+              <a:t> </a:t>
+            </a:r>
+            <a:r>
+              <a:rPr lang="en-US" sz="2500" b="1" dirty="0" smtClean="0"/>
+              <a:t>1</a:t>
             </a:r>
             <a:r>
               <a:rPr lang="en-US" sz="2500" dirty="0" smtClean="0"/>
@@ -5800,12 +5805,13 @@
                   <a:srgbClr val="FF0000"/>
                 </a:solidFill>
               </a:rPr>
-              <a:t>mắt</a:t>
+              <a:t>tim</a:t>
             </a:r>
             <a:r>
               <a:rPr lang="en-US" sz="2500" dirty="0" smtClean="0"/>
               <a:t>”</a:t>
             </a:r>
+            <a:endParaRPr lang="en-US" sz="2500" dirty="0" smtClean="0"/>
           </a:p>
         </p:txBody>
       </p:sp>
@@ -5826,7 +5832,7 @@
           <a:p>
             <a:fld id="{338DD89B-4726-4C7C-931A-DE3FAD6E9CBA}" type="datetime1">
               <a:rPr lang="vi-VN" smtClean="0"/>
-              <a:t>02/09/2014</a:t>
+              <a:t>03/09/2014</a:t>
             </a:fld>
             <a:endParaRPr lang="en-US"/>
           </a:p>
@@ -6246,12 +6252,13 @@
             </a:r>
             <a:r>
               <a:rPr lang="en-US" sz="2500" b="1" dirty="0" err="1" smtClean="0"/>
-              <a:t>mắt</a:t>
+              <a:t>tim</a:t>
             </a:r>
             <a:r>
               <a:rPr lang="en-US" sz="2500" dirty="0" smtClean="0"/>
               <a:t>”</a:t>
             </a:r>
+            <a:endParaRPr lang="en-US" sz="2500" dirty="0" smtClean="0"/>
           </a:p>
           <a:p>
             <a:pPr lvl="1" algn="just">
@@ -6394,12 +6401,13 @@
                   <a:srgbClr val="FF0000"/>
                 </a:solidFill>
               </a:rPr>
-              <a:t>mắt</a:t>
+              <a:t>tim</a:t>
             </a:r>
             <a:r>
               <a:rPr lang="en-US" sz="2500" dirty="0" smtClean="0"/>
               <a:t>”.</a:t>
             </a:r>
+            <a:endParaRPr lang="en-US" sz="2500" dirty="0" smtClean="0"/>
           </a:p>
         </p:txBody>
       </p:sp>
@@ -6420,7 +6428,7 @@
           <a:p>
             <a:fld id="{338DD89B-4726-4C7C-931A-DE3FAD6E9CBA}" type="datetime1">
               <a:rPr lang="vi-VN" smtClean="0"/>
-              <a:t>02/09/2014</a:t>
+              <a:t>03/09/2014</a:t>
             </a:fld>
             <a:endParaRPr lang="en-US"/>
           </a:p>
@@ -6820,7 +6828,7 @@
           <a:p>
             <a:fld id="{338DD89B-4726-4C7C-931A-DE3FAD6E9CBA}" type="datetime1">
               <a:rPr lang="vi-VN" smtClean="0"/>
-              <a:t>02/09/2014</a:t>
+              <a:t>03/09/2014</a:t>
             </a:fld>
             <a:endParaRPr lang="en-US"/>
           </a:p>
@@ -6947,9 +6955,55 @@
           </a:p>
         </p:txBody>
       </p:sp>
+      <p:sp>
+        <p:nvSpPr>
+          <p:cNvPr id="4" name="Date Placeholder 3"/>
+          <p:cNvSpPr>
+            <a:spLocks noGrp="1"/>
+          </p:cNvSpPr>
+          <p:nvPr>
+            <p:ph type="dt" sz="half" idx="10"/>
+          </p:nvPr>
+        </p:nvSpPr>
+        <p:spPr/>
+        <p:txBody>
+          <a:bodyPr/>
+          <a:lstStyle/>
+          <a:p>
+            <a:fld id="{338DD89B-4726-4C7C-931A-DE3FAD6E9CBA}" type="datetime1">
+              <a:rPr lang="vi-VN" smtClean="0"/>
+              <a:t>03/09/2014</a:t>
+            </a:fld>
+            <a:endParaRPr lang="en-US"/>
+          </a:p>
+        </p:txBody>
+      </p:sp>
+      <p:sp>
+        <p:nvSpPr>
+          <p:cNvPr id="5" name="Slide Number Placeholder 4"/>
+          <p:cNvSpPr>
+            <a:spLocks noGrp="1"/>
+          </p:cNvSpPr>
+          <p:nvPr>
+            <p:ph type="sldNum" sz="quarter" idx="12"/>
+          </p:nvPr>
+        </p:nvSpPr>
+        <p:spPr/>
+        <p:txBody>
+          <a:bodyPr/>
+          <a:lstStyle/>
+          <a:p>
+            <a:fld id="{D1FACFED-01C6-437A-A89F-44FEA39E5018}" type="slidenum">
+              <a:rPr lang="en-US" smtClean="0"/>
+              <a:t>14</a:t>
+            </a:fld>
+            <a:endParaRPr lang="en-US"/>
+          </a:p>
+        </p:txBody>
+      </p:sp>
       <p:pic>
         <p:nvPicPr>
-          <p:cNvPr id="6" name="Content Placeholder 5"/>
+          <p:cNvPr id="7" name="Content Placeholder 6"/>
           <p:cNvPicPr>
             <a:picLocks noGrp="1" noChangeAspect="1"/>
           </p:cNvPicPr>
@@ -6971,57 +7025,11 @@
         </p:blipFill>
         <p:spPr>
           <a:xfrm>
-            <a:off x="219432" y="1804032"/>
-            <a:ext cx="8727760" cy="2821756"/>
+            <a:off x="232878" y="1650850"/>
+            <a:ext cx="8723249" cy="3203538"/>
           </a:xfrm>
         </p:spPr>
       </p:pic>
-      <p:sp>
-        <p:nvSpPr>
-          <p:cNvPr id="4" name="Date Placeholder 3"/>
-          <p:cNvSpPr>
-            <a:spLocks noGrp="1"/>
-          </p:cNvSpPr>
-          <p:nvPr>
-            <p:ph type="dt" sz="half" idx="10"/>
-          </p:nvPr>
-        </p:nvSpPr>
-        <p:spPr/>
-        <p:txBody>
-          <a:bodyPr/>
-          <a:lstStyle/>
-          <a:p>
-            <a:fld id="{338DD89B-4726-4C7C-931A-DE3FAD6E9CBA}" type="datetime1">
-              <a:rPr lang="vi-VN" smtClean="0"/>
-              <a:t>02/09/2014</a:t>
-            </a:fld>
-            <a:endParaRPr lang="en-US"/>
-          </a:p>
-        </p:txBody>
-      </p:sp>
-      <p:sp>
-        <p:nvSpPr>
-          <p:cNvPr id="5" name="Slide Number Placeholder 4"/>
-          <p:cNvSpPr>
-            <a:spLocks noGrp="1"/>
-          </p:cNvSpPr>
-          <p:nvPr>
-            <p:ph type="sldNum" sz="quarter" idx="12"/>
-          </p:nvPr>
-        </p:nvSpPr>
-        <p:spPr/>
-        <p:txBody>
-          <a:bodyPr/>
-          <a:lstStyle/>
-          <a:p>
-            <a:fld id="{D1FACFED-01C6-437A-A89F-44FEA39E5018}" type="slidenum">
-              <a:rPr lang="en-US" smtClean="0"/>
-              <a:t>14</a:t>
-            </a:fld>
-            <a:endParaRPr lang="en-US"/>
-          </a:p>
-        </p:txBody>
-      </p:sp>
     </p:spTree>
     <p:extLst>
       <p:ext uri="{BB962C8B-B14F-4D97-AF65-F5344CB8AC3E}">
@@ -7032,13 +7040,13 @@
   <p:clrMapOvr>
     <a:masterClrMapping/>
   </p:clrMapOvr>
-  <mc:AlternateContent xmlns:mc="http://schemas.openxmlformats.org/markup-compatibility/2006">
-    <mc:Choice xmlns:p14="http://schemas.microsoft.com/office/powerpoint/2010/main" Requires="p14">
+  <mc:AlternateContent xmlns:mc="http://schemas.openxmlformats.org/markup-compatibility/2006" xmlns:p14="http://schemas.microsoft.com/office/powerpoint/2010/main">
+    <mc:Choice Requires="p14">
       <p:transition spd="med" p14:dur="700">
         <p:fade/>
       </p:transition>
     </mc:Choice>
-    <mc:Fallback>
+    <mc:Fallback xmlns="">
       <p:transition spd="med">
         <p:fade/>
       </p:transition>
@@ -7840,7 +7848,7 @@
           <a:p>
             <a:fld id="{338DD89B-4726-4C7C-931A-DE3FAD6E9CBA}" type="datetime1">
               <a:rPr lang="vi-VN" smtClean="0"/>
-              <a:t>02/09/2014</a:t>
+              <a:t>03/09/2014</a:t>
             </a:fld>
             <a:endParaRPr lang="en-US"/>
           </a:p>
@@ -8073,7 +8081,7 @@
           <a:p>
             <a:fld id="{338DD89B-4726-4C7C-931A-DE3FAD6E9CBA}" type="datetime1">
               <a:rPr lang="vi-VN" smtClean="0"/>
-              <a:t>02/09/2014</a:t>
+              <a:t>03/09/2014</a:t>
             </a:fld>
             <a:endParaRPr lang="en-US"/>
           </a:p>
@@ -8438,7 +8446,7 @@
           <a:p>
             <a:fld id="{338DD89B-4726-4C7C-931A-DE3FAD6E9CBA}" type="datetime1">
               <a:rPr lang="vi-VN" smtClean="0"/>
-              <a:t>02/09/2014</a:t>
+              <a:t>03/09/2014</a:t>
             </a:fld>
             <a:endParaRPr lang="en-US"/>
           </a:p>
@@ -8614,15 +8622,7 @@
             </a:pPr>
             <a:r>
               <a:rPr lang="en-US" sz="3000" dirty="0" smtClean="0"/>
-              <a:t>Import list of hospitals in </a:t>
-            </a:r>
-            <a:r>
-              <a:rPr lang="en-US" sz="3000" dirty="0" err="1" smtClean="0"/>
-              <a:t>Cà</a:t>
-            </a:r>
-            <a:r>
-              <a:rPr lang="en-US" sz="3000" dirty="0" smtClean="0"/>
-              <a:t> Mau and using search options to search</a:t>
+              <a:t>Import list of hospitals in District 12 and using search options to search</a:t>
             </a:r>
           </a:p>
           <a:p>
@@ -8684,7 +8684,7 @@
           <a:p>
             <a:fld id="{338DD89B-4726-4C7C-931A-DE3FAD6E9CBA}" type="datetime1">
               <a:rPr lang="vi-VN" smtClean="0"/>
-              <a:t>02/09/2014</a:t>
+              <a:t>03/09/2014</a:t>
             </a:fld>
             <a:endParaRPr lang="en-US"/>
           </a:p>
@@ -8873,7 +8873,7 @@
             </a:pPr>
             <a:r>
               <a:rPr lang="en-US" sz="3000" dirty="0" smtClean="0"/>
-              <a:t>Boundary</a:t>
+              <a:t>Boundary and Future improvement</a:t>
             </a:r>
           </a:p>
           <a:p>
@@ -8883,7 +8883,7 @@
             </a:pPr>
             <a:r>
               <a:rPr lang="en-US" sz="3000" dirty="0" smtClean="0"/>
-              <a:t>Future improvement</a:t>
+              <a:t>Demo</a:t>
             </a:r>
             <a:endParaRPr lang="en-US" sz="3000" dirty="0"/>
           </a:p>
@@ -8906,7 +8906,7 @@
           <a:p>
             <a:fld id="{338DD89B-4726-4C7C-931A-DE3FAD6E9CBA}" type="datetime1">
               <a:rPr lang="vi-VN" smtClean="0"/>
-              <a:t>02/09/2014</a:t>
+              <a:t>03/09/2014</a:t>
             </a:fld>
             <a:endParaRPr lang="en-US"/>
           </a:p>
@@ -9128,7 +9128,7 @@
           <a:p>
             <a:fld id="{D3FCECA5-D096-4DD2-B480-246D8B69DB6C}" type="datetime1">
               <a:rPr lang="vi-VN" smtClean="0"/>
-              <a:t>02/09/2014</a:t>
+              <a:t>03/09/2014</a:t>
             </a:fld>
             <a:endParaRPr lang="en-US"/>
           </a:p>
@@ -9471,7 +9471,7 @@
           <a:p>
             <a:fld id="{338DD89B-4726-4C7C-931A-DE3FAD6E9CBA}" type="datetime1">
               <a:rPr lang="vi-VN" smtClean="0"/>
-              <a:t>02/09/2014</a:t>
+              <a:t>03/09/2014</a:t>
             </a:fld>
             <a:endParaRPr lang="en-US"/>
           </a:p>
@@ -9797,7 +9797,7 @@
           <a:p>
             <a:fld id="{338DD89B-4726-4C7C-931A-DE3FAD6E9CBA}" type="datetime1">
               <a:rPr lang="vi-VN" smtClean="0"/>
-              <a:t>02/09/2014</a:t>
+              <a:t>03/09/2014</a:t>
             </a:fld>
             <a:endParaRPr lang="en-US"/>
           </a:p>
@@ -10183,7 +10183,7 @@
           <a:p>
             <a:fld id="{338DD89B-4726-4C7C-931A-DE3FAD6E9CBA}" type="datetime1">
               <a:rPr lang="vi-VN" smtClean="0"/>
-              <a:t>02/09/2014</a:t>
+              <a:t>03/09/2014</a:t>
             </a:fld>
             <a:endParaRPr lang="en-US"/>
           </a:p>
@@ -10594,7 +10594,7 @@
           <a:p>
             <a:fld id="{338DD89B-4726-4C7C-931A-DE3FAD6E9CBA}" type="datetime1">
               <a:rPr lang="vi-VN" smtClean="0"/>
-              <a:t>02/09/2014</a:t>
+              <a:t>03/09/2014</a:t>
             </a:fld>
             <a:endParaRPr lang="en-US"/>
           </a:p>
@@ -10954,7 +10954,7 @@
           <a:p>
             <a:fld id="{338DD89B-4726-4C7C-931A-DE3FAD6E9CBA}" type="datetime1">
               <a:rPr lang="vi-VN" smtClean="0"/>
-              <a:t>02/09/2014</a:t>
+              <a:t>03/09/2014</a:t>
             </a:fld>
             <a:endParaRPr lang="en-US"/>
           </a:p>
@@ -11420,7 +11420,7 @@
           <a:p>
             <a:fld id="{338DD89B-4726-4C7C-931A-DE3FAD6E9CBA}" type="datetime1">
               <a:rPr lang="vi-VN" smtClean="0"/>
-              <a:t>02/09/2014</a:t>
+              <a:t>03/09/2014</a:t>
             </a:fld>
             <a:endParaRPr lang="en-US"/>
           </a:p>

--- a/trunk/Hospital Finder.pptx
+++ b/trunk/Hospital Finder.pptx
@@ -5152,7 +5152,6 @@
               <a:rPr lang="en-US" sz="2500" dirty="0" smtClean="0"/>
               <a:t>”</a:t>
             </a:r>
-            <a:endParaRPr lang="en-US" sz="2500" dirty="0" smtClean="0"/>
           </a:p>
         </p:txBody>
       </p:sp>
@@ -5605,11 +5604,7 @@
             </a:r>
             <a:r>
               <a:rPr lang="en-US" sz="2500" b="1" dirty="0" smtClean="0"/>
-              <a:t> </a:t>
-            </a:r>
-            <a:r>
-              <a:rPr lang="en-US" sz="2500" b="1" dirty="0" smtClean="0"/>
-              <a:t>1</a:t>
+              <a:t> 1</a:t>
             </a:r>
             <a:r>
               <a:rPr lang="en-US" sz="2500" dirty="0" smtClean="0"/>
@@ -5811,7 +5806,6 @@
               <a:rPr lang="en-US" sz="2500" dirty="0" smtClean="0"/>
               <a:t>”</a:t>
             </a:r>
-            <a:endParaRPr lang="en-US" sz="2500" dirty="0" smtClean="0"/>
           </a:p>
         </p:txBody>
       </p:sp>
@@ -6258,7 +6252,6 @@
               <a:rPr lang="en-US" sz="2500" dirty="0" smtClean="0"/>
               <a:t>”</a:t>
             </a:r>
-            <a:endParaRPr lang="en-US" sz="2500" dirty="0" smtClean="0"/>
           </a:p>
           <a:p>
             <a:pPr lvl="1" algn="just">
@@ -6407,7 +6400,6 @@
               <a:rPr lang="en-US" sz="2500" dirty="0" smtClean="0"/>
               <a:t>”.</a:t>
             </a:r>
-            <a:endParaRPr lang="en-US" sz="2500" dirty="0" smtClean="0"/>
           </a:p>
         </p:txBody>
       </p:sp>
@@ -8621,21 +8613,12 @@
               <a:buAutoNum type="arabicPeriod"/>
             </a:pPr>
             <a:r>
+              <a:rPr lang="en-US" sz="3000" smtClean="0"/>
+              <a:t>Manage </a:t>
+            </a:r>
+            <a:r>
               <a:rPr lang="en-US" sz="3000" dirty="0" smtClean="0"/>
-              <a:t>Import list of hospitals in District 12 and using search options to search</a:t>
-            </a:r>
-          </a:p>
-          <a:p>
-            <a:pPr marL="491490" indent="-457200">
-              <a:spcBef>
-                <a:spcPts val="1200"/>
-              </a:spcBef>
-              <a:buFont typeface="+mj-lt"/>
-              <a:buAutoNum type="arabicPeriod"/>
-            </a:pPr>
-            <a:r>
-              <a:rPr lang="en-US" sz="3000" dirty="0" smtClean="0"/>
-              <a:t>Manage information of hospitals</a:t>
+              <a:t>information of hospitals</a:t>
             </a:r>
           </a:p>
           <a:p>
